--- a/Present.pptx
+++ b/Present.pptx
@@ -5,25 +5,16 @@
     <p:sldMasterId id="2147483660" r:id="rId1"/>
   </p:sldMasterIdLst>
   <p:notesMasterIdLst>
-    <p:notesMasterId r:id="rId18"/>
+    <p:notesMasterId r:id="rId9"/>
   </p:notesMasterIdLst>
   <p:sldIdLst>
     <p:sldId id="260" r:id="rId2"/>
     <p:sldId id="261" r:id="rId3"/>
-    <p:sldId id="281" r:id="rId4"/>
-    <p:sldId id="287" r:id="rId5"/>
-    <p:sldId id="283" r:id="rId6"/>
-    <p:sldId id="288" r:id="rId7"/>
-    <p:sldId id="289" r:id="rId8"/>
-    <p:sldId id="285" r:id="rId9"/>
-    <p:sldId id="286" r:id="rId10"/>
-    <p:sldId id="290" r:id="rId11"/>
-    <p:sldId id="263" r:id="rId12"/>
-    <p:sldId id="264" r:id="rId13"/>
-    <p:sldId id="267" r:id="rId14"/>
-    <p:sldId id="268" r:id="rId15"/>
-    <p:sldId id="279" r:id="rId16"/>
-    <p:sldId id="280" r:id="rId17"/>
+    <p:sldId id="291" r:id="rId4"/>
+    <p:sldId id="263" r:id="rId5"/>
+    <p:sldId id="292" r:id="rId6"/>
+    <p:sldId id="279" r:id="rId7"/>
+    <p:sldId id="280" r:id="rId8"/>
   </p:sldIdLst>
   <p:sldSz cx="12192000" cy="6858000"/>
   <p:notesSz cx="6858000" cy="9144000"/>
@@ -223,7 +214,7 @@
           <a:p>
             <a:fld id="{552C4746-9C64-4372-81FC-590C4F9DBF1C}" type="datetimeFigureOut">
               <a:rPr lang="en-US" smtClean="0"/>
-              <a:t>3/30/2020</a:t>
+              <a:t>4/2/2020</a:t>
             </a:fld>
             <a:endParaRPr lang="en-US"/>
           </a:p>
@@ -2950,7 +2941,7 @@
                   <a:prstClr val="black"/>
                 </a:solidFill>
               </a:rPr>
-              <a:t>3/30/2020</a:t>
+              <a:t>4/2/2020</a:t>
             </a:fld>
             <a:endParaRPr lang="en-GB">
               <a:solidFill>
@@ -3141,7 +3132,7 @@
                   <a:prstClr val="black"/>
                 </a:solidFill>
               </a:rPr>
-              <a:t>3/30/2020</a:t>
+              <a:t>4/2/2020</a:t>
             </a:fld>
             <a:endParaRPr lang="en-GB">
               <a:solidFill>
@@ -3406,7 +3397,7 @@
                   <a:prstClr val="black"/>
                 </a:solidFill>
               </a:rPr>
-              <a:t>3/30/2020</a:t>
+              <a:t>4/2/2020</a:t>
             </a:fld>
             <a:endParaRPr lang="en-GB">
               <a:solidFill>
@@ -4602,8 +4593,8 @@
         </p:nvSpPr>
         <p:spPr>
           <a:xfrm>
-            <a:off x="1131863" y="4221331"/>
-            <a:ext cx="9928274" cy="830997"/>
+            <a:off x="3174907" y="3248161"/>
+            <a:ext cx="5842185" cy="830997"/>
           </a:xfrm>
           <a:prstGeom prst="rect">
             <a:avLst/>
@@ -4619,6 +4610,9 @@
             <a:pPr algn="ctr"/>
             <a:r>
               <a:rPr lang="en-US" sz="4800" b="1" dirty="0">
+                <a:solidFill>
+                  <a:srgbClr val="0070C0"/>
+                </a:solidFill>
                 <a:latin typeface="Times New Roman" panose="02020603050405020304" pitchFamily="18" charset="0"/>
                 <a:cs typeface="Times New Roman" panose="02020603050405020304" pitchFamily="18" charset="0"/>
               </a:rPr>
@@ -4635,7 +4629,7 @@
         </p:nvSpPr>
         <p:spPr>
           <a:xfrm>
-            <a:off x="4132920" y="3432070"/>
+            <a:off x="3864473" y="1005925"/>
             <a:ext cx="3926160" cy="923330"/>
           </a:xfrm>
           <a:prstGeom prst="rect">
@@ -4651,6 +4645,9 @@
           <a:p>
             <a:r>
               <a:rPr lang="en-US" sz="5400" b="1" dirty="0">
+                <a:solidFill>
+                  <a:srgbClr val="0070C0"/>
+                </a:solidFill>
                 <a:latin typeface="Times New Roman" panose="02020603050405020304" pitchFamily="18" charset="0"/>
                 <a:cs typeface="Times New Roman" panose="02020603050405020304" pitchFamily="18" charset="0"/>
               </a:rPr>
@@ -4667,8 +4664,8 @@
         </p:nvSpPr>
         <p:spPr>
           <a:xfrm>
-            <a:off x="1960092" y="5318369"/>
-            <a:ext cx="8271816" cy="523220"/>
+            <a:off x="2168554" y="5339341"/>
+            <a:ext cx="8665827" cy="400110"/>
           </a:xfrm>
           <a:prstGeom prst="rect">
             <a:avLst/>
@@ -4676,71 +4673,143 @@
           <a:noFill/>
         </p:spPr>
         <p:txBody>
-          <a:bodyPr wrap="none" rtlCol="0">
+          <a:bodyPr wrap="square" rtlCol="0">
             <a:spAutoFit/>
           </a:bodyPr>
           <a:lstStyle/>
           <a:p>
             <a:r>
-              <a:rPr lang="en-US" sz="2800" dirty="0">
+              <a:rPr lang="en-US" sz="2000" dirty="0">
+                <a:solidFill>
+                  <a:srgbClr val="0070C0"/>
+                </a:solidFill>
                 <a:latin typeface="Times New Roman" panose="02020603050405020304" pitchFamily="18" charset="0"/>
                 <a:cs typeface="Times New Roman" panose="02020603050405020304" pitchFamily="18" charset="0"/>
               </a:rPr>
-              <a:t>GROUP: </a:t>
-            </a:r>
-            <a:r>
-              <a:rPr lang="en-US" sz="2800" dirty="0" err="1">
+              <a:t>Le Duc Hoa – Nguyen </a:t>
+            </a:r>
+            <a:r>
+              <a:rPr lang="en-US" sz="2000" dirty="0" err="1">
+                <a:solidFill>
+                  <a:srgbClr val="0070C0"/>
+                </a:solidFill>
                 <a:latin typeface="Times New Roman" panose="02020603050405020304" pitchFamily="18" charset="0"/>
                 <a:cs typeface="Times New Roman" panose="02020603050405020304" pitchFamily="18" charset="0"/>
               </a:rPr>
-              <a:t>L.D.Hoa</a:t>
-            </a:r>
-            <a:r>
-              <a:rPr lang="en-US" sz="2800" dirty="0">
+              <a:t>Thi</a:t>
+            </a:r>
+            <a:r>
+              <a:rPr lang="en-US" sz="2000" dirty="0">
+                <a:solidFill>
+                  <a:srgbClr val="0070C0"/>
+                </a:solidFill>
                 <a:latin typeface="Times New Roman" panose="02020603050405020304" pitchFamily="18" charset="0"/>
                 <a:cs typeface="Times New Roman" panose="02020603050405020304" pitchFamily="18" charset="0"/>
               </a:rPr>
-              <a:t>, </a:t>
-            </a:r>
-            <a:r>
-              <a:rPr lang="en-US" sz="2800" dirty="0" err="1">
+              <a:t> Diem Huong – </a:t>
+            </a:r>
+            <a:r>
+              <a:rPr lang="en-US" sz="2000" dirty="0" err="1">
+                <a:solidFill>
+                  <a:srgbClr val="0070C0"/>
+                </a:solidFill>
                 <a:latin typeface="Times New Roman" panose="02020603050405020304" pitchFamily="18" charset="0"/>
                 <a:cs typeface="Times New Roman" panose="02020603050405020304" pitchFamily="18" charset="0"/>
               </a:rPr>
-              <a:t>N.T.D.Huong</a:t>
-            </a:r>
-            <a:r>
-              <a:rPr lang="en-US" sz="2800" dirty="0">
+              <a:t>Vuong</a:t>
+            </a:r>
+            <a:r>
+              <a:rPr lang="en-US" sz="2000" dirty="0">
+                <a:solidFill>
+                  <a:srgbClr val="0070C0"/>
+                </a:solidFill>
                 <a:latin typeface="Times New Roman" panose="02020603050405020304" pitchFamily="18" charset="0"/>
                 <a:cs typeface="Times New Roman" panose="02020603050405020304" pitchFamily="18" charset="0"/>
               </a:rPr>
-              <a:t>, </a:t>
-            </a:r>
-            <a:r>
-              <a:rPr lang="en-US" sz="2800" dirty="0" err="1">
+              <a:t> </a:t>
+            </a:r>
+            <a:r>
+              <a:rPr lang="en-US" sz="2000" dirty="0" err="1">
+                <a:solidFill>
+                  <a:srgbClr val="0070C0"/>
+                </a:solidFill>
                 <a:latin typeface="Times New Roman" panose="02020603050405020304" pitchFamily="18" charset="0"/>
                 <a:cs typeface="Times New Roman" panose="02020603050405020304" pitchFamily="18" charset="0"/>
               </a:rPr>
-              <a:t>V.D.Nguyen</a:t>
-            </a:r>
-            <a:r>
-              <a:rPr lang="en-US" sz="2800" dirty="0">
+              <a:t>Dinh</a:t>
+            </a:r>
+            <a:r>
+              <a:rPr lang="en-US" sz="2000" dirty="0">
+                <a:solidFill>
+                  <a:srgbClr val="0070C0"/>
+                </a:solidFill>
                 <a:latin typeface="Times New Roman" panose="02020603050405020304" pitchFamily="18" charset="0"/>
                 <a:cs typeface="Times New Roman" panose="02020603050405020304" pitchFamily="18" charset="0"/>
               </a:rPr>
-              <a:t>, </a:t>
-            </a:r>
-            <a:r>
-              <a:rPr lang="en-US" sz="2800" dirty="0" err="1">
+              <a:t> Nguyen – Nguyen </a:t>
+            </a:r>
+            <a:r>
+              <a:rPr lang="en-US" sz="2000" dirty="0" err="1">
+                <a:solidFill>
+                  <a:srgbClr val="0070C0"/>
+                </a:solidFill>
                 <a:latin typeface="Times New Roman" panose="02020603050405020304" pitchFamily="18" charset="0"/>
                 <a:cs typeface="Times New Roman" panose="02020603050405020304" pitchFamily="18" charset="0"/>
               </a:rPr>
-              <a:t>N.H.Ly</a:t>
-            </a:r>
-            <a:endParaRPr lang="en-US" sz="2800" dirty="0">
-              <a:latin typeface="Times New Roman" panose="02020603050405020304" pitchFamily="18" charset="0"/>
-              <a:cs typeface="Times New Roman" panose="02020603050405020304" pitchFamily="18" charset="0"/>
-            </a:endParaRPr>
+              <a:t>Huu</a:t>
+            </a:r>
+            <a:r>
+              <a:rPr lang="en-US" sz="2000" dirty="0">
+                <a:solidFill>
+                  <a:srgbClr val="0070C0"/>
+                </a:solidFill>
+                <a:latin typeface="Times New Roman" panose="02020603050405020304" pitchFamily="18" charset="0"/>
+                <a:cs typeface="Times New Roman" panose="02020603050405020304" pitchFamily="18" charset="0"/>
+              </a:rPr>
+              <a:t> Ly</a:t>
+            </a:r>
+          </a:p>
+        </p:txBody>
+      </p:sp>
+      <p:sp>
+        <p:nvSpPr>
+          <p:cNvPr id="7" name="TextBox 6">
+            <a:extLst>
+              <a:ext uri="{FF2B5EF4-FFF2-40B4-BE49-F238E27FC236}">
+                <a16:creationId xmlns:a16="http://schemas.microsoft.com/office/drawing/2014/main" id="{79790634-052F-4AAD-8D64-09DE587194FA}"/>
+              </a:ext>
+            </a:extLst>
+          </p:cNvPr>
+          <p:cNvSpPr txBox="1"/>
+          <p:nvPr/>
+        </p:nvSpPr>
+        <p:spPr>
+          <a:xfrm>
+            <a:off x="4957894" y="4446273"/>
+            <a:ext cx="1543574" cy="400110"/>
+          </a:xfrm>
+          <a:prstGeom prst="rect">
+            <a:avLst/>
+          </a:prstGeom>
+          <a:noFill/>
+        </p:spPr>
+        <p:txBody>
+          <a:bodyPr wrap="square" rtlCol="0">
+            <a:spAutoFit/>
+          </a:bodyPr>
+          <a:lstStyle/>
+          <a:p>
+            <a:pPr algn="ctr"/>
+            <a:r>
+              <a:rPr lang="en-US" sz="2000" dirty="0">
+                <a:solidFill>
+                  <a:srgbClr val="0070C0"/>
+                </a:solidFill>
+                <a:latin typeface="Times New Roman" panose="02020603050405020304" pitchFamily="18" charset="0"/>
+                <a:cs typeface="Times New Roman" panose="02020603050405020304" pitchFamily="18" charset="0"/>
+              </a:rPr>
+              <a:t>GROUP …</a:t>
+            </a:r>
           </a:p>
         </p:txBody>
       </p:sp>
@@ -4778,7 +4847,1655 @@
                             </p:stCondLst>
                             <p:childTnLst>
                               <p:par>
-                                <p:cTn id="5" presetID="10" presetClass="entr" presetSubtype="0" fill="hold" grpId="0" nodeType="clickEffect">
+                                <p:cTn id="5" presetID="2" presetClass="entr" presetSubtype="4" fill="hold" grpId="0" nodeType="clickEffect">
+                                  <p:stCondLst>
+                                    <p:cond delay="0"/>
+                                  </p:stCondLst>
+                                  <p:childTnLst>
+                                    <p:set>
+                                      <p:cBhvr>
+                                        <p:cTn id="6" dur="1" fill="hold">
+                                          <p:stCondLst>
+                                            <p:cond delay="0"/>
+                                          </p:stCondLst>
+                                        </p:cTn>
+                                        <p:tgtEl>
+                                          <p:spTgt spid="2"/>
+                                        </p:tgtEl>
+                                        <p:attrNameLst>
+                                          <p:attrName>style.visibility</p:attrName>
+                                        </p:attrNameLst>
+                                      </p:cBhvr>
+                                      <p:to>
+                                        <p:strVal val="visible"/>
+                                      </p:to>
+                                    </p:set>
+                                    <p:anim calcmode="lin" valueType="num">
+                                      <p:cBhvr additive="base">
+                                        <p:cTn id="7" dur="500" fill="hold"/>
+                                        <p:tgtEl>
+                                          <p:spTgt spid="2"/>
+                                        </p:tgtEl>
+                                        <p:attrNameLst>
+                                          <p:attrName>ppt_x</p:attrName>
+                                        </p:attrNameLst>
+                                      </p:cBhvr>
+                                      <p:tavLst>
+                                        <p:tav tm="0">
+                                          <p:val>
+                                            <p:strVal val="#ppt_x"/>
+                                          </p:val>
+                                        </p:tav>
+                                        <p:tav tm="100000">
+                                          <p:val>
+                                            <p:strVal val="#ppt_x"/>
+                                          </p:val>
+                                        </p:tav>
+                                      </p:tavLst>
+                                    </p:anim>
+                                    <p:anim calcmode="lin" valueType="num">
+                                      <p:cBhvr additive="base">
+                                        <p:cTn id="8" dur="500" fill="hold"/>
+                                        <p:tgtEl>
+                                          <p:spTgt spid="2"/>
+                                        </p:tgtEl>
+                                        <p:attrNameLst>
+                                          <p:attrName>ppt_y</p:attrName>
+                                        </p:attrNameLst>
+                                      </p:cBhvr>
+                                      <p:tavLst>
+                                        <p:tav tm="0">
+                                          <p:val>
+                                            <p:strVal val="1+#ppt_h/2"/>
+                                          </p:val>
+                                        </p:tav>
+                                        <p:tav tm="100000">
+                                          <p:val>
+                                            <p:strVal val="#ppt_y"/>
+                                          </p:val>
+                                        </p:tav>
+                                      </p:tavLst>
+                                    </p:anim>
+                                  </p:childTnLst>
+                                </p:cTn>
+                              </p:par>
+                              <p:par>
+                                <p:cTn id="9" presetID="2" presetClass="entr" presetSubtype="4" fill="hold" grpId="0" nodeType="withEffect">
+                                  <p:stCondLst>
+                                    <p:cond delay="0"/>
+                                  </p:stCondLst>
+                                  <p:childTnLst>
+                                    <p:set>
+                                      <p:cBhvr>
+                                        <p:cTn id="10" dur="1" fill="hold">
+                                          <p:stCondLst>
+                                            <p:cond delay="0"/>
+                                          </p:stCondLst>
+                                        </p:cTn>
+                                        <p:tgtEl>
+                                          <p:spTgt spid="4"/>
+                                        </p:tgtEl>
+                                        <p:attrNameLst>
+                                          <p:attrName>style.visibility</p:attrName>
+                                        </p:attrNameLst>
+                                      </p:cBhvr>
+                                      <p:to>
+                                        <p:strVal val="visible"/>
+                                      </p:to>
+                                    </p:set>
+                                    <p:anim calcmode="lin" valueType="num">
+                                      <p:cBhvr additive="base">
+                                        <p:cTn id="11" dur="500" fill="hold"/>
+                                        <p:tgtEl>
+                                          <p:spTgt spid="4"/>
+                                        </p:tgtEl>
+                                        <p:attrNameLst>
+                                          <p:attrName>ppt_x</p:attrName>
+                                        </p:attrNameLst>
+                                      </p:cBhvr>
+                                      <p:tavLst>
+                                        <p:tav tm="0">
+                                          <p:val>
+                                            <p:strVal val="#ppt_x"/>
+                                          </p:val>
+                                        </p:tav>
+                                        <p:tav tm="100000">
+                                          <p:val>
+                                            <p:strVal val="#ppt_x"/>
+                                          </p:val>
+                                        </p:tav>
+                                      </p:tavLst>
+                                    </p:anim>
+                                    <p:anim calcmode="lin" valueType="num">
+                                      <p:cBhvr additive="base">
+                                        <p:cTn id="12" dur="500" fill="hold"/>
+                                        <p:tgtEl>
+                                          <p:spTgt spid="4"/>
+                                        </p:tgtEl>
+                                        <p:attrNameLst>
+                                          <p:attrName>ppt_y</p:attrName>
+                                        </p:attrNameLst>
+                                      </p:cBhvr>
+                                      <p:tavLst>
+                                        <p:tav tm="0">
+                                          <p:val>
+                                            <p:strVal val="1+#ppt_h/2"/>
+                                          </p:val>
+                                        </p:tav>
+                                        <p:tav tm="100000">
+                                          <p:val>
+                                            <p:strVal val="#ppt_y"/>
+                                          </p:val>
+                                        </p:tav>
+                                      </p:tavLst>
+                                    </p:anim>
+                                  </p:childTnLst>
+                                </p:cTn>
+                              </p:par>
+                              <p:par>
+                                <p:cTn id="13" presetID="2" presetClass="entr" presetSubtype="4" fill="hold" grpId="0" nodeType="withEffect">
+                                  <p:stCondLst>
+                                    <p:cond delay="0"/>
+                                  </p:stCondLst>
+                                  <p:childTnLst>
+                                    <p:set>
+                                      <p:cBhvr>
+                                        <p:cTn id="14" dur="1" fill="hold">
+                                          <p:stCondLst>
+                                            <p:cond delay="0"/>
+                                          </p:stCondLst>
+                                        </p:cTn>
+                                        <p:tgtEl>
+                                          <p:spTgt spid="5"/>
+                                        </p:tgtEl>
+                                        <p:attrNameLst>
+                                          <p:attrName>style.visibility</p:attrName>
+                                        </p:attrNameLst>
+                                      </p:cBhvr>
+                                      <p:to>
+                                        <p:strVal val="visible"/>
+                                      </p:to>
+                                    </p:set>
+                                    <p:anim calcmode="lin" valueType="num">
+                                      <p:cBhvr additive="base">
+                                        <p:cTn id="15" dur="500" fill="hold"/>
+                                        <p:tgtEl>
+                                          <p:spTgt spid="5"/>
+                                        </p:tgtEl>
+                                        <p:attrNameLst>
+                                          <p:attrName>ppt_x</p:attrName>
+                                        </p:attrNameLst>
+                                      </p:cBhvr>
+                                      <p:tavLst>
+                                        <p:tav tm="0">
+                                          <p:val>
+                                            <p:strVal val="#ppt_x"/>
+                                          </p:val>
+                                        </p:tav>
+                                        <p:tav tm="100000">
+                                          <p:val>
+                                            <p:strVal val="#ppt_x"/>
+                                          </p:val>
+                                        </p:tav>
+                                      </p:tavLst>
+                                    </p:anim>
+                                    <p:anim calcmode="lin" valueType="num">
+                                      <p:cBhvr additive="base">
+                                        <p:cTn id="16" dur="500" fill="hold"/>
+                                        <p:tgtEl>
+                                          <p:spTgt spid="5"/>
+                                        </p:tgtEl>
+                                        <p:attrNameLst>
+                                          <p:attrName>ppt_y</p:attrName>
+                                        </p:attrNameLst>
+                                      </p:cBhvr>
+                                      <p:tavLst>
+                                        <p:tav tm="0">
+                                          <p:val>
+                                            <p:strVal val="1+#ppt_h/2"/>
+                                          </p:val>
+                                        </p:tav>
+                                        <p:tav tm="100000">
+                                          <p:val>
+                                            <p:strVal val="#ppt_y"/>
+                                          </p:val>
+                                        </p:tav>
+                                      </p:tavLst>
+                                    </p:anim>
+                                  </p:childTnLst>
+                                </p:cTn>
+                              </p:par>
+                              <p:par>
+                                <p:cTn id="17" presetID="2" presetClass="entr" presetSubtype="4" fill="hold" grpId="0" nodeType="withEffect">
+                                  <p:stCondLst>
+                                    <p:cond delay="0"/>
+                                  </p:stCondLst>
+                                  <p:childTnLst>
+                                    <p:set>
+                                      <p:cBhvr>
+                                        <p:cTn id="18" dur="1" fill="hold">
+                                          <p:stCondLst>
+                                            <p:cond delay="0"/>
+                                          </p:stCondLst>
+                                        </p:cTn>
+                                        <p:tgtEl>
+                                          <p:spTgt spid="7"/>
+                                        </p:tgtEl>
+                                        <p:attrNameLst>
+                                          <p:attrName>style.visibility</p:attrName>
+                                        </p:attrNameLst>
+                                      </p:cBhvr>
+                                      <p:to>
+                                        <p:strVal val="visible"/>
+                                      </p:to>
+                                    </p:set>
+                                    <p:anim calcmode="lin" valueType="num">
+                                      <p:cBhvr additive="base">
+                                        <p:cTn id="19" dur="500" fill="hold"/>
+                                        <p:tgtEl>
+                                          <p:spTgt spid="7"/>
+                                        </p:tgtEl>
+                                        <p:attrNameLst>
+                                          <p:attrName>ppt_x</p:attrName>
+                                        </p:attrNameLst>
+                                      </p:cBhvr>
+                                      <p:tavLst>
+                                        <p:tav tm="0">
+                                          <p:val>
+                                            <p:strVal val="#ppt_x"/>
+                                          </p:val>
+                                        </p:tav>
+                                        <p:tav tm="100000">
+                                          <p:val>
+                                            <p:strVal val="#ppt_x"/>
+                                          </p:val>
+                                        </p:tav>
+                                      </p:tavLst>
+                                    </p:anim>
+                                    <p:anim calcmode="lin" valueType="num">
+                                      <p:cBhvr additive="base">
+                                        <p:cTn id="20" dur="500" fill="hold"/>
+                                        <p:tgtEl>
+                                          <p:spTgt spid="7"/>
+                                        </p:tgtEl>
+                                        <p:attrNameLst>
+                                          <p:attrName>ppt_y</p:attrName>
+                                        </p:attrNameLst>
+                                      </p:cBhvr>
+                                      <p:tavLst>
+                                        <p:tav tm="0">
+                                          <p:val>
+                                            <p:strVal val="1+#ppt_h/2"/>
+                                          </p:val>
+                                        </p:tav>
+                                        <p:tav tm="100000">
+                                          <p:val>
+                                            <p:strVal val="#ppt_y"/>
+                                          </p:val>
+                                        </p:tav>
+                                      </p:tavLst>
+                                    </p:anim>
+                                  </p:childTnLst>
+                                </p:cTn>
+                              </p:par>
+                            </p:childTnLst>
+                          </p:cTn>
+                        </p:par>
+                      </p:childTnLst>
+                    </p:cTn>
+                  </p:par>
+                </p:childTnLst>
+              </p:cTn>
+              <p:prevCondLst>
+                <p:cond evt="onPrev" delay="0">
+                  <p:tgtEl>
+                    <p:sldTgt/>
+                  </p:tgtEl>
+                </p:cond>
+              </p:prevCondLst>
+              <p:nextCondLst>
+                <p:cond evt="onNext" delay="0">
+                  <p:tgtEl>
+                    <p:sldTgt/>
+                  </p:tgtEl>
+                </p:cond>
+              </p:nextCondLst>
+            </p:seq>
+          </p:childTnLst>
+        </p:cTn>
+      </p:par>
+    </p:tnLst>
+    <p:bldLst>
+      <p:bldP spid="2" grpId="0"/>
+      <p:bldP spid="4" grpId="0"/>
+      <p:bldP spid="5" grpId="0"/>
+      <p:bldP spid="7" grpId="0"/>
+    </p:bldLst>
+  </p:timing>
+</p:sld>
+</file>
+
+<file path=ppt/slides/slide2.xml><?xml version="1.0" encoding="utf-8"?>
+<p:sld xmlns:a="http://schemas.openxmlformats.org/drawingml/2006/main" xmlns:r="http://schemas.openxmlformats.org/officeDocument/2006/relationships" xmlns:p="http://schemas.openxmlformats.org/presentationml/2006/main">
+  <p:cSld>
+    <p:spTree>
+      <p:nvGrpSpPr>
+        <p:cNvPr id="1" name=""/>
+        <p:cNvGrpSpPr/>
+        <p:nvPr/>
+      </p:nvGrpSpPr>
+      <p:grpSpPr>
+        <a:xfrm>
+          <a:off x="0" y="0"/>
+          <a:ext cx="0" cy="0"/>
+          <a:chOff x="0" y="0"/>
+          <a:chExt cx="0" cy="0"/>
+        </a:xfrm>
+      </p:grpSpPr>
+      <p:sp>
+        <p:nvSpPr>
+          <p:cNvPr id="2" name="Content Placeholder 1"/>
+          <p:cNvSpPr>
+            <a:spLocks noGrp="1"/>
+          </p:cNvSpPr>
+          <p:nvPr>
+            <p:ph idx="1"/>
+          </p:nvPr>
+        </p:nvSpPr>
+        <p:spPr/>
+        <p:txBody>
+          <a:bodyPr/>
+          <a:lstStyle/>
+          <a:p>
+            <a:pPr algn="just"/>
+            <a:r>
+              <a:rPr lang="en-US" sz="2000" dirty="0">
+                <a:latin typeface="Times New Roman" panose="02020603050405020304" pitchFamily="18" charset="0"/>
+                <a:cs typeface="Times New Roman" panose="02020603050405020304" pitchFamily="18" charset="0"/>
+              </a:rPr>
+              <a:t>At present, information technology is considered a key industry of the country. Information explosion and the strong development of technology, to develop, need to apply information technology in different industries. Current software increasingly supports users to conveniently use, fast processing time. Therefore, when designing software, it not only requires accuracy and handling of many things, but also meets the speed, friendly interface and realistic simulation on the computer for users to use conveniently and accustomed belonging, high security, ... Software helps save and time of human efforts, increase accuracy and efficiency at work. As in managing a cafe. If not supported by computer software, the management needs to be quite a lot of people and divided into several stages to be able to manage the store such as managing employees (employees in shifts or all day), managing invoices , search, statistics and information adjustment, etc. These jobs require time and effort but the accuracy and efficiency are not high when doing manual work without using software. In addition, it will make the storage difficult, to consume large space, easy to lose and expensive. Meanwhile solving with 1 software is simpler.</a:t>
+            </a:r>
+          </a:p>
+          <a:p>
+            <a:pPr algn="just"/>
+            <a:r>
+              <a:rPr lang="en-US" sz="2000" dirty="0">
+                <a:latin typeface="Times New Roman" panose="02020603050405020304" pitchFamily="18" charset="0"/>
+                <a:cs typeface="Times New Roman" panose="02020603050405020304" pitchFamily="18" charset="0"/>
+              </a:rPr>
+              <a:t>Therefore, it is necessary to develop a cafe management program.</a:t>
+            </a:r>
+          </a:p>
+        </p:txBody>
+      </p:sp>
+      <p:sp>
+        <p:nvSpPr>
+          <p:cNvPr id="3" name="Title 2"/>
+          <p:cNvSpPr>
+            <a:spLocks noGrp="1"/>
+          </p:cNvSpPr>
+          <p:nvPr>
+            <p:ph type="title"/>
+          </p:nvPr>
+        </p:nvSpPr>
+        <p:spPr/>
+        <p:txBody>
+          <a:bodyPr/>
+          <a:lstStyle/>
+          <a:p>
+            <a:r>
+              <a:rPr lang="en-US" dirty="0">
+                <a:latin typeface="Times New Roman" panose="02020603050405020304" pitchFamily="18" charset="0"/>
+                <a:cs typeface="Times New Roman" panose="02020603050405020304" pitchFamily="18" charset="0"/>
+              </a:rPr>
+              <a:t>Problem definition</a:t>
+            </a:r>
+            <a:endParaRPr lang="en-US" dirty="0"/>
+          </a:p>
+        </p:txBody>
+      </p:sp>
+      <p:sp>
+        <p:nvSpPr>
+          <p:cNvPr id="5" name="Slide Number Placeholder 4"/>
+          <p:cNvSpPr>
+            <a:spLocks noGrp="1"/>
+          </p:cNvSpPr>
+          <p:nvPr>
+            <p:ph type="sldNum" sz="quarter" idx="11"/>
+          </p:nvPr>
+        </p:nvSpPr>
+        <p:spPr/>
+        <p:txBody>
+          <a:bodyPr/>
+          <a:lstStyle/>
+          <a:p>
+            <a:pPr>
+              <a:defRPr/>
+            </a:pPr>
+            <a:fld id="{38F81FAE-D748-4BFC-A8B0-D2E750E8899F}" type="slidenum">
+              <a:rPr lang="en-US" smtClean="0">
+                <a:solidFill>
+                  <a:prstClr val="black">
+                    <a:tint val="75000"/>
+                  </a:prstClr>
+                </a:solidFill>
+              </a:rPr>
+              <a:pPr>
+                <a:defRPr/>
+              </a:pPr>
+              <a:t>2</a:t>
+            </a:fld>
+            <a:endParaRPr lang="en-US" dirty="0">
+              <a:solidFill>
+                <a:prstClr val="black">
+                  <a:tint val="75000"/>
+                </a:prstClr>
+              </a:solidFill>
+            </a:endParaRPr>
+          </a:p>
+        </p:txBody>
+      </p:sp>
+      <p:sp>
+        <p:nvSpPr>
+          <p:cNvPr id="6" name="Footer Placeholder 3">
+            <a:extLst>
+              <a:ext uri="{FF2B5EF4-FFF2-40B4-BE49-F238E27FC236}">
+                <a16:creationId xmlns:a16="http://schemas.microsoft.com/office/drawing/2014/main" id="{D04BF16C-DA2E-4CCD-8779-5CA5ACDE50BA}"/>
+              </a:ext>
+            </a:extLst>
+          </p:cNvPr>
+          <p:cNvSpPr txBox="1">
+            <a:spLocks/>
+          </p:cNvSpPr>
+          <p:nvPr/>
+        </p:nvSpPr>
+        <p:spPr>
+          <a:xfrm>
+            <a:off x="609600" y="6340475"/>
+            <a:ext cx="8128000" cy="365125"/>
+          </a:xfrm>
+          <a:prstGeom prst="rect">
+            <a:avLst/>
+          </a:prstGeom>
+        </p:spPr>
+        <p:txBody>
+          <a:bodyPr vert="horz" lIns="91440" tIns="45720" rIns="91440" bIns="45720" rtlCol="0" anchor="ctr"/>
+          <a:lstStyle>
+            <a:defPPr>
+              <a:defRPr lang="en-US"/>
+            </a:defPPr>
+            <a:lvl1pPr marL="0" algn="l" defTabSz="914400" rtl="0" eaLnBrk="1" fontAlgn="auto" latinLnBrk="0" hangingPunct="1">
+              <a:spcBef>
+                <a:spcPts val="0"/>
+              </a:spcBef>
+              <a:spcAft>
+                <a:spcPts val="0"/>
+              </a:spcAft>
+              <a:defRPr sz="1200" kern="1200" dirty="0">
+                <a:solidFill>
+                  <a:schemeClr val="tx1">
+                    <a:tint val="75000"/>
+                  </a:schemeClr>
+                </a:solidFill>
+                <a:latin typeface="Tahoma" pitchFamily="34" charset="0"/>
+                <a:ea typeface="+mn-ea"/>
+                <a:cs typeface="Tahoma" pitchFamily="34" charset="0"/>
+              </a:defRPr>
+            </a:lvl1pPr>
+            <a:lvl2pPr marL="457200" algn="l" defTabSz="914400" rtl="0" eaLnBrk="1" latinLnBrk="0" hangingPunct="1">
+              <a:defRPr sz="1800" kern="1200">
+                <a:solidFill>
+                  <a:schemeClr val="tx1"/>
+                </a:solidFill>
+                <a:latin typeface="+mn-lt"/>
+                <a:ea typeface="+mn-ea"/>
+                <a:cs typeface="+mn-cs"/>
+              </a:defRPr>
+            </a:lvl2pPr>
+            <a:lvl3pPr marL="914400" algn="l" defTabSz="914400" rtl="0" eaLnBrk="1" latinLnBrk="0" hangingPunct="1">
+              <a:defRPr sz="1800" kern="1200">
+                <a:solidFill>
+                  <a:schemeClr val="tx1"/>
+                </a:solidFill>
+                <a:latin typeface="+mn-lt"/>
+                <a:ea typeface="+mn-ea"/>
+                <a:cs typeface="+mn-cs"/>
+              </a:defRPr>
+            </a:lvl3pPr>
+            <a:lvl4pPr marL="1371600" algn="l" defTabSz="914400" rtl="0" eaLnBrk="1" latinLnBrk="0" hangingPunct="1">
+              <a:defRPr sz="1800" kern="1200">
+                <a:solidFill>
+                  <a:schemeClr val="tx1"/>
+                </a:solidFill>
+                <a:latin typeface="+mn-lt"/>
+                <a:ea typeface="+mn-ea"/>
+                <a:cs typeface="+mn-cs"/>
+              </a:defRPr>
+            </a:lvl4pPr>
+            <a:lvl5pPr marL="1828800" algn="l" defTabSz="914400" rtl="0" eaLnBrk="1" latinLnBrk="0" hangingPunct="1">
+              <a:defRPr sz="1800" kern="1200">
+                <a:solidFill>
+                  <a:schemeClr val="tx1"/>
+                </a:solidFill>
+                <a:latin typeface="+mn-lt"/>
+                <a:ea typeface="+mn-ea"/>
+                <a:cs typeface="+mn-cs"/>
+              </a:defRPr>
+            </a:lvl5pPr>
+            <a:lvl6pPr marL="2286000" algn="l" defTabSz="914400" rtl="0" eaLnBrk="1" latinLnBrk="0" hangingPunct="1">
+              <a:defRPr sz="1800" kern="1200">
+                <a:solidFill>
+                  <a:schemeClr val="tx1"/>
+                </a:solidFill>
+                <a:latin typeface="+mn-lt"/>
+                <a:ea typeface="+mn-ea"/>
+                <a:cs typeface="+mn-cs"/>
+              </a:defRPr>
+            </a:lvl6pPr>
+            <a:lvl7pPr marL="2743200" algn="l" defTabSz="914400" rtl="0" eaLnBrk="1" latinLnBrk="0" hangingPunct="1">
+              <a:defRPr sz="1800" kern="1200">
+                <a:solidFill>
+                  <a:schemeClr val="tx1"/>
+                </a:solidFill>
+                <a:latin typeface="+mn-lt"/>
+                <a:ea typeface="+mn-ea"/>
+                <a:cs typeface="+mn-cs"/>
+              </a:defRPr>
+            </a:lvl7pPr>
+            <a:lvl8pPr marL="3200400" algn="l" defTabSz="914400" rtl="0" eaLnBrk="1" latinLnBrk="0" hangingPunct="1">
+              <a:defRPr sz="1800" kern="1200">
+                <a:solidFill>
+                  <a:schemeClr val="tx1"/>
+                </a:solidFill>
+                <a:latin typeface="+mn-lt"/>
+                <a:ea typeface="+mn-ea"/>
+                <a:cs typeface="+mn-cs"/>
+              </a:defRPr>
+            </a:lvl8pPr>
+            <a:lvl9pPr marL="3657600" algn="l" defTabSz="914400" rtl="0" eaLnBrk="1" latinLnBrk="0" hangingPunct="1">
+              <a:defRPr sz="1800" kern="1200">
+                <a:solidFill>
+                  <a:schemeClr val="tx1"/>
+                </a:solidFill>
+                <a:latin typeface="+mn-lt"/>
+                <a:ea typeface="+mn-ea"/>
+                <a:cs typeface="+mn-cs"/>
+              </a:defRPr>
+            </a:lvl9pPr>
+          </a:lstStyle>
+          <a:p>
+            <a:pPr>
+              <a:defRPr/>
+            </a:pPr>
+            <a:r>
+              <a:rPr lang="en-US" dirty="0">
+                <a:solidFill>
+                  <a:prstClr val="black">
+                    <a:tint val="75000"/>
+                  </a:prstClr>
+                </a:solidFill>
+              </a:rPr>
+              <a:t>Group 4: Coffee Management</a:t>
+            </a:r>
+          </a:p>
+        </p:txBody>
+      </p:sp>
+    </p:spTree>
+    <p:extLst>
+      <p:ext uri="{BB962C8B-B14F-4D97-AF65-F5344CB8AC3E}">
+        <p14:creationId xmlns:p14="http://schemas.microsoft.com/office/powerpoint/2010/main" val="3143656759"/>
+      </p:ext>
+    </p:extLst>
+  </p:cSld>
+  <p:clrMapOvr>
+    <a:masterClrMapping/>
+  </p:clrMapOvr>
+  <p:transition>
+    <p:split orient="vert"/>
+  </p:transition>
+</p:sld>
+</file>
+
+<file path=ppt/slides/slide3.xml><?xml version="1.0" encoding="utf-8"?>
+<p:sld xmlns:a="http://schemas.openxmlformats.org/drawingml/2006/main" xmlns:r="http://schemas.openxmlformats.org/officeDocument/2006/relationships" xmlns:p="http://schemas.openxmlformats.org/presentationml/2006/main">
+  <p:cSld>
+    <p:spTree>
+      <p:nvGrpSpPr>
+        <p:cNvPr id="1" name=""/>
+        <p:cNvGrpSpPr/>
+        <p:nvPr/>
+      </p:nvGrpSpPr>
+      <p:grpSpPr>
+        <a:xfrm>
+          <a:off x="0" y="0"/>
+          <a:ext cx="0" cy="0"/>
+          <a:chOff x="0" y="0"/>
+          <a:chExt cx="0" cy="0"/>
+        </a:xfrm>
+      </p:grpSpPr>
+      <p:sp>
+        <p:nvSpPr>
+          <p:cNvPr id="2" name="Content Placeholder 1">
+            <a:extLst>
+              <a:ext uri="{FF2B5EF4-FFF2-40B4-BE49-F238E27FC236}">
+                <a16:creationId xmlns:a16="http://schemas.microsoft.com/office/drawing/2014/main" id="{0BF94600-6C13-4456-BFE7-A3C0B2E47825}"/>
+              </a:ext>
+            </a:extLst>
+          </p:cNvPr>
+          <p:cNvSpPr>
+            <a:spLocks noGrp="1"/>
+          </p:cNvSpPr>
+          <p:nvPr>
+            <p:ph idx="1"/>
+          </p:nvPr>
+        </p:nvSpPr>
+        <p:spPr>
+          <a:xfrm>
+            <a:off x="1627464" y="1626452"/>
+            <a:ext cx="3280097" cy="4262619"/>
+          </a:xfrm>
+        </p:spPr>
+        <p:txBody>
+          <a:bodyPr/>
+          <a:lstStyle/>
+          <a:p>
+            <a:pPr marL="0" indent="0">
+              <a:buNone/>
+            </a:pPr>
+            <a:r>
+              <a:rPr lang="vi-VN" sz="2000" dirty="0">
+                <a:latin typeface="+mj-lt"/>
+              </a:rPr>
+              <a:t>Hương:</a:t>
+            </a:r>
+          </a:p>
+          <a:p>
+            <a:pPr lvl="1">
+              <a:buFont typeface="Arial" panose="020B0604020202020204" pitchFamily="34" charset="0"/>
+              <a:buChar char="•"/>
+            </a:pPr>
+            <a:r>
+              <a:rPr lang="vi-VN" sz="2000" dirty="0">
+                <a:latin typeface="+mj-lt"/>
+              </a:rPr>
+              <a:t>	</a:t>
+            </a:r>
+            <a:r>
+              <a:rPr lang="en-US" sz="2000" dirty="0">
+                <a:latin typeface="+mj-lt"/>
+              </a:rPr>
+              <a:t>A</a:t>
+            </a:r>
+            <a:r>
+              <a:rPr lang="vi-VN" sz="2000" dirty="0">
+                <a:latin typeface="+mj-lt"/>
+              </a:rPr>
+              <a:t>bout</a:t>
+            </a:r>
+            <a:r>
+              <a:rPr lang="en-US" sz="2000" dirty="0">
+                <a:latin typeface="+mj-lt"/>
+              </a:rPr>
+              <a:t> </a:t>
+            </a:r>
+            <a:r>
+              <a:rPr lang="vi-VN" sz="2000" dirty="0">
+                <a:latin typeface="+mj-lt"/>
+              </a:rPr>
+              <a:t>us</a:t>
+            </a:r>
+          </a:p>
+          <a:p>
+            <a:pPr lvl="1">
+              <a:buFont typeface="Arial" panose="020B0604020202020204" pitchFamily="34" charset="0"/>
+              <a:buChar char="•"/>
+            </a:pPr>
+            <a:r>
+              <a:rPr lang="en-US" sz="2000" dirty="0">
+                <a:latin typeface="+mj-lt"/>
+              </a:rPr>
+              <a:t>   Change password</a:t>
+            </a:r>
+            <a:endParaRPr lang="vi-VN" sz="2000" dirty="0">
+              <a:latin typeface="+mj-lt"/>
+            </a:endParaRPr>
+          </a:p>
+          <a:p>
+            <a:pPr lvl="1">
+              <a:buFont typeface="Arial" panose="020B0604020202020204" pitchFamily="34" charset="0"/>
+              <a:buChar char="•"/>
+            </a:pPr>
+            <a:r>
+              <a:rPr lang="vi-VN" sz="2000" dirty="0">
+                <a:latin typeface="+mj-lt"/>
+              </a:rPr>
+              <a:t>	</a:t>
+            </a:r>
+            <a:r>
+              <a:rPr lang="en-US" sz="2000" dirty="0">
+                <a:latin typeface="+mj-lt"/>
+              </a:rPr>
+              <a:t>P</a:t>
+            </a:r>
+            <a:r>
+              <a:rPr lang="vi-VN" sz="2000" dirty="0">
+                <a:latin typeface="+mj-lt"/>
+              </a:rPr>
+              <a:t>roduct</a:t>
+            </a:r>
+          </a:p>
+          <a:p>
+            <a:pPr lvl="1">
+              <a:buFont typeface="Arial" panose="020B0604020202020204" pitchFamily="34" charset="0"/>
+              <a:buChar char="•"/>
+            </a:pPr>
+            <a:r>
+              <a:rPr lang="vi-VN" sz="2000" dirty="0">
+                <a:latin typeface="+mj-lt"/>
+              </a:rPr>
+              <a:t>	</a:t>
+            </a:r>
+            <a:r>
+              <a:rPr lang="en-US" sz="2000" dirty="0">
+                <a:latin typeface="+mj-lt"/>
+              </a:rPr>
+              <a:t>I</a:t>
+            </a:r>
+            <a:r>
+              <a:rPr lang="vi-VN" sz="2000" dirty="0">
+                <a:latin typeface="+mj-lt"/>
+              </a:rPr>
+              <a:t>nformation</a:t>
+            </a:r>
+          </a:p>
+          <a:p>
+            <a:pPr marL="0" indent="0">
+              <a:buNone/>
+            </a:pPr>
+            <a:r>
+              <a:rPr lang="vi-VN" sz="2000" dirty="0">
+                <a:latin typeface="+mj-lt"/>
+              </a:rPr>
+              <a:t>Nguyên:</a:t>
+            </a:r>
+          </a:p>
+          <a:p>
+            <a:pPr lvl="1">
+              <a:buFont typeface="Arial" panose="020B0604020202020204" pitchFamily="34" charset="0"/>
+              <a:buChar char="•"/>
+            </a:pPr>
+            <a:r>
+              <a:rPr lang="vi-VN" sz="2000" dirty="0">
+                <a:latin typeface="+mj-lt"/>
+              </a:rPr>
+              <a:t>	</a:t>
+            </a:r>
+            <a:r>
+              <a:rPr lang="en-US" sz="2000" dirty="0">
+                <a:latin typeface="+mj-lt"/>
+              </a:rPr>
+              <a:t>C</a:t>
+            </a:r>
+            <a:r>
+              <a:rPr lang="vi-VN" sz="2000" dirty="0">
+                <a:latin typeface="+mj-lt"/>
+              </a:rPr>
+              <a:t>ustomer</a:t>
+            </a:r>
+          </a:p>
+          <a:p>
+            <a:pPr lvl="1">
+              <a:buFont typeface="Arial" panose="020B0604020202020204" pitchFamily="34" charset="0"/>
+              <a:buChar char="•"/>
+            </a:pPr>
+            <a:r>
+              <a:rPr lang="vi-VN" sz="2000" dirty="0">
+                <a:latin typeface="+mj-lt"/>
+              </a:rPr>
+              <a:t>	</a:t>
+            </a:r>
+            <a:r>
+              <a:rPr lang="en-US" sz="2000" dirty="0">
+                <a:latin typeface="+mj-lt"/>
+              </a:rPr>
+              <a:t>H</a:t>
+            </a:r>
+            <a:r>
+              <a:rPr lang="vi-VN" sz="2000" dirty="0">
+                <a:latin typeface="+mj-lt"/>
+              </a:rPr>
+              <a:t>istory</a:t>
+            </a:r>
+          </a:p>
+          <a:p>
+            <a:pPr lvl="1">
+              <a:buFont typeface="Arial" panose="020B0604020202020204" pitchFamily="34" charset="0"/>
+              <a:buChar char="•"/>
+            </a:pPr>
+            <a:r>
+              <a:rPr lang="vi-VN" sz="2000" dirty="0">
+                <a:latin typeface="+mj-lt"/>
+              </a:rPr>
+              <a:t>	</a:t>
+            </a:r>
+            <a:r>
+              <a:rPr lang="en-US" sz="2000" dirty="0">
+                <a:latin typeface="+mj-lt"/>
+              </a:rPr>
+              <a:t>R</a:t>
+            </a:r>
+            <a:r>
+              <a:rPr lang="vi-VN" sz="2000" dirty="0">
+                <a:latin typeface="+mj-lt"/>
+              </a:rPr>
+              <a:t>evenue</a:t>
+            </a:r>
+          </a:p>
+          <a:p>
+            <a:pPr lvl="1">
+              <a:buFont typeface="Arial" panose="020B0604020202020204" pitchFamily="34" charset="0"/>
+              <a:buChar char="•"/>
+            </a:pPr>
+            <a:r>
+              <a:rPr lang="vi-VN" sz="2000" dirty="0">
+                <a:latin typeface="+mj-lt"/>
+              </a:rPr>
+              <a:t>	</a:t>
+            </a:r>
+            <a:r>
+              <a:rPr lang="en-US" sz="2000" dirty="0">
+                <a:latin typeface="+mj-lt"/>
+              </a:rPr>
+              <a:t>T</a:t>
+            </a:r>
+            <a:r>
+              <a:rPr lang="vi-VN" sz="2000" dirty="0">
+                <a:latin typeface="+mj-lt"/>
+              </a:rPr>
+              <a:t>hống kê</a:t>
+            </a:r>
+          </a:p>
+          <a:p>
+            <a:endParaRPr lang="en-US" sz="2000" dirty="0">
+              <a:latin typeface="+mj-lt"/>
+            </a:endParaRPr>
+          </a:p>
+        </p:txBody>
+      </p:sp>
+      <p:sp>
+        <p:nvSpPr>
+          <p:cNvPr id="3" name="Title 2">
+            <a:extLst>
+              <a:ext uri="{FF2B5EF4-FFF2-40B4-BE49-F238E27FC236}">
+                <a16:creationId xmlns:a16="http://schemas.microsoft.com/office/drawing/2014/main" id="{0F831AB3-74BD-47DB-8EE6-EBA78B75516F}"/>
+              </a:ext>
+            </a:extLst>
+          </p:cNvPr>
+          <p:cNvSpPr>
+            <a:spLocks noGrp="1"/>
+          </p:cNvSpPr>
+          <p:nvPr>
+            <p:ph type="title"/>
+          </p:nvPr>
+        </p:nvSpPr>
+        <p:spPr>
+          <a:xfrm>
+            <a:off x="9311781" y="136524"/>
+            <a:ext cx="1138106" cy="1143000"/>
+          </a:xfrm>
+        </p:spPr>
+        <p:txBody>
+          <a:bodyPr/>
+          <a:lstStyle/>
+          <a:p>
+            <a:r>
+              <a:rPr lang="en-US" dirty="0">
+                <a:latin typeface="Times New Roman" panose="02020603050405020304" pitchFamily="18" charset="0"/>
+                <a:cs typeface="Times New Roman" panose="02020603050405020304" pitchFamily="18" charset="0"/>
+              </a:rPr>
+              <a:t>Task</a:t>
+            </a:r>
+          </a:p>
+        </p:txBody>
+      </p:sp>
+      <p:sp>
+        <p:nvSpPr>
+          <p:cNvPr id="4" name="Footer Placeholder 3">
+            <a:extLst>
+              <a:ext uri="{FF2B5EF4-FFF2-40B4-BE49-F238E27FC236}">
+                <a16:creationId xmlns:a16="http://schemas.microsoft.com/office/drawing/2014/main" id="{6079AB26-CB08-4CFF-BD88-BA5FF4DB497D}"/>
+              </a:ext>
+            </a:extLst>
+          </p:cNvPr>
+          <p:cNvSpPr>
+            <a:spLocks noGrp="1"/>
+          </p:cNvSpPr>
+          <p:nvPr>
+            <p:ph type="ftr" sz="quarter" idx="10"/>
+          </p:nvPr>
+        </p:nvSpPr>
+        <p:spPr/>
+        <p:txBody>
+          <a:bodyPr/>
+          <a:lstStyle/>
+          <a:p>
+            <a:pPr>
+              <a:defRPr/>
+            </a:pPr>
+            <a:r>
+              <a:rPr lang="en-US" dirty="0">
+                <a:solidFill>
+                  <a:prstClr val="black">
+                    <a:tint val="75000"/>
+                  </a:prstClr>
+                </a:solidFill>
+              </a:rPr>
+              <a:t>Group 4: Coffee Management</a:t>
+            </a:r>
+          </a:p>
+        </p:txBody>
+      </p:sp>
+      <p:sp>
+        <p:nvSpPr>
+          <p:cNvPr id="5" name="Slide Number Placeholder 4">
+            <a:extLst>
+              <a:ext uri="{FF2B5EF4-FFF2-40B4-BE49-F238E27FC236}">
+                <a16:creationId xmlns:a16="http://schemas.microsoft.com/office/drawing/2014/main" id="{EFEBCC18-BEB0-40A7-AA74-FC894494B0CB}"/>
+              </a:ext>
+            </a:extLst>
+          </p:cNvPr>
+          <p:cNvSpPr>
+            <a:spLocks noGrp="1"/>
+          </p:cNvSpPr>
+          <p:nvPr>
+            <p:ph type="sldNum" sz="quarter" idx="11"/>
+          </p:nvPr>
+        </p:nvSpPr>
+        <p:spPr/>
+        <p:txBody>
+          <a:bodyPr/>
+          <a:lstStyle/>
+          <a:p>
+            <a:pPr>
+              <a:defRPr/>
+            </a:pPr>
+            <a:fld id="{38F81FAE-D748-4BFC-A8B0-D2E750E8899F}" type="slidenum">
+              <a:rPr lang="en-US" smtClean="0">
+                <a:solidFill>
+                  <a:prstClr val="black">
+                    <a:tint val="75000"/>
+                  </a:prstClr>
+                </a:solidFill>
+              </a:rPr>
+              <a:pPr>
+                <a:defRPr/>
+              </a:pPr>
+              <a:t>3</a:t>
+            </a:fld>
+            <a:endParaRPr lang="en-US" dirty="0">
+              <a:solidFill>
+                <a:prstClr val="black">
+                  <a:tint val="75000"/>
+                </a:prstClr>
+              </a:solidFill>
+            </a:endParaRPr>
+          </a:p>
+        </p:txBody>
+      </p:sp>
+      <p:sp>
+        <p:nvSpPr>
+          <p:cNvPr id="6" name="TextBox 5">
+            <a:extLst>
+              <a:ext uri="{FF2B5EF4-FFF2-40B4-BE49-F238E27FC236}">
+                <a16:creationId xmlns:a16="http://schemas.microsoft.com/office/drawing/2014/main" id="{D9072A4C-5EE1-40EB-979C-CFDA4F5550A5}"/>
+              </a:ext>
+            </a:extLst>
+          </p:cNvPr>
+          <p:cNvSpPr txBox="1"/>
+          <p:nvPr/>
+        </p:nvSpPr>
+        <p:spPr>
+          <a:xfrm>
+            <a:off x="7155809" y="1786855"/>
+            <a:ext cx="3934436" cy="3785652"/>
+          </a:xfrm>
+          <a:prstGeom prst="rect">
+            <a:avLst/>
+          </a:prstGeom>
+          <a:noFill/>
+        </p:spPr>
+        <p:txBody>
+          <a:bodyPr wrap="square" rtlCol="0">
+            <a:spAutoFit/>
+          </a:bodyPr>
+          <a:lstStyle/>
+          <a:p>
+            <a:r>
+              <a:rPr lang="vi-VN" sz="2000" dirty="0">
+                <a:latin typeface="Times New Roman (Headings)"/>
+              </a:rPr>
+              <a:t>Hòa:</a:t>
+            </a:r>
+          </a:p>
+          <a:p>
+            <a:pPr marL="742950" lvl="1" indent="-285750">
+              <a:buFont typeface="Arial" panose="020B0604020202020204" pitchFamily="34" charset="0"/>
+              <a:buChar char="•"/>
+            </a:pPr>
+            <a:r>
+              <a:rPr lang="vi-VN" sz="2000" dirty="0">
+                <a:latin typeface="Times New Roman (Headings)"/>
+              </a:rPr>
+              <a:t>	</a:t>
+            </a:r>
+            <a:r>
+              <a:rPr lang="en-US" sz="2000" dirty="0">
+                <a:latin typeface="Times New Roman (Headings)"/>
+              </a:rPr>
+              <a:t>A</a:t>
+            </a:r>
+            <a:r>
+              <a:rPr lang="vi-VN" sz="2000" dirty="0">
+                <a:latin typeface="Times New Roman (Headings)"/>
+              </a:rPr>
+              <a:t>dminform</a:t>
+            </a:r>
+          </a:p>
+          <a:p>
+            <a:pPr marL="742950" lvl="1" indent="-285750">
+              <a:buFont typeface="Arial" panose="020B0604020202020204" pitchFamily="34" charset="0"/>
+              <a:buChar char="•"/>
+            </a:pPr>
+            <a:r>
+              <a:rPr lang="en-US" sz="2000" dirty="0">
+                <a:latin typeface="Times New Roman (Headings)"/>
+              </a:rPr>
+              <a:t>	B</a:t>
+            </a:r>
+            <a:r>
+              <a:rPr lang="vi-VN" sz="2000" dirty="0">
+                <a:latin typeface="Times New Roman (Headings)"/>
+              </a:rPr>
+              <a:t>illform</a:t>
+            </a:r>
+          </a:p>
+          <a:p>
+            <a:pPr marL="742950" lvl="1" indent="-285750">
+              <a:buFont typeface="Arial" panose="020B0604020202020204" pitchFamily="34" charset="0"/>
+              <a:buChar char="•"/>
+            </a:pPr>
+            <a:r>
+              <a:rPr lang="en-US" sz="2000" dirty="0">
+                <a:latin typeface="Times New Roman (Headings)"/>
+              </a:rPr>
+              <a:t>	C</a:t>
+            </a:r>
+            <a:r>
+              <a:rPr lang="vi-VN" sz="2000" dirty="0">
+                <a:latin typeface="Times New Roman (Headings)"/>
+              </a:rPr>
+              <a:t>ombolistener</a:t>
+            </a:r>
+          </a:p>
+          <a:p>
+            <a:pPr marL="742950" lvl="1" indent="-285750">
+              <a:buFont typeface="Arial" panose="020B0604020202020204" pitchFamily="34" charset="0"/>
+              <a:buChar char="•"/>
+            </a:pPr>
+            <a:r>
+              <a:rPr lang="vi-VN" sz="2000" dirty="0">
+                <a:latin typeface="Times New Roman (Headings)"/>
+              </a:rPr>
+              <a:t>	</a:t>
+            </a:r>
+            <a:r>
+              <a:rPr lang="en-US" sz="2000" dirty="0">
+                <a:latin typeface="Times New Roman (Headings)"/>
+              </a:rPr>
+              <a:t>L</a:t>
+            </a:r>
+            <a:r>
+              <a:rPr lang="vi-VN" sz="2000" dirty="0">
+                <a:latin typeface="Times New Roman (Headings)"/>
+              </a:rPr>
+              <a:t>oginform</a:t>
+            </a:r>
+            <a:endParaRPr lang="en-US" sz="2000" dirty="0">
+              <a:latin typeface="Times New Roman (Headings)"/>
+            </a:endParaRPr>
+          </a:p>
+          <a:p>
+            <a:pPr marL="742950" lvl="1" indent="-285750">
+              <a:buFont typeface="Arial" panose="020B0604020202020204" pitchFamily="34" charset="0"/>
+              <a:buChar char="•"/>
+            </a:pPr>
+            <a:r>
+              <a:rPr lang="en-US" sz="2000" dirty="0">
+                <a:latin typeface="Times New Roman (Headings)"/>
+                <a:cs typeface="Times New Roman" panose="02020603050405020304" pitchFamily="18" charset="0"/>
+              </a:rPr>
+              <a:t>   Document</a:t>
+            </a:r>
+            <a:endParaRPr lang="vi-VN" sz="2000" dirty="0">
+              <a:latin typeface="Times New Roman (Headings)"/>
+              <a:cs typeface="Times New Roman" panose="02020603050405020304" pitchFamily="18" charset="0"/>
+            </a:endParaRPr>
+          </a:p>
+          <a:p>
+            <a:r>
+              <a:rPr lang="vi-VN" sz="2000" dirty="0">
+                <a:latin typeface="Times New Roman (Headings)"/>
+              </a:rPr>
+              <a:t>Lý:</a:t>
+            </a:r>
+          </a:p>
+          <a:p>
+            <a:pPr marL="742950" lvl="1" indent="-285750">
+              <a:buFont typeface="Arial" panose="020B0604020202020204" pitchFamily="34" charset="0"/>
+              <a:buChar char="•"/>
+            </a:pPr>
+            <a:r>
+              <a:rPr lang="vi-VN" sz="2000" dirty="0">
+                <a:latin typeface="Times New Roman (Headings)"/>
+              </a:rPr>
+              <a:t>	</a:t>
+            </a:r>
+            <a:r>
+              <a:rPr lang="en-US" sz="2000" dirty="0">
+                <a:latin typeface="Times New Roman (Headings)"/>
+              </a:rPr>
+              <a:t>E</a:t>
+            </a:r>
+            <a:r>
+              <a:rPr lang="vi-VN" sz="2000" dirty="0">
+                <a:latin typeface="Times New Roman (Headings)"/>
+              </a:rPr>
+              <a:t>mployee management</a:t>
+            </a:r>
+          </a:p>
+          <a:p>
+            <a:pPr marL="742950" lvl="1" indent="-285750">
+              <a:buFont typeface="Arial" panose="020B0604020202020204" pitchFamily="34" charset="0"/>
+              <a:buChar char="•"/>
+            </a:pPr>
+            <a:r>
+              <a:rPr lang="vi-VN" sz="2000" dirty="0">
+                <a:latin typeface="Times New Roman (Headings)"/>
+              </a:rPr>
+              <a:t>	</a:t>
+            </a:r>
+            <a:r>
+              <a:rPr lang="en-US" sz="2000" dirty="0">
+                <a:latin typeface="Times New Roman (Headings)"/>
+              </a:rPr>
+              <a:t>O</a:t>
+            </a:r>
+            <a:r>
+              <a:rPr lang="vi-VN" sz="2000" dirty="0">
+                <a:latin typeface="Times New Roman (Headings)"/>
+              </a:rPr>
+              <a:t>rder</a:t>
+            </a:r>
+          </a:p>
+          <a:p>
+            <a:pPr marL="742950" lvl="1" indent="-285750">
+              <a:buFont typeface="Arial" panose="020B0604020202020204" pitchFamily="34" charset="0"/>
+              <a:buChar char="•"/>
+            </a:pPr>
+            <a:r>
+              <a:rPr lang="vi-VN" sz="2000" dirty="0">
+                <a:latin typeface="Times New Roman (Headings)"/>
+              </a:rPr>
+              <a:t>	</a:t>
+            </a:r>
+            <a:r>
+              <a:rPr lang="en-US" sz="2000" dirty="0">
+                <a:latin typeface="Times New Roman (Headings)"/>
+              </a:rPr>
+              <a:t>P</a:t>
+            </a:r>
+            <a:r>
+              <a:rPr lang="vi-VN" sz="2000" dirty="0">
+                <a:latin typeface="Times New Roman (Headings)"/>
+              </a:rPr>
+              <a:t>omotion</a:t>
+            </a:r>
+          </a:p>
+          <a:p>
+            <a:pPr marL="742950" lvl="1" indent="-285750">
+              <a:buFont typeface="Arial" panose="020B0604020202020204" pitchFamily="34" charset="0"/>
+              <a:buChar char="•"/>
+            </a:pPr>
+            <a:r>
+              <a:rPr lang="vi-VN" sz="2000" dirty="0">
+                <a:latin typeface="Times New Roman (Headings)"/>
+              </a:rPr>
+              <a:t>	</a:t>
+            </a:r>
+            <a:r>
+              <a:rPr lang="en-US" sz="2000" dirty="0">
+                <a:latin typeface="Times New Roman (Headings)"/>
+              </a:rPr>
+              <a:t>S</a:t>
+            </a:r>
+            <a:r>
+              <a:rPr lang="vi-VN" sz="2000" dirty="0">
+                <a:latin typeface="Times New Roman (Headings)"/>
+              </a:rPr>
+              <a:t>etImage</a:t>
+            </a:r>
+            <a:endParaRPr lang="en-US" sz="2000" dirty="0">
+              <a:latin typeface="Times New Roman (Headings)"/>
+            </a:endParaRPr>
+          </a:p>
+          <a:p>
+            <a:pPr marL="742950" lvl="1" indent="-285750">
+              <a:buFont typeface="Arial" panose="020B0604020202020204" pitchFamily="34" charset="0"/>
+              <a:buChar char="•"/>
+            </a:pPr>
+            <a:r>
+              <a:rPr lang="en-US" sz="2000" dirty="0">
+                <a:latin typeface="Times New Roman (Headings)"/>
+                <a:cs typeface="Times New Roman" panose="02020603050405020304" pitchFamily="18" charset="0"/>
+              </a:rPr>
+              <a:t>   Design Database</a:t>
+            </a:r>
+          </a:p>
+        </p:txBody>
+      </p:sp>
+    </p:spTree>
+    <p:extLst>
+      <p:ext uri="{BB962C8B-B14F-4D97-AF65-F5344CB8AC3E}">
+        <p14:creationId xmlns:p14="http://schemas.microsoft.com/office/powerpoint/2010/main" val="1492907415"/>
+      </p:ext>
+    </p:extLst>
+  </p:cSld>
+  <p:clrMapOvr>
+    <a:masterClrMapping/>
+  </p:clrMapOvr>
+  <p:transition>
+    <p:split orient="vert"/>
+  </p:transition>
+</p:sld>
+</file>
+
+<file path=ppt/slides/slide4.xml><?xml version="1.0" encoding="utf-8"?>
+<p:sld xmlns:a="http://schemas.openxmlformats.org/drawingml/2006/main" xmlns:r="http://schemas.openxmlformats.org/officeDocument/2006/relationships" xmlns:p="http://schemas.openxmlformats.org/presentationml/2006/main">
+  <p:cSld>
+    <p:spTree>
+      <p:nvGrpSpPr>
+        <p:cNvPr id="1" name=""/>
+        <p:cNvGrpSpPr/>
+        <p:nvPr/>
+      </p:nvGrpSpPr>
+      <p:grpSpPr>
+        <a:xfrm>
+          <a:off x="0" y="0"/>
+          <a:ext cx="0" cy="0"/>
+          <a:chOff x="0" y="0"/>
+          <a:chExt cx="0" cy="0"/>
+        </a:xfrm>
+      </p:grpSpPr>
+      <p:sp>
+        <p:nvSpPr>
+          <p:cNvPr id="2" name="Title 1"/>
+          <p:cNvSpPr>
+            <a:spLocks noGrp="1"/>
+          </p:cNvSpPr>
+          <p:nvPr>
+            <p:ph type="title"/>
+          </p:nvPr>
+        </p:nvSpPr>
+        <p:spPr>
+          <a:xfrm>
+            <a:off x="8372214" y="152400"/>
+            <a:ext cx="3210186" cy="787167"/>
+          </a:xfrm>
+        </p:spPr>
+        <p:txBody>
+          <a:bodyPr/>
+          <a:lstStyle/>
+          <a:p>
+            <a:r>
+              <a:rPr lang="en-US" sz="2500" dirty="0">
+                <a:latin typeface="Times New Roman" panose="02020603050405020304" pitchFamily="18" charset="0"/>
+                <a:cs typeface="Times New Roman" panose="02020603050405020304" pitchFamily="18" charset="0"/>
+              </a:rPr>
+              <a:t>Database diagrams</a:t>
+            </a:r>
+          </a:p>
+        </p:txBody>
+      </p:sp>
+      <p:sp>
+        <p:nvSpPr>
+          <p:cNvPr id="5" name="Slide Number Placeholder 4"/>
+          <p:cNvSpPr>
+            <a:spLocks noGrp="1"/>
+          </p:cNvSpPr>
+          <p:nvPr>
+            <p:ph type="sldNum" sz="quarter" idx="11"/>
+          </p:nvPr>
+        </p:nvSpPr>
+        <p:spPr/>
+        <p:txBody>
+          <a:bodyPr/>
+          <a:lstStyle/>
+          <a:p>
+            <a:pPr>
+              <a:defRPr/>
+            </a:pPr>
+            <a:fld id="{38F81FAE-D748-4BFC-A8B0-D2E750E8899F}" type="slidenum">
+              <a:rPr lang="en-US" smtClean="0">
+                <a:solidFill>
+                  <a:prstClr val="black">
+                    <a:tint val="75000"/>
+                  </a:prstClr>
+                </a:solidFill>
+              </a:rPr>
+              <a:pPr>
+                <a:defRPr/>
+              </a:pPr>
+              <a:t>4</a:t>
+            </a:fld>
+            <a:endParaRPr lang="en-US" dirty="0">
+              <a:solidFill>
+                <a:prstClr val="black">
+                  <a:tint val="75000"/>
+                </a:prstClr>
+              </a:solidFill>
+            </a:endParaRPr>
+          </a:p>
+        </p:txBody>
+      </p:sp>
+      <p:pic>
+        <p:nvPicPr>
+          <p:cNvPr id="3" name="Picture 2">
+            <a:extLst>
+              <a:ext uri="{FF2B5EF4-FFF2-40B4-BE49-F238E27FC236}">
+                <a16:creationId xmlns:a16="http://schemas.microsoft.com/office/drawing/2014/main" id="{3E83FC19-D4FA-488F-858D-78C7B06EB947}"/>
+              </a:ext>
+            </a:extLst>
+          </p:cNvPr>
+          <p:cNvPicPr>
+            <a:picLocks noChangeAspect="1"/>
+          </p:cNvPicPr>
+          <p:nvPr/>
+        </p:nvPicPr>
+        <p:blipFill>
+          <a:blip r:embed="rId2"/>
+          <a:stretch>
+            <a:fillRect/>
+          </a:stretch>
+        </p:blipFill>
+        <p:spPr>
+          <a:xfrm>
+            <a:off x="508000" y="1001800"/>
+            <a:ext cx="9785292" cy="5521237"/>
+          </a:xfrm>
+          <a:prstGeom prst="rect">
+            <a:avLst/>
+          </a:prstGeom>
+        </p:spPr>
+      </p:pic>
+      <p:sp>
+        <p:nvSpPr>
+          <p:cNvPr id="7" name="Footer Placeholder 3">
+            <a:extLst>
+              <a:ext uri="{FF2B5EF4-FFF2-40B4-BE49-F238E27FC236}">
+                <a16:creationId xmlns:a16="http://schemas.microsoft.com/office/drawing/2014/main" id="{9689B736-D30D-48CB-BB1D-B7F7B449A86C}"/>
+              </a:ext>
+            </a:extLst>
+          </p:cNvPr>
+          <p:cNvSpPr>
+            <a:spLocks noGrp="1"/>
+          </p:cNvSpPr>
+          <p:nvPr>
+            <p:ph type="ftr" sz="quarter" idx="10"/>
+          </p:nvPr>
+        </p:nvSpPr>
+        <p:spPr>
+          <a:xfrm>
+            <a:off x="609600" y="6340476"/>
+            <a:ext cx="8128000" cy="365125"/>
+          </a:xfrm>
+        </p:spPr>
+        <p:txBody>
+          <a:bodyPr/>
+          <a:lstStyle/>
+          <a:p>
+            <a:pPr>
+              <a:defRPr/>
+            </a:pPr>
+            <a:r>
+              <a:rPr lang="en-US" dirty="0">
+                <a:solidFill>
+                  <a:prstClr val="black">
+                    <a:tint val="75000"/>
+                  </a:prstClr>
+                </a:solidFill>
+              </a:rPr>
+              <a:t>Group 4: Coffee Management</a:t>
+            </a:r>
+          </a:p>
+        </p:txBody>
+      </p:sp>
+    </p:spTree>
+    <p:extLst>
+      <p:ext uri="{BB962C8B-B14F-4D97-AF65-F5344CB8AC3E}">
+        <p14:creationId xmlns:p14="http://schemas.microsoft.com/office/powerpoint/2010/main" val="2904334654"/>
+      </p:ext>
+    </p:extLst>
+  </p:cSld>
+  <p:clrMapOvr>
+    <a:masterClrMapping/>
+  </p:clrMapOvr>
+  <p:transition>
+    <p:split orient="vert"/>
+  </p:transition>
+</p:sld>
+</file>
+
+<file path=ppt/slides/slide5.xml><?xml version="1.0" encoding="utf-8"?>
+<p:sld xmlns:a="http://schemas.openxmlformats.org/drawingml/2006/main" xmlns:r="http://schemas.openxmlformats.org/officeDocument/2006/relationships" xmlns:p="http://schemas.openxmlformats.org/presentationml/2006/main">
+  <p:cSld>
+    <p:spTree>
+      <p:nvGrpSpPr>
+        <p:cNvPr id="1" name=""/>
+        <p:cNvGrpSpPr/>
+        <p:nvPr/>
+      </p:nvGrpSpPr>
+      <p:grpSpPr>
+        <a:xfrm>
+          <a:off x="0" y="0"/>
+          <a:ext cx="0" cy="0"/>
+          <a:chOff x="0" y="0"/>
+          <a:chExt cx="0" cy="0"/>
+        </a:xfrm>
+      </p:grpSpPr>
+      <p:sp>
+        <p:nvSpPr>
+          <p:cNvPr id="2" name="Title 1"/>
+          <p:cNvSpPr>
+            <a:spLocks noGrp="1"/>
+          </p:cNvSpPr>
+          <p:nvPr>
+            <p:ph type="title"/>
+          </p:nvPr>
+        </p:nvSpPr>
+        <p:spPr>
+          <a:xfrm>
+            <a:off x="8279935" y="152399"/>
+            <a:ext cx="3210186" cy="787167"/>
+          </a:xfrm>
+        </p:spPr>
+        <p:txBody>
+          <a:bodyPr/>
+          <a:lstStyle/>
+          <a:p>
+            <a:r>
+              <a:rPr lang="en-US" sz="2400" dirty="0">
+                <a:latin typeface="Times New Roman" panose="02020603050405020304" pitchFamily="18" charset="0"/>
+                <a:cs typeface="Times New Roman" panose="02020603050405020304" pitchFamily="18" charset="0"/>
+              </a:rPr>
+              <a:t>Class Diagram</a:t>
+            </a:r>
+          </a:p>
+        </p:txBody>
+      </p:sp>
+      <p:sp>
+        <p:nvSpPr>
+          <p:cNvPr id="5" name="Slide Number Placeholder 4"/>
+          <p:cNvSpPr>
+            <a:spLocks noGrp="1"/>
+          </p:cNvSpPr>
+          <p:nvPr>
+            <p:ph type="sldNum" sz="quarter" idx="11"/>
+          </p:nvPr>
+        </p:nvSpPr>
+        <p:spPr/>
+        <p:txBody>
+          <a:bodyPr/>
+          <a:lstStyle/>
+          <a:p>
+            <a:pPr>
+              <a:defRPr/>
+            </a:pPr>
+            <a:fld id="{38F81FAE-D748-4BFC-A8B0-D2E750E8899F}" type="slidenum">
+              <a:rPr lang="en-US" smtClean="0">
+                <a:solidFill>
+                  <a:prstClr val="black">
+                    <a:tint val="75000"/>
+                  </a:prstClr>
+                </a:solidFill>
+              </a:rPr>
+              <a:pPr>
+                <a:defRPr/>
+              </a:pPr>
+              <a:t>5</a:t>
+            </a:fld>
+            <a:endParaRPr lang="en-US" dirty="0">
+              <a:solidFill>
+                <a:prstClr val="black">
+                  <a:tint val="75000"/>
+                </a:prstClr>
+              </a:solidFill>
+            </a:endParaRPr>
+          </a:p>
+        </p:txBody>
+      </p:sp>
+      <p:sp>
+        <p:nvSpPr>
+          <p:cNvPr id="7" name="Footer Placeholder 3">
+            <a:extLst>
+              <a:ext uri="{FF2B5EF4-FFF2-40B4-BE49-F238E27FC236}">
+                <a16:creationId xmlns:a16="http://schemas.microsoft.com/office/drawing/2014/main" id="{9689B736-D30D-48CB-BB1D-B7F7B449A86C}"/>
+              </a:ext>
+            </a:extLst>
+          </p:cNvPr>
+          <p:cNvSpPr>
+            <a:spLocks noGrp="1"/>
+          </p:cNvSpPr>
+          <p:nvPr>
+            <p:ph type="ftr" sz="quarter" idx="10"/>
+          </p:nvPr>
+        </p:nvSpPr>
+        <p:spPr>
+          <a:xfrm>
+            <a:off x="609600" y="6340476"/>
+            <a:ext cx="8128000" cy="365125"/>
+          </a:xfrm>
+        </p:spPr>
+        <p:txBody>
+          <a:bodyPr/>
+          <a:lstStyle/>
+          <a:p>
+            <a:pPr>
+              <a:defRPr/>
+            </a:pPr>
+            <a:r>
+              <a:rPr lang="en-US" dirty="0">
+                <a:solidFill>
+                  <a:prstClr val="black">
+                    <a:tint val="75000"/>
+                  </a:prstClr>
+                </a:solidFill>
+              </a:rPr>
+              <a:t>Group 4: Coffee Management</a:t>
+            </a:r>
+          </a:p>
+        </p:txBody>
+      </p:sp>
+      <p:pic>
+        <p:nvPicPr>
+          <p:cNvPr id="6" name="Picture 5">
+            <a:extLst>
+              <a:ext uri="{FF2B5EF4-FFF2-40B4-BE49-F238E27FC236}">
+                <a16:creationId xmlns:a16="http://schemas.microsoft.com/office/drawing/2014/main" id="{9B4C014C-8B54-43E8-93CD-55BE20E954B3}"/>
+              </a:ext>
+            </a:extLst>
+          </p:cNvPr>
+          <p:cNvPicPr>
+            <a:picLocks noChangeAspect="1"/>
+          </p:cNvPicPr>
+          <p:nvPr/>
+        </p:nvPicPr>
+        <p:blipFill>
+          <a:blip r:embed="rId2">
+            <a:extLst>
+              <a:ext uri="{28A0092B-C50C-407E-A947-70E740481C1C}">
+                <a14:useLocalDpi xmlns:a14="http://schemas.microsoft.com/office/drawing/2010/main" val="0"/>
+              </a:ext>
+            </a:extLst>
+          </a:blip>
+          <a:stretch>
+            <a:fillRect/>
+          </a:stretch>
+        </p:blipFill>
+        <p:spPr>
+          <a:xfrm>
+            <a:off x="0" y="397982"/>
+            <a:ext cx="12192000" cy="6307619"/>
+          </a:xfrm>
+          <a:prstGeom prst="rect">
+            <a:avLst/>
+          </a:prstGeom>
+        </p:spPr>
+      </p:pic>
+    </p:spTree>
+    <p:extLst>
+      <p:ext uri="{BB962C8B-B14F-4D97-AF65-F5344CB8AC3E}">
+        <p14:creationId xmlns:p14="http://schemas.microsoft.com/office/powerpoint/2010/main" val="2840617746"/>
+      </p:ext>
+    </p:extLst>
+  </p:cSld>
+  <p:clrMapOvr>
+    <a:masterClrMapping/>
+  </p:clrMapOvr>
+  <p:transition>
+    <p:split orient="vert"/>
+  </p:transition>
+  <p:timing>
+    <p:tnLst>
+      <p:par>
+        <p:cTn id="1" dur="indefinite" restart="never" nodeType="tmRoot">
+          <p:childTnLst>
+            <p:seq concurrent="1" nextAc="seek">
+              <p:cTn id="2" dur="indefinite" nodeType="mainSeq">
+                <p:childTnLst>
+                  <p:par>
+                    <p:cTn id="3" fill="hold">
+                      <p:stCondLst>
+                        <p:cond delay="indefinite"/>
+                      </p:stCondLst>
+                      <p:childTnLst>
+                        <p:par>
+                          <p:cTn id="4" fill="hold">
+                            <p:stCondLst>
+                              <p:cond delay="0"/>
+                            </p:stCondLst>
+                            <p:childTnLst>
+                              <p:par>
+                                <p:cTn id="5" presetID="42" presetClass="entr" presetSubtype="0" fill="hold" grpId="0" nodeType="clickEffect">
                                   <p:stCondLst>
                                     <p:cond delay="0"/>
                                   </p:stCondLst>
@@ -4803,12 +6520,149 @@
                                     </p:set>
                                     <p:animEffect transition="in" filter="fade">
                                       <p:cBhvr>
-                                        <p:cTn id="7" dur="500"/>
+                                        <p:cTn id="7" dur="1000"/>
                                         <p:tgtEl>
                                           <p:spTgt spid="2"/>
                                         </p:tgtEl>
                                       </p:cBhvr>
                                     </p:animEffect>
+                                    <p:anim calcmode="lin" valueType="num">
+                                      <p:cBhvr>
+                                        <p:cTn id="8" dur="1000" fill="hold"/>
+                                        <p:tgtEl>
+                                          <p:spTgt spid="2"/>
+                                        </p:tgtEl>
+                                        <p:attrNameLst>
+                                          <p:attrName>ppt_x</p:attrName>
+                                        </p:attrNameLst>
+                                      </p:cBhvr>
+                                      <p:tavLst>
+                                        <p:tav tm="0">
+                                          <p:val>
+                                            <p:strVal val="#ppt_x"/>
+                                          </p:val>
+                                        </p:tav>
+                                        <p:tav tm="100000">
+                                          <p:val>
+                                            <p:strVal val="#ppt_x"/>
+                                          </p:val>
+                                        </p:tav>
+                                      </p:tavLst>
+                                    </p:anim>
+                                    <p:anim calcmode="lin" valueType="num">
+                                      <p:cBhvr>
+                                        <p:cTn id="9" dur="1000" fill="hold"/>
+                                        <p:tgtEl>
+                                          <p:spTgt spid="2"/>
+                                        </p:tgtEl>
+                                        <p:attrNameLst>
+                                          <p:attrName>ppt_y</p:attrName>
+                                        </p:attrNameLst>
+                                      </p:cBhvr>
+                                      <p:tavLst>
+                                        <p:tav tm="0">
+                                          <p:val>
+                                            <p:strVal val="#ppt_y+.1"/>
+                                          </p:val>
+                                        </p:tav>
+                                        <p:tav tm="100000">
+                                          <p:val>
+                                            <p:strVal val="#ppt_y"/>
+                                          </p:val>
+                                        </p:tav>
+                                      </p:tavLst>
+                                    </p:anim>
+                                  </p:childTnLst>
+                                </p:cTn>
+                              </p:par>
+                            </p:childTnLst>
+                          </p:cTn>
+                        </p:par>
+                      </p:childTnLst>
+                    </p:cTn>
+                  </p:par>
+                  <p:par>
+                    <p:cTn id="10" fill="hold">
+                      <p:stCondLst>
+                        <p:cond delay="indefinite"/>
+                      </p:stCondLst>
+                      <p:childTnLst>
+                        <p:par>
+                          <p:cTn id="11" fill="hold">
+                            <p:stCondLst>
+                              <p:cond delay="0"/>
+                            </p:stCondLst>
+                            <p:childTnLst>
+                              <p:par>
+                                <p:cTn id="12" presetID="2" presetClass="entr" presetSubtype="4" fill="hold" nodeType="clickEffect">
+                                  <p:stCondLst>
+                                    <p:cond delay="0"/>
+                                  </p:stCondLst>
+                                  <p:childTnLst>
+                                    <p:set>
+                                      <p:cBhvr>
+                                        <p:cTn id="13" dur="1" fill="hold">
+                                          <p:stCondLst>
+                                            <p:cond delay="0"/>
+                                          </p:stCondLst>
+                                        </p:cTn>
+                                        <p:tgtEl>
+                                          <p:spTgt spid="6"/>
+                                        </p:tgtEl>
+                                        <p:attrNameLst>
+                                          <p:attrName>style.visibility</p:attrName>
+                                        </p:attrNameLst>
+                                      </p:cBhvr>
+                                      <p:to>
+                                        <p:strVal val="visible"/>
+                                      </p:to>
+                                    </p:set>
+                                    <p:anim calcmode="lin" valueType="num">
+                                      <p:cBhvr additive="base">
+                                        <p:cTn id="14" dur="500" fill="hold"/>
+                                        <p:tgtEl>
+                                          <p:spTgt spid="6"/>
+                                        </p:tgtEl>
+                                        <p:attrNameLst>
+                                          <p:attrName>ppt_x</p:attrName>
+                                        </p:attrNameLst>
+                                      </p:cBhvr>
+                                      <p:tavLst>
+                                        <p:tav tm="0">
+                                          <p:val>
+                                            <p:strVal val="#ppt_x"/>
+                                          </p:val>
+                                        </p:tav>
+                                        <p:tav tm="100000">
+                                          <p:val>
+                                            <p:strVal val="#ppt_x"/>
+                                          </p:val>
+                                        </p:tav>
+                                      </p:tavLst>
+                                    </p:anim>
+                                    <p:anim calcmode="lin" valueType="num">
+                                      <p:cBhvr additive="base">
+                                        <p:cTn id="15" dur="500" fill="hold"/>
+                                        <p:tgtEl>
+                                          <p:spTgt spid="6"/>
+                                        </p:tgtEl>
+                                        <p:attrNameLst>
+                                          <p:attrName>ppt_y</p:attrName>
+                                        </p:attrNameLst>
+                                      </p:cBhvr>
+                                      <p:tavLst>
+                                        <p:tav tm="0">
+                                          <p:val>
+                                            <p:strVal val="1+#ppt_h/2"/>
+                                          </p:val>
+                                        </p:tav>
+                                        <p:tav tm="100000">
+                                          <p:val>
+                                            <p:strVal val="#ppt_y"/>
+                                          </p:val>
+                                        </p:tav>
+                                      </p:tavLst>
+                                    </p:anim>
                                   </p:childTnLst>
                                 </p:cTn>
                               </p:par>
@@ -4846,2416 +6700,6 @@
 </p:sld>
 </file>
 
-<file path=ppt/slides/slide10.xml><?xml version="1.0" encoding="utf-8"?>
-<p:sld xmlns:a="http://schemas.openxmlformats.org/drawingml/2006/main" xmlns:r="http://schemas.openxmlformats.org/officeDocument/2006/relationships" xmlns:p="http://schemas.openxmlformats.org/presentationml/2006/main">
-  <p:cSld>
-    <p:spTree>
-      <p:nvGrpSpPr>
-        <p:cNvPr id="1" name=""/>
-        <p:cNvGrpSpPr/>
-        <p:nvPr/>
-      </p:nvGrpSpPr>
-      <p:grpSpPr>
-        <a:xfrm>
-          <a:off x="0" y="0"/>
-          <a:ext cx="0" cy="0"/>
-          <a:chOff x="0" y="0"/>
-          <a:chExt cx="0" cy="0"/>
-        </a:xfrm>
-      </p:grpSpPr>
-      <p:sp>
-        <p:nvSpPr>
-          <p:cNvPr id="3" name="Title 2"/>
-          <p:cNvSpPr>
-            <a:spLocks noGrp="1"/>
-          </p:cNvSpPr>
-          <p:nvPr>
-            <p:ph type="title"/>
-          </p:nvPr>
-        </p:nvSpPr>
-        <p:spPr/>
-        <p:txBody>
-          <a:bodyPr/>
-          <a:lstStyle/>
-          <a:p>
-            <a:r>
-              <a:rPr lang="en-US" dirty="0"/>
-              <a:t>The functions of the application</a:t>
-            </a:r>
-          </a:p>
-        </p:txBody>
-      </p:sp>
-      <p:sp>
-        <p:nvSpPr>
-          <p:cNvPr id="4" name="Footer Placeholder 3"/>
-          <p:cNvSpPr>
-            <a:spLocks noGrp="1"/>
-          </p:cNvSpPr>
-          <p:nvPr>
-            <p:ph type="ftr" sz="quarter" idx="10"/>
-          </p:nvPr>
-        </p:nvSpPr>
-        <p:spPr/>
-        <p:txBody>
-          <a:bodyPr/>
-          <a:lstStyle/>
-          <a:p>
-            <a:pPr>
-              <a:defRPr/>
-            </a:pPr>
-            <a:r>
-              <a:rPr lang="en-US">
-                <a:solidFill>
-                  <a:prstClr val="black">
-                    <a:tint val="75000"/>
-                  </a:prstClr>
-                </a:solidFill>
-              </a:rPr>
-              <a:t>GROUP 4: Database management library </a:t>
-            </a:r>
-          </a:p>
-        </p:txBody>
-      </p:sp>
-      <p:sp>
-        <p:nvSpPr>
-          <p:cNvPr id="5" name="Slide Number Placeholder 4"/>
-          <p:cNvSpPr>
-            <a:spLocks noGrp="1"/>
-          </p:cNvSpPr>
-          <p:nvPr>
-            <p:ph type="sldNum" sz="quarter" idx="11"/>
-          </p:nvPr>
-        </p:nvSpPr>
-        <p:spPr/>
-        <p:txBody>
-          <a:bodyPr/>
-          <a:lstStyle/>
-          <a:p>
-            <a:pPr>
-              <a:defRPr/>
-            </a:pPr>
-            <a:fld id="{38F81FAE-D748-4BFC-A8B0-D2E750E8899F}" type="slidenum">
-              <a:rPr lang="en-US" smtClean="0">
-                <a:solidFill>
-                  <a:prstClr val="black">
-                    <a:tint val="75000"/>
-                  </a:prstClr>
-                </a:solidFill>
-              </a:rPr>
-              <a:pPr>
-                <a:defRPr/>
-              </a:pPr>
-              <a:t>10</a:t>
-            </a:fld>
-            <a:endParaRPr lang="en-US" dirty="0">
-              <a:solidFill>
-                <a:prstClr val="black">
-                  <a:tint val="75000"/>
-                </a:prstClr>
-              </a:solidFill>
-            </a:endParaRPr>
-          </a:p>
-        </p:txBody>
-      </p:sp>
-      <p:sp>
-        <p:nvSpPr>
-          <p:cNvPr id="10" name="TextBox 9">
-            <a:extLst>
-              <a:ext uri="{FF2B5EF4-FFF2-40B4-BE49-F238E27FC236}">
-                <a16:creationId xmlns:a16="http://schemas.microsoft.com/office/drawing/2014/main" id="{1A861A97-2FA2-4A01-94E7-AC7812AF5912}"/>
-              </a:ext>
-            </a:extLst>
-          </p:cNvPr>
-          <p:cNvSpPr txBox="1"/>
-          <p:nvPr/>
-        </p:nvSpPr>
-        <p:spPr>
-          <a:xfrm>
-            <a:off x="508000" y="1295401"/>
-            <a:ext cx="4114334" cy="369332"/>
-          </a:xfrm>
-          <a:prstGeom prst="rect">
-            <a:avLst/>
-          </a:prstGeom>
-          <a:noFill/>
-        </p:spPr>
-        <p:txBody>
-          <a:bodyPr wrap="square" rtlCol="0">
-            <a:spAutoFit/>
-          </a:bodyPr>
-          <a:lstStyle/>
-          <a:p>
-            <a:r>
-              <a:rPr lang="en-US" dirty="0">
-                <a:latin typeface="Times New Roman" panose="02020603050405020304" pitchFamily="18" charset="0"/>
-                <a:cs typeface="Times New Roman" panose="02020603050405020304" pitchFamily="18" charset="0"/>
-              </a:rPr>
-              <a:t>2.</a:t>
-            </a:r>
-            <a:r>
-              <a:rPr lang="en-US" dirty="0"/>
-              <a:t> Employee Management </a:t>
-            </a:r>
-            <a:r>
-              <a:rPr lang="en-US" dirty="0">
-                <a:latin typeface="Times New Roman" panose="02020603050405020304" pitchFamily="18" charset="0"/>
-                <a:cs typeface="Times New Roman" panose="02020603050405020304" pitchFamily="18" charset="0"/>
-              </a:rPr>
-              <a:t>- </a:t>
-            </a:r>
-            <a:r>
-              <a:rPr lang="en-US" dirty="0" err="1">
-                <a:latin typeface="Times New Roman" panose="02020603050405020304" pitchFamily="18" charset="0"/>
-                <a:cs typeface="Times New Roman" panose="02020603050405020304" pitchFamily="18" charset="0"/>
-              </a:rPr>
-              <a:t>Lý</a:t>
-            </a:r>
-            <a:endParaRPr lang="en-US" dirty="0">
-              <a:latin typeface="Times New Roman" panose="02020603050405020304" pitchFamily="18" charset="0"/>
-              <a:cs typeface="Times New Roman" panose="02020603050405020304" pitchFamily="18" charset="0"/>
-            </a:endParaRPr>
-          </a:p>
-        </p:txBody>
-      </p:sp>
-      <p:sp>
-        <p:nvSpPr>
-          <p:cNvPr id="2" name="TextBox 1">
-            <a:extLst>
-              <a:ext uri="{FF2B5EF4-FFF2-40B4-BE49-F238E27FC236}">
-                <a16:creationId xmlns:a16="http://schemas.microsoft.com/office/drawing/2014/main" id="{C4A137B8-4ED5-4EC3-B1EB-7158D9F3CA6B}"/>
-              </a:ext>
-            </a:extLst>
-          </p:cNvPr>
-          <p:cNvSpPr txBox="1"/>
-          <p:nvPr/>
-        </p:nvSpPr>
-        <p:spPr>
-          <a:xfrm>
-            <a:off x="609600" y="2495888"/>
-            <a:ext cx="10799428" cy="1015663"/>
-          </a:xfrm>
-          <a:prstGeom prst="rect">
-            <a:avLst/>
-          </a:prstGeom>
-          <a:noFill/>
-        </p:spPr>
-        <p:txBody>
-          <a:bodyPr wrap="square" rtlCol="0">
-            <a:spAutoFit/>
-          </a:bodyPr>
-          <a:lstStyle/>
-          <a:p>
-            <a:r>
-              <a:rPr lang="en-US" sz="2000" dirty="0">
-                <a:latin typeface="Times New Roman" panose="02020603050405020304" pitchFamily="18" charset="0"/>
-                <a:cs typeface="Times New Roman" panose="02020603050405020304" pitchFamily="18" charset="0"/>
-              </a:rPr>
-              <a:t>Search: "Select * from Employee where </a:t>
-            </a:r>
-            <a:r>
-              <a:rPr lang="en-US" sz="2000" dirty="0" err="1">
-                <a:latin typeface="Times New Roman" panose="02020603050405020304" pitchFamily="18" charset="0"/>
-                <a:cs typeface="Times New Roman" panose="02020603050405020304" pitchFamily="18" charset="0"/>
-              </a:rPr>
-              <a:t>UsernameEmp</a:t>
-            </a:r>
-            <a:r>
-              <a:rPr lang="en-US" sz="2000" dirty="0">
-                <a:latin typeface="Times New Roman" panose="02020603050405020304" pitchFamily="18" charset="0"/>
-                <a:cs typeface="Times New Roman" panose="02020603050405020304" pitchFamily="18" charset="0"/>
-              </a:rPr>
-              <a:t> like ?“</a:t>
-            </a:r>
-          </a:p>
-          <a:p>
-            <a:r>
-              <a:rPr lang="en-US" sz="2000" dirty="0">
-                <a:latin typeface="Times New Roman" panose="02020603050405020304" pitchFamily="18" charset="0"/>
-                <a:cs typeface="Times New Roman" panose="02020603050405020304" pitchFamily="18" charset="0"/>
-              </a:rPr>
-              <a:t>Delete: "Delete from Employee where </a:t>
-            </a:r>
-            <a:r>
-              <a:rPr lang="en-US" sz="2000" dirty="0" err="1">
-                <a:latin typeface="Times New Roman" panose="02020603050405020304" pitchFamily="18" charset="0"/>
-                <a:cs typeface="Times New Roman" panose="02020603050405020304" pitchFamily="18" charset="0"/>
-              </a:rPr>
-              <a:t>UsernameEmp</a:t>
-            </a:r>
-            <a:r>
-              <a:rPr lang="en-US" sz="2000" dirty="0">
-                <a:latin typeface="Times New Roman" panose="02020603050405020304" pitchFamily="18" charset="0"/>
-                <a:cs typeface="Times New Roman" panose="02020603050405020304" pitchFamily="18" charset="0"/>
-              </a:rPr>
-              <a:t>=?“</a:t>
-            </a:r>
-          </a:p>
-          <a:p>
-            <a:r>
-              <a:rPr lang="en-US" sz="2000" dirty="0">
-                <a:latin typeface="Times New Roman" panose="02020603050405020304" pitchFamily="18" charset="0"/>
-                <a:cs typeface="Times New Roman" panose="02020603050405020304" pitchFamily="18" charset="0"/>
-              </a:rPr>
-              <a:t>Add new Employee: Insert into Employee values(?,?,?,?,?,?,?,?,?)</a:t>
-            </a:r>
-          </a:p>
-        </p:txBody>
-      </p:sp>
-    </p:spTree>
-    <p:extLst>
-      <p:ext uri="{BB962C8B-B14F-4D97-AF65-F5344CB8AC3E}">
-        <p14:creationId xmlns:p14="http://schemas.microsoft.com/office/powerpoint/2010/main" val="1515021376"/>
-      </p:ext>
-    </p:extLst>
-  </p:cSld>
-  <p:clrMapOvr>
-    <a:masterClrMapping/>
-  </p:clrMapOvr>
-  <p:transition>
-    <p:split orient="vert"/>
-  </p:transition>
-</p:sld>
-</file>
-
-<file path=ppt/slides/slide11.xml><?xml version="1.0" encoding="utf-8"?>
-<p:sld xmlns:a="http://schemas.openxmlformats.org/drawingml/2006/main" xmlns:r="http://schemas.openxmlformats.org/officeDocument/2006/relationships" xmlns:p="http://schemas.openxmlformats.org/presentationml/2006/main">
-  <p:cSld>
-    <p:spTree>
-      <p:nvGrpSpPr>
-        <p:cNvPr id="1" name=""/>
-        <p:cNvGrpSpPr/>
-        <p:nvPr/>
-      </p:nvGrpSpPr>
-      <p:grpSpPr>
-        <a:xfrm>
-          <a:off x="0" y="0"/>
-          <a:ext cx="0" cy="0"/>
-          <a:chOff x="0" y="0"/>
-          <a:chExt cx="0" cy="0"/>
-        </a:xfrm>
-      </p:grpSpPr>
-      <p:sp>
-        <p:nvSpPr>
-          <p:cNvPr id="2" name="Title 1"/>
-          <p:cNvSpPr>
-            <a:spLocks noGrp="1"/>
-          </p:cNvSpPr>
-          <p:nvPr>
-            <p:ph type="title"/>
-          </p:nvPr>
-        </p:nvSpPr>
-        <p:spPr/>
-        <p:txBody>
-          <a:bodyPr/>
-          <a:lstStyle/>
-          <a:p>
-            <a:r>
-              <a:rPr lang="en-US" dirty="0"/>
-              <a:t>CLASS DIAGRAM</a:t>
-            </a:r>
-          </a:p>
-        </p:txBody>
-      </p:sp>
-      <p:sp>
-        <p:nvSpPr>
-          <p:cNvPr id="4" name="Footer Placeholder 3"/>
-          <p:cNvSpPr>
-            <a:spLocks noGrp="1"/>
-          </p:cNvSpPr>
-          <p:nvPr>
-            <p:ph type="ftr" sz="quarter" idx="10"/>
-          </p:nvPr>
-        </p:nvSpPr>
-        <p:spPr/>
-        <p:txBody>
-          <a:bodyPr/>
-          <a:lstStyle/>
-          <a:p>
-            <a:pPr>
-              <a:defRPr/>
-            </a:pPr>
-            <a:r>
-              <a:rPr lang="en-US" dirty="0">
-                <a:solidFill>
-                  <a:prstClr val="black">
-                    <a:tint val="75000"/>
-                  </a:prstClr>
-                </a:solidFill>
-              </a:rPr>
-              <a:t>Coffee Management</a:t>
-            </a:r>
-          </a:p>
-        </p:txBody>
-      </p:sp>
-      <p:sp>
-        <p:nvSpPr>
-          <p:cNvPr id="5" name="Slide Number Placeholder 4"/>
-          <p:cNvSpPr>
-            <a:spLocks noGrp="1"/>
-          </p:cNvSpPr>
-          <p:nvPr>
-            <p:ph type="sldNum" sz="quarter" idx="11"/>
-          </p:nvPr>
-        </p:nvSpPr>
-        <p:spPr/>
-        <p:txBody>
-          <a:bodyPr/>
-          <a:lstStyle/>
-          <a:p>
-            <a:pPr>
-              <a:defRPr/>
-            </a:pPr>
-            <a:fld id="{38F81FAE-D748-4BFC-A8B0-D2E750E8899F}" type="slidenum">
-              <a:rPr lang="en-US" smtClean="0">
-                <a:solidFill>
-                  <a:prstClr val="black">
-                    <a:tint val="75000"/>
-                  </a:prstClr>
-                </a:solidFill>
-              </a:rPr>
-              <a:pPr>
-                <a:defRPr/>
-              </a:pPr>
-              <a:t>11</a:t>
-            </a:fld>
-            <a:endParaRPr lang="en-US" dirty="0">
-              <a:solidFill>
-                <a:prstClr val="black">
-                  <a:tint val="75000"/>
-                </a:prstClr>
-              </a:solidFill>
-            </a:endParaRPr>
-          </a:p>
-        </p:txBody>
-      </p:sp>
-      <p:pic>
-        <p:nvPicPr>
-          <p:cNvPr id="8" name="Picture 7"/>
-          <p:cNvPicPr/>
-          <p:nvPr/>
-        </p:nvPicPr>
-        <p:blipFill>
-          <a:blip r:embed="rId2"/>
-          <a:srcRect/>
-          <a:stretch>
-            <a:fillRect/>
-          </a:stretch>
-        </p:blipFill>
-        <p:spPr bwMode="auto">
-          <a:xfrm>
-            <a:off x="2731155" y="1148817"/>
-            <a:ext cx="6705600" cy="4895215"/>
-          </a:xfrm>
-          <a:prstGeom prst="rect">
-            <a:avLst/>
-          </a:prstGeom>
-          <a:noFill/>
-        </p:spPr>
-      </p:pic>
-    </p:spTree>
-    <p:extLst>
-      <p:ext uri="{BB962C8B-B14F-4D97-AF65-F5344CB8AC3E}">
-        <p14:creationId xmlns:p14="http://schemas.microsoft.com/office/powerpoint/2010/main" val="2904334654"/>
-      </p:ext>
-    </p:extLst>
-  </p:cSld>
-  <p:clrMapOvr>
-    <a:masterClrMapping/>
-  </p:clrMapOvr>
-  <p:transition>
-    <p:split orient="vert"/>
-  </p:transition>
-</p:sld>
-</file>
-
-<file path=ppt/slides/slide12.xml><?xml version="1.0" encoding="utf-8"?>
-<p:sld xmlns:a="http://schemas.openxmlformats.org/drawingml/2006/main" xmlns:r="http://schemas.openxmlformats.org/officeDocument/2006/relationships" xmlns:p="http://schemas.openxmlformats.org/presentationml/2006/main">
-  <p:cSld>
-    <p:spTree>
-      <p:nvGrpSpPr>
-        <p:cNvPr id="1" name=""/>
-        <p:cNvGrpSpPr/>
-        <p:nvPr/>
-      </p:nvGrpSpPr>
-      <p:grpSpPr>
-        <a:xfrm>
-          <a:off x="0" y="0"/>
-          <a:ext cx="0" cy="0"/>
-          <a:chOff x="0" y="0"/>
-          <a:chExt cx="0" cy="0"/>
-        </a:xfrm>
-      </p:grpSpPr>
-      <p:sp>
-        <p:nvSpPr>
-          <p:cNvPr id="3" name="Title 2"/>
-          <p:cNvSpPr>
-            <a:spLocks noGrp="1"/>
-          </p:cNvSpPr>
-          <p:nvPr>
-            <p:ph type="title"/>
-          </p:nvPr>
-        </p:nvSpPr>
-        <p:spPr>
-          <a:xfrm>
-            <a:off x="3759200" y="191036"/>
-            <a:ext cx="7823200" cy="1143000"/>
-          </a:xfrm>
-        </p:spPr>
-        <p:txBody>
-          <a:bodyPr/>
-          <a:lstStyle/>
-          <a:p>
-            <a:r>
-              <a:rPr lang="en-US" dirty="0"/>
-              <a:t>SƠ ĐỒ THUỘC TÍNH</a:t>
-            </a:r>
-          </a:p>
-        </p:txBody>
-      </p:sp>
-      <p:sp>
-        <p:nvSpPr>
-          <p:cNvPr id="4" name="Footer Placeholder 3"/>
-          <p:cNvSpPr>
-            <a:spLocks noGrp="1"/>
-          </p:cNvSpPr>
-          <p:nvPr>
-            <p:ph type="ftr" sz="quarter" idx="10"/>
-          </p:nvPr>
-        </p:nvSpPr>
-        <p:spPr/>
-        <p:txBody>
-          <a:bodyPr/>
-          <a:lstStyle/>
-          <a:p>
-            <a:pPr>
-              <a:defRPr/>
-            </a:pPr>
-            <a:r>
-              <a:rPr lang="en-US" dirty="0">
-                <a:solidFill>
-                  <a:prstClr val="black">
-                    <a:tint val="75000"/>
-                  </a:prstClr>
-                </a:solidFill>
-              </a:rPr>
-              <a:t>Coffee Management</a:t>
-            </a:r>
-          </a:p>
-        </p:txBody>
-      </p:sp>
-      <p:sp>
-        <p:nvSpPr>
-          <p:cNvPr id="5" name="Slide Number Placeholder 4"/>
-          <p:cNvSpPr>
-            <a:spLocks noGrp="1"/>
-          </p:cNvSpPr>
-          <p:nvPr>
-            <p:ph type="sldNum" sz="quarter" idx="11"/>
-          </p:nvPr>
-        </p:nvSpPr>
-        <p:spPr/>
-        <p:txBody>
-          <a:bodyPr/>
-          <a:lstStyle/>
-          <a:p>
-            <a:pPr>
-              <a:defRPr/>
-            </a:pPr>
-            <a:fld id="{38F81FAE-D748-4BFC-A8B0-D2E750E8899F}" type="slidenum">
-              <a:rPr lang="en-US" smtClean="0">
-                <a:solidFill>
-                  <a:prstClr val="black">
-                    <a:tint val="75000"/>
-                  </a:prstClr>
-                </a:solidFill>
-              </a:rPr>
-              <a:pPr>
-                <a:defRPr/>
-              </a:pPr>
-              <a:t>12</a:t>
-            </a:fld>
-            <a:endParaRPr lang="en-US" dirty="0">
-              <a:solidFill>
-                <a:prstClr val="black">
-                  <a:tint val="75000"/>
-                </a:prstClr>
-              </a:solidFill>
-            </a:endParaRPr>
-          </a:p>
-        </p:txBody>
-      </p:sp>
-      <p:pic>
-        <p:nvPicPr>
-          <p:cNvPr id="7" name="Content Placeholder 6"/>
-          <p:cNvPicPr>
-            <a:picLocks noGrp="1"/>
-          </p:cNvPicPr>
-          <p:nvPr>
-            <p:ph idx="1"/>
-          </p:nvPr>
-        </p:nvPicPr>
-        <p:blipFill>
-          <a:blip r:embed="rId2">
-            <a:extLst>
-              <a:ext uri="{28A0092B-C50C-407E-A947-70E740481C1C}">
-                <a14:useLocalDpi xmlns:a14="http://schemas.microsoft.com/office/drawing/2010/main" val="0"/>
-              </a:ext>
-            </a:extLst>
-          </a:blip>
-          <a:stretch>
-            <a:fillRect/>
-          </a:stretch>
-        </p:blipFill>
-        <p:spPr>
-          <a:xfrm>
-            <a:off x="944452" y="1100451"/>
-            <a:ext cx="4323008" cy="2328549"/>
-          </a:xfrm>
-          <a:prstGeom prst="rect">
-            <a:avLst/>
-          </a:prstGeom>
-        </p:spPr>
-      </p:pic>
-      <p:pic>
-        <p:nvPicPr>
-          <p:cNvPr id="8" name="Picture 7"/>
-          <p:cNvPicPr/>
-          <p:nvPr/>
-        </p:nvPicPr>
-        <p:blipFill>
-          <a:blip r:embed="rId3">
-            <a:extLst>
-              <a:ext uri="{28A0092B-C50C-407E-A947-70E740481C1C}">
-                <a14:useLocalDpi xmlns:a14="http://schemas.microsoft.com/office/drawing/2010/main" val="0"/>
-              </a:ext>
-            </a:extLst>
-          </a:blip>
-          <a:stretch>
-            <a:fillRect/>
-          </a:stretch>
-        </p:blipFill>
-        <p:spPr>
-          <a:xfrm>
-            <a:off x="6096000" y="1100451"/>
-            <a:ext cx="5688169" cy="2328549"/>
-          </a:xfrm>
-          <a:prstGeom prst="rect">
-            <a:avLst/>
-          </a:prstGeom>
-        </p:spPr>
-      </p:pic>
-      <p:pic>
-        <p:nvPicPr>
-          <p:cNvPr id="9" name="Picture 8"/>
-          <p:cNvPicPr/>
-          <p:nvPr/>
-        </p:nvPicPr>
-        <p:blipFill>
-          <a:blip r:embed="rId4">
-            <a:extLst>
-              <a:ext uri="{28A0092B-C50C-407E-A947-70E740481C1C}">
-                <a14:useLocalDpi xmlns:a14="http://schemas.microsoft.com/office/drawing/2010/main" val="0"/>
-              </a:ext>
-            </a:extLst>
-          </a:blip>
-          <a:stretch>
-            <a:fillRect/>
-          </a:stretch>
-        </p:blipFill>
-        <p:spPr>
-          <a:xfrm>
-            <a:off x="362756" y="3458211"/>
-            <a:ext cx="5486400" cy="2554087"/>
-          </a:xfrm>
-          <a:prstGeom prst="rect">
-            <a:avLst/>
-          </a:prstGeom>
-        </p:spPr>
-      </p:pic>
-      <p:pic>
-        <p:nvPicPr>
-          <p:cNvPr id="10" name="Picture 9"/>
-          <p:cNvPicPr/>
-          <p:nvPr/>
-        </p:nvPicPr>
-        <p:blipFill>
-          <a:blip r:embed="rId5">
-            <a:extLst>
-              <a:ext uri="{28A0092B-C50C-407E-A947-70E740481C1C}">
-                <a14:useLocalDpi xmlns:a14="http://schemas.microsoft.com/office/drawing/2010/main" val="0"/>
-              </a:ext>
-            </a:extLst>
-          </a:blip>
-          <a:stretch>
-            <a:fillRect/>
-          </a:stretch>
-        </p:blipFill>
-        <p:spPr>
-          <a:xfrm>
-            <a:off x="6096000" y="3427731"/>
-            <a:ext cx="5943600" cy="2898140"/>
-          </a:xfrm>
-          <a:prstGeom prst="rect">
-            <a:avLst/>
-          </a:prstGeom>
-        </p:spPr>
-      </p:pic>
-    </p:spTree>
-    <p:extLst>
-      <p:ext uri="{BB962C8B-B14F-4D97-AF65-F5344CB8AC3E}">
-        <p14:creationId xmlns:p14="http://schemas.microsoft.com/office/powerpoint/2010/main" val="2967815549"/>
-      </p:ext>
-    </p:extLst>
-  </p:cSld>
-  <p:clrMapOvr>
-    <a:masterClrMapping/>
-  </p:clrMapOvr>
-  <p:transition>
-    <p:split orient="vert"/>
-  </p:transition>
-</p:sld>
-</file>
-
-<file path=ppt/slides/slide13.xml><?xml version="1.0" encoding="utf-8"?>
-<p:sld xmlns:a="http://schemas.openxmlformats.org/drawingml/2006/main" xmlns:r="http://schemas.openxmlformats.org/officeDocument/2006/relationships" xmlns:p="http://schemas.openxmlformats.org/presentationml/2006/main">
-  <p:cSld>
-    <p:spTree>
-      <p:nvGrpSpPr>
-        <p:cNvPr id="1" name=""/>
-        <p:cNvGrpSpPr/>
-        <p:nvPr/>
-      </p:nvGrpSpPr>
-      <p:grpSpPr>
-        <a:xfrm>
-          <a:off x="0" y="0"/>
-          <a:ext cx="0" cy="0"/>
-          <a:chOff x="0" y="0"/>
-          <a:chExt cx="0" cy="0"/>
-        </a:xfrm>
-      </p:grpSpPr>
-      <p:sp>
-        <p:nvSpPr>
-          <p:cNvPr id="4" name="Footer Placeholder 3"/>
-          <p:cNvSpPr>
-            <a:spLocks noGrp="1"/>
-          </p:cNvSpPr>
-          <p:nvPr>
-            <p:ph type="ftr" sz="quarter" idx="10"/>
-          </p:nvPr>
-        </p:nvSpPr>
-        <p:spPr/>
-        <p:txBody>
-          <a:bodyPr/>
-          <a:lstStyle/>
-          <a:p>
-            <a:pPr>
-              <a:defRPr/>
-            </a:pPr>
-            <a:r>
-              <a:rPr lang="en-US">
-                <a:solidFill>
-                  <a:prstClr val="black">
-                    <a:tint val="75000"/>
-                  </a:prstClr>
-                </a:solidFill>
-              </a:rPr>
-              <a:t>GROUP 4: Database management library </a:t>
-            </a:r>
-          </a:p>
-        </p:txBody>
-      </p:sp>
-      <p:sp>
-        <p:nvSpPr>
-          <p:cNvPr id="5" name="Slide Number Placeholder 4"/>
-          <p:cNvSpPr>
-            <a:spLocks noGrp="1"/>
-          </p:cNvSpPr>
-          <p:nvPr>
-            <p:ph type="sldNum" sz="quarter" idx="11"/>
-          </p:nvPr>
-        </p:nvSpPr>
-        <p:spPr/>
-        <p:txBody>
-          <a:bodyPr/>
-          <a:lstStyle/>
-          <a:p>
-            <a:pPr>
-              <a:defRPr/>
-            </a:pPr>
-            <a:fld id="{38F81FAE-D748-4BFC-A8B0-D2E750E8899F}" type="slidenum">
-              <a:rPr lang="en-US" smtClean="0">
-                <a:solidFill>
-                  <a:prstClr val="black">
-                    <a:tint val="75000"/>
-                  </a:prstClr>
-                </a:solidFill>
-              </a:rPr>
-              <a:pPr>
-                <a:defRPr/>
-              </a:pPr>
-              <a:t>13</a:t>
-            </a:fld>
-            <a:endParaRPr lang="en-US" dirty="0">
-              <a:solidFill>
-                <a:prstClr val="black">
-                  <a:tint val="75000"/>
-                </a:prstClr>
-              </a:solidFill>
-            </a:endParaRPr>
-          </a:p>
-        </p:txBody>
-      </p:sp>
-      <p:pic>
-        <p:nvPicPr>
-          <p:cNvPr id="7" name="Picture 6"/>
-          <p:cNvPicPr/>
-          <p:nvPr/>
-        </p:nvPicPr>
-        <p:blipFill>
-          <a:blip r:embed="rId2">
-            <a:extLst>
-              <a:ext uri="{28A0092B-C50C-407E-A947-70E740481C1C}">
-                <a14:useLocalDpi xmlns:a14="http://schemas.microsoft.com/office/drawing/2010/main" val="0"/>
-              </a:ext>
-            </a:extLst>
-          </a:blip>
-          <a:stretch>
-            <a:fillRect/>
-          </a:stretch>
-        </p:blipFill>
-        <p:spPr>
-          <a:xfrm>
-            <a:off x="6156817" y="3601213"/>
-            <a:ext cx="5484639" cy="3104388"/>
-          </a:xfrm>
-          <a:prstGeom prst="rect">
-            <a:avLst/>
-          </a:prstGeom>
-        </p:spPr>
-      </p:pic>
-      <p:pic>
-        <p:nvPicPr>
-          <p:cNvPr id="8" name="Content Placeholder 7"/>
-          <p:cNvPicPr>
-            <a:picLocks noGrp="1"/>
-          </p:cNvPicPr>
-          <p:nvPr>
-            <p:ph idx="1"/>
-          </p:nvPr>
-        </p:nvPicPr>
-        <p:blipFill>
-          <a:blip r:embed="rId3">
-            <a:extLst>
-              <a:ext uri="{28A0092B-C50C-407E-A947-70E740481C1C}">
-                <a14:useLocalDpi xmlns:a14="http://schemas.microsoft.com/office/drawing/2010/main" val="0"/>
-              </a:ext>
-            </a:extLst>
-          </a:blip>
-          <a:stretch>
-            <a:fillRect/>
-          </a:stretch>
-        </p:blipFill>
-        <p:spPr>
-          <a:xfrm>
-            <a:off x="6319744" y="0"/>
-            <a:ext cx="5321712" cy="3429000"/>
-          </a:xfrm>
-          <a:prstGeom prst="rect">
-            <a:avLst/>
-          </a:prstGeom>
-        </p:spPr>
-      </p:pic>
-      <p:pic>
-        <p:nvPicPr>
-          <p:cNvPr id="9" name="Picture 8"/>
-          <p:cNvPicPr/>
-          <p:nvPr/>
-        </p:nvPicPr>
-        <p:blipFill>
-          <a:blip r:embed="rId4">
-            <a:extLst>
-              <a:ext uri="{28A0092B-C50C-407E-A947-70E740481C1C}">
-                <a14:useLocalDpi xmlns:a14="http://schemas.microsoft.com/office/drawing/2010/main" val="0"/>
-              </a:ext>
-            </a:extLst>
-          </a:blip>
-          <a:stretch>
-            <a:fillRect/>
-          </a:stretch>
-        </p:blipFill>
-        <p:spPr>
-          <a:xfrm>
-            <a:off x="-1" y="14587"/>
-            <a:ext cx="5935345" cy="3414414"/>
-          </a:xfrm>
-          <a:prstGeom prst="rect">
-            <a:avLst/>
-          </a:prstGeom>
-        </p:spPr>
-      </p:pic>
-      <p:pic>
-        <p:nvPicPr>
-          <p:cNvPr id="11" name="Picture 10"/>
-          <p:cNvPicPr/>
-          <p:nvPr/>
-        </p:nvPicPr>
-        <p:blipFill>
-          <a:blip r:embed="rId5">
-            <a:extLst>
-              <a:ext uri="{28A0092B-C50C-407E-A947-70E740481C1C}">
-                <a14:useLocalDpi xmlns:a14="http://schemas.microsoft.com/office/drawing/2010/main" val="0"/>
-              </a:ext>
-            </a:extLst>
-          </a:blip>
-          <a:stretch>
-            <a:fillRect/>
-          </a:stretch>
-        </p:blipFill>
-        <p:spPr>
-          <a:xfrm>
-            <a:off x="165415" y="3601213"/>
-            <a:ext cx="5769929" cy="3104388"/>
-          </a:xfrm>
-          <a:prstGeom prst="rect">
-            <a:avLst/>
-          </a:prstGeom>
-        </p:spPr>
-      </p:pic>
-    </p:spTree>
-    <p:extLst>
-      <p:ext uri="{BB962C8B-B14F-4D97-AF65-F5344CB8AC3E}">
-        <p14:creationId xmlns:p14="http://schemas.microsoft.com/office/powerpoint/2010/main" val="2743983491"/>
-      </p:ext>
-    </p:extLst>
-  </p:cSld>
-  <p:clrMapOvr>
-    <a:masterClrMapping/>
-  </p:clrMapOvr>
-  <p:transition>
-    <p:split orient="vert"/>
-  </p:transition>
-</p:sld>
-</file>
-
-<file path=ppt/slides/slide14.xml><?xml version="1.0" encoding="utf-8"?>
-<p:sld xmlns:a="http://schemas.openxmlformats.org/drawingml/2006/main" xmlns:r="http://schemas.openxmlformats.org/officeDocument/2006/relationships" xmlns:p="http://schemas.openxmlformats.org/presentationml/2006/main">
-  <p:cSld>
-    <p:spTree>
-      <p:nvGrpSpPr>
-        <p:cNvPr id="1" name=""/>
-        <p:cNvGrpSpPr/>
-        <p:nvPr/>
-      </p:nvGrpSpPr>
-      <p:grpSpPr>
-        <a:xfrm>
-          <a:off x="0" y="0"/>
-          <a:ext cx="0" cy="0"/>
-          <a:chOff x="0" y="0"/>
-          <a:chExt cx="0" cy="0"/>
-        </a:xfrm>
-      </p:grpSpPr>
-      <p:sp>
-        <p:nvSpPr>
-          <p:cNvPr id="7" name="Title 6"/>
-          <p:cNvSpPr>
-            <a:spLocks noGrp="1"/>
-          </p:cNvSpPr>
-          <p:nvPr>
-            <p:ph type="title"/>
-          </p:nvPr>
-        </p:nvSpPr>
-        <p:spPr/>
-        <p:txBody>
-          <a:bodyPr/>
-          <a:lstStyle/>
-          <a:p>
-            <a:r>
-              <a:rPr lang="en-US" dirty="0" err="1"/>
-              <a:t>Sơ</a:t>
-            </a:r>
-            <a:r>
-              <a:rPr lang="en-US" dirty="0"/>
-              <a:t> </a:t>
-            </a:r>
-            <a:r>
-              <a:rPr lang="en-US" dirty="0" err="1"/>
-              <a:t>Đồ</a:t>
-            </a:r>
-            <a:r>
-              <a:rPr lang="en-US" dirty="0"/>
-              <a:t> </a:t>
-            </a:r>
-            <a:r>
-              <a:rPr lang="en-US" dirty="0" err="1"/>
-              <a:t>Quan</a:t>
-            </a:r>
-            <a:r>
-              <a:rPr lang="en-US" dirty="0"/>
-              <a:t> </a:t>
-            </a:r>
-            <a:r>
-              <a:rPr lang="en-US" dirty="0" err="1"/>
-              <a:t>Hệ</a:t>
-            </a:r>
-            <a:r>
-              <a:rPr lang="en-US" dirty="0"/>
-              <a:t> </a:t>
-            </a:r>
-            <a:r>
-              <a:rPr lang="en-US" dirty="0" err="1"/>
-              <a:t>Thực</a:t>
-            </a:r>
-            <a:r>
-              <a:rPr lang="en-US" dirty="0"/>
-              <a:t> </a:t>
-            </a:r>
-            <a:r>
-              <a:rPr lang="en-US" dirty="0" err="1"/>
-              <a:t>Thể</a:t>
-            </a:r>
-            <a:endParaRPr lang="en-US" dirty="0"/>
-          </a:p>
-        </p:txBody>
-      </p:sp>
-      <p:sp>
-        <p:nvSpPr>
-          <p:cNvPr id="4" name="Footer Placeholder 3"/>
-          <p:cNvSpPr>
-            <a:spLocks noGrp="1"/>
-          </p:cNvSpPr>
-          <p:nvPr>
-            <p:ph type="ftr" idx="11"/>
-          </p:nvPr>
-        </p:nvSpPr>
-        <p:spPr/>
-        <p:txBody>
-          <a:bodyPr/>
-          <a:lstStyle/>
-          <a:p>
-            <a:pPr>
-              <a:defRPr/>
-            </a:pPr>
-            <a:r>
-              <a:rPr lang="en-US" dirty="0">
-                <a:solidFill>
-                  <a:prstClr val="black">
-                    <a:tint val="75000"/>
-                  </a:prstClr>
-                </a:solidFill>
-              </a:rPr>
-              <a:t>Coffee Management</a:t>
-            </a:r>
-          </a:p>
-        </p:txBody>
-      </p:sp>
-      <p:sp>
-        <p:nvSpPr>
-          <p:cNvPr id="5" name="Slide Number Placeholder 4"/>
-          <p:cNvSpPr>
-            <a:spLocks noGrp="1"/>
-          </p:cNvSpPr>
-          <p:nvPr>
-            <p:ph type="sldNum" idx="12"/>
-          </p:nvPr>
-        </p:nvSpPr>
-        <p:spPr/>
-        <p:txBody>
-          <a:bodyPr/>
-          <a:lstStyle/>
-          <a:p>
-            <a:pPr>
-              <a:defRPr/>
-            </a:pPr>
-            <a:fld id="{38F81FAE-D748-4BFC-A8B0-D2E750E8899F}" type="slidenum">
-              <a:rPr lang="en-US" smtClean="0">
-                <a:solidFill>
-                  <a:prstClr val="black">
-                    <a:tint val="75000"/>
-                  </a:prstClr>
-                </a:solidFill>
-              </a:rPr>
-              <a:pPr>
-                <a:defRPr/>
-              </a:pPr>
-              <a:t>14</a:t>
-            </a:fld>
-            <a:endParaRPr lang="en-US" dirty="0">
-              <a:solidFill>
-                <a:prstClr val="black">
-                  <a:tint val="75000"/>
-                </a:prstClr>
-              </a:solidFill>
-            </a:endParaRPr>
-          </a:p>
-        </p:txBody>
-      </p:sp>
-      <p:pic>
-        <p:nvPicPr>
-          <p:cNvPr id="11" name="Picture 10"/>
-          <p:cNvPicPr>
-            <a:picLocks noChangeAspect="1"/>
-          </p:cNvPicPr>
-          <p:nvPr/>
-        </p:nvPicPr>
-        <p:blipFill rotWithShape="1">
-          <a:blip r:embed="rId2"/>
-          <a:srcRect l="22449" t="26541" r="27960" b="23987"/>
-          <a:stretch/>
-        </p:blipFill>
-        <p:spPr>
-          <a:xfrm>
-            <a:off x="1511121" y="1078606"/>
-            <a:ext cx="9169757" cy="5143118"/>
-          </a:xfrm>
-          <a:prstGeom prst="rect">
-            <a:avLst/>
-          </a:prstGeom>
-        </p:spPr>
-      </p:pic>
-    </p:spTree>
-    <p:extLst>
-      <p:ext uri="{BB962C8B-B14F-4D97-AF65-F5344CB8AC3E}">
-        <p14:creationId xmlns:p14="http://schemas.microsoft.com/office/powerpoint/2010/main" val="407926556"/>
-      </p:ext>
-    </p:extLst>
-  </p:cSld>
-  <p:clrMapOvr>
-    <a:masterClrMapping/>
-  </p:clrMapOvr>
-  <p:transition>
-    <p:split orient="vert"/>
-  </p:transition>
-</p:sld>
-</file>
-
-<file path=ppt/slides/slide15.xml><?xml version="1.0" encoding="utf-8"?>
-<p:sld xmlns:a="http://schemas.openxmlformats.org/drawingml/2006/main" xmlns:r="http://schemas.openxmlformats.org/officeDocument/2006/relationships" xmlns:p="http://schemas.openxmlformats.org/presentationml/2006/main">
-  <p:cSld>
-    <p:spTree>
-      <p:nvGrpSpPr>
-        <p:cNvPr id="1" name=""/>
-        <p:cNvGrpSpPr/>
-        <p:nvPr/>
-      </p:nvGrpSpPr>
-      <p:grpSpPr>
-        <a:xfrm>
-          <a:off x="0" y="0"/>
-          <a:ext cx="0" cy="0"/>
-          <a:chOff x="0" y="0"/>
-          <a:chExt cx="0" cy="0"/>
-        </a:xfrm>
-      </p:grpSpPr>
-      <p:sp>
-        <p:nvSpPr>
-          <p:cNvPr id="2" name="Content Placeholder 1"/>
-          <p:cNvSpPr>
-            <a:spLocks noGrp="1"/>
-          </p:cNvSpPr>
-          <p:nvPr>
-            <p:ph idx="1"/>
-          </p:nvPr>
-        </p:nvSpPr>
-        <p:spPr>
-          <a:xfrm>
-            <a:off x="609600" y="1371600"/>
-            <a:ext cx="10972800" cy="4797380"/>
-          </a:xfrm>
-        </p:spPr>
-        <p:txBody>
-          <a:bodyPr/>
-          <a:lstStyle/>
-          <a:p>
-            <a:pPr marL="0" indent="0" algn="ctr">
-              <a:buNone/>
-            </a:pPr>
-            <a:endParaRPr lang="en-US" dirty="0">
-              <a:latin typeface="Times New Roman" panose="02020603050405020304" pitchFamily="18" charset="0"/>
-              <a:cs typeface="Times New Roman" panose="02020603050405020304" pitchFamily="18" charset="0"/>
-            </a:endParaRPr>
-          </a:p>
-          <a:p>
-            <a:pPr marL="0" indent="0" algn="ctr">
-              <a:buNone/>
-            </a:pPr>
-            <a:endParaRPr lang="en-US" dirty="0">
-              <a:latin typeface="Times New Roman" panose="02020603050405020304" pitchFamily="18" charset="0"/>
-              <a:cs typeface="Times New Roman" panose="02020603050405020304" pitchFamily="18" charset="0"/>
-            </a:endParaRPr>
-          </a:p>
-          <a:p>
-            <a:pPr marL="0" indent="0" algn="ctr">
-              <a:buNone/>
-            </a:pPr>
-            <a:endParaRPr lang="en-US" dirty="0">
-              <a:latin typeface="Times New Roman" panose="02020603050405020304" pitchFamily="18" charset="0"/>
-              <a:cs typeface="Times New Roman" panose="02020603050405020304" pitchFamily="18" charset="0"/>
-            </a:endParaRPr>
-          </a:p>
-          <a:p>
-            <a:pPr marL="0" indent="0" algn="ctr">
-              <a:buNone/>
-            </a:pPr>
-            <a:r>
-              <a:rPr lang="en-US" dirty="0">
-                <a:latin typeface="Times New Roman" panose="02020603050405020304" pitchFamily="18" charset="0"/>
-                <a:cs typeface="Times New Roman" panose="02020603050405020304" pitchFamily="18" charset="0"/>
-              </a:rPr>
-              <a:t>DEMO CODE</a:t>
-            </a:r>
-          </a:p>
-          <a:p>
-            <a:pPr marL="0" indent="0">
-              <a:buNone/>
-            </a:pPr>
-            <a:endParaRPr lang="en-US" dirty="0">
-              <a:latin typeface="Times New Roman" panose="02020603050405020304" pitchFamily="18" charset="0"/>
-              <a:cs typeface="Times New Roman" panose="02020603050405020304" pitchFamily="18" charset="0"/>
-            </a:endParaRPr>
-          </a:p>
-        </p:txBody>
-      </p:sp>
-      <p:sp>
-        <p:nvSpPr>
-          <p:cNvPr id="4" name="Footer Placeholder 3"/>
-          <p:cNvSpPr>
-            <a:spLocks noGrp="1"/>
-          </p:cNvSpPr>
-          <p:nvPr>
-            <p:ph type="ftr" sz="quarter" idx="10"/>
-          </p:nvPr>
-        </p:nvSpPr>
-        <p:spPr/>
-        <p:txBody>
-          <a:bodyPr/>
-          <a:lstStyle/>
-          <a:p>
-            <a:pPr>
-              <a:defRPr/>
-            </a:pPr>
-            <a:r>
-              <a:rPr lang="en-US">
-                <a:solidFill>
-                  <a:prstClr val="black">
-                    <a:tint val="75000"/>
-                  </a:prstClr>
-                </a:solidFill>
-              </a:rPr>
-              <a:t>GROUP 4: Database management library </a:t>
-            </a:r>
-          </a:p>
-        </p:txBody>
-      </p:sp>
-      <p:sp>
-        <p:nvSpPr>
-          <p:cNvPr id="5" name="Slide Number Placeholder 4"/>
-          <p:cNvSpPr>
-            <a:spLocks noGrp="1"/>
-          </p:cNvSpPr>
-          <p:nvPr>
-            <p:ph type="sldNum" sz="quarter" idx="11"/>
-          </p:nvPr>
-        </p:nvSpPr>
-        <p:spPr/>
-        <p:txBody>
-          <a:bodyPr/>
-          <a:lstStyle/>
-          <a:p>
-            <a:pPr>
-              <a:defRPr/>
-            </a:pPr>
-            <a:fld id="{38F81FAE-D748-4BFC-A8B0-D2E750E8899F}" type="slidenum">
-              <a:rPr lang="en-US" smtClean="0">
-                <a:solidFill>
-                  <a:prstClr val="black">
-                    <a:tint val="75000"/>
-                  </a:prstClr>
-                </a:solidFill>
-              </a:rPr>
-              <a:pPr>
-                <a:defRPr/>
-              </a:pPr>
-              <a:t>15</a:t>
-            </a:fld>
-            <a:endParaRPr lang="en-US" dirty="0">
-              <a:solidFill>
-                <a:prstClr val="black">
-                  <a:tint val="75000"/>
-                </a:prstClr>
-              </a:solidFill>
-            </a:endParaRPr>
-          </a:p>
-        </p:txBody>
-      </p:sp>
-    </p:spTree>
-    <p:extLst>
-      <p:ext uri="{BB962C8B-B14F-4D97-AF65-F5344CB8AC3E}">
-        <p14:creationId xmlns:p14="http://schemas.microsoft.com/office/powerpoint/2010/main" val="493610326"/>
-      </p:ext>
-    </p:extLst>
-  </p:cSld>
-  <p:clrMapOvr>
-    <a:masterClrMapping/>
-  </p:clrMapOvr>
-  <p:transition>
-    <p:split orient="vert"/>
-  </p:transition>
-</p:sld>
-</file>
-
-<file path=ppt/slides/slide16.xml><?xml version="1.0" encoding="utf-8"?>
-<p:sld xmlns:a="http://schemas.openxmlformats.org/drawingml/2006/main" xmlns:r="http://schemas.openxmlformats.org/officeDocument/2006/relationships" xmlns:p="http://schemas.openxmlformats.org/presentationml/2006/main">
-  <p:cSld>
-    <p:spTree>
-      <p:nvGrpSpPr>
-        <p:cNvPr id="1" name=""/>
-        <p:cNvGrpSpPr/>
-        <p:nvPr/>
-      </p:nvGrpSpPr>
-      <p:grpSpPr>
-        <a:xfrm>
-          <a:off x="0" y="0"/>
-          <a:ext cx="0" cy="0"/>
-          <a:chOff x="0" y="0"/>
-          <a:chExt cx="0" cy="0"/>
-        </a:xfrm>
-      </p:grpSpPr>
-      <p:sp>
-        <p:nvSpPr>
-          <p:cNvPr id="6" name="Title 5"/>
-          <p:cNvSpPr>
-            <a:spLocks noGrp="1"/>
-          </p:cNvSpPr>
-          <p:nvPr>
-            <p:ph type="ctrTitle"/>
-          </p:nvPr>
-        </p:nvSpPr>
-        <p:spPr>
-          <a:xfrm>
-            <a:off x="0" y="3294627"/>
-            <a:ext cx="10363200" cy="1048773"/>
-          </a:xfrm>
-        </p:spPr>
-        <p:txBody>
-          <a:bodyPr/>
-          <a:lstStyle/>
-          <a:p>
-            <a:r>
-              <a:rPr lang="en-US" dirty="0"/>
-              <a:t>THANK FOR WATCHING AND LISTENING</a:t>
-            </a:r>
-          </a:p>
-        </p:txBody>
-      </p:sp>
-      <p:sp>
-        <p:nvSpPr>
-          <p:cNvPr id="4" name="Footer Placeholder 3"/>
-          <p:cNvSpPr>
-            <a:spLocks noGrp="1"/>
-          </p:cNvSpPr>
-          <p:nvPr>
-            <p:ph type="ftr" sz="quarter" idx="4294967295"/>
-          </p:nvPr>
-        </p:nvSpPr>
-        <p:spPr>
-          <a:xfrm>
-            <a:off x="0" y="6340475"/>
-            <a:ext cx="8128000" cy="365125"/>
-          </a:xfrm>
-        </p:spPr>
-        <p:txBody>
-          <a:bodyPr/>
-          <a:lstStyle/>
-          <a:p>
-            <a:pPr>
-              <a:defRPr/>
-            </a:pPr>
-            <a:r>
-              <a:rPr lang="en-US">
-                <a:solidFill>
-                  <a:prstClr val="black">
-                    <a:tint val="75000"/>
-                  </a:prstClr>
-                </a:solidFill>
-              </a:rPr>
-              <a:t>GROUP 4: Database management library </a:t>
-            </a:r>
-          </a:p>
-        </p:txBody>
-      </p:sp>
-      <p:sp>
-        <p:nvSpPr>
-          <p:cNvPr id="5" name="Slide Number Placeholder 4"/>
-          <p:cNvSpPr>
-            <a:spLocks noGrp="1"/>
-          </p:cNvSpPr>
-          <p:nvPr>
-            <p:ph type="sldNum" sz="quarter" idx="4294967295"/>
-          </p:nvPr>
-        </p:nvSpPr>
-        <p:spPr>
-          <a:xfrm>
-            <a:off x="9347200" y="6356350"/>
-            <a:ext cx="2844800" cy="365125"/>
-          </a:xfrm>
-        </p:spPr>
-        <p:txBody>
-          <a:bodyPr/>
-          <a:lstStyle/>
-          <a:p>
-            <a:pPr>
-              <a:defRPr/>
-            </a:pPr>
-            <a:fld id="{38F81FAE-D748-4BFC-A8B0-D2E750E8899F}" type="slidenum">
-              <a:rPr lang="en-US" smtClean="0">
-                <a:solidFill>
-                  <a:prstClr val="black">
-                    <a:tint val="75000"/>
-                  </a:prstClr>
-                </a:solidFill>
-              </a:rPr>
-              <a:pPr>
-                <a:defRPr/>
-              </a:pPr>
-              <a:t>16</a:t>
-            </a:fld>
-            <a:endParaRPr lang="en-US" dirty="0">
-              <a:solidFill>
-                <a:prstClr val="black">
-                  <a:tint val="75000"/>
-                </a:prstClr>
-              </a:solidFill>
-            </a:endParaRPr>
-          </a:p>
-        </p:txBody>
-      </p:sp>
-    </p:spTree>
-    <p:extLst>
-      <p:ext uri="{BB962C8B-B14F-4D97-AF65-F5344CB8AC3E}">
-        <p14:creationId xmlns:p14="http://schemas.microsoft.com/office/powerpoint/2010/main" val="862416329"/>
-      </p:ext>
-    </p:extLst>
-  </p:cSld>
-  <p:clrMapOvr>
-    <a:masterClrMapping/>
-  </p:clrMapOvr>
-  <p:transition>
-    <p:split orient="vert"/>
-  </p:transition>
-</p:sld>
-</file>
-
-<file path=ppt/slides/slide2.xml><?xml version="1.0" encoding="utf-8"?>
-<p:sld xmlns:a="http://schemas.openxmlformats.org/drawingml/2006/main" xmlns:r="http://schemas.openxmlformats.org/officeDocument/2006/relationships" xmlns:p="http://schemas.openxmlformats.org/presentationml/2006/main">
-  <p:cSld>
-    <p:spTree>
-      <p:nvGrpSpPr>
-        <p:cNvPr id="1" name=""/>
-        <p:cNvGrpSpPr/>
-        <p:nvPr/>
-      </p:nvGrpSpPr>
-      <p:grpSpPr>
-        <a:xfrm>
-          <a:off x="0" y="0"/>
-          <a:ext cx="0" cy="0"/>
-          <a:chOff x="0" y="0"/>
-          <a:chExt cx="0" cy="0"/>
-        </a:xfrm>
-      </p:grpSpPr>
-      <p:sp>
-        <p:nvSpPr>
-          <p:cNvPr id="2" name="Content Placeholder 1"/>
-          <p:cNvSpPr>
-            <a:spLocks noGrp="1"/>
-          </p:cNvSpPr>
-          <p:nvPr>
-            <p:ph idx="1"/>
-          </p:nvPr>
-        </p:nvSpPr>
-        <p:spPr/>
-        <p:txBody>
-          <a:bodyPr/>
-          <a:lstStyle/>
-          <a:p>
-            <a:pPr algn="just"/>
-            <a:r>
-              <a:rPr lang="en-US" sz="2000" dirty="0">
-                <a:latin typeface="Times New Roman" panose="02020603050405020304" pitchFamily="18" charset="0"/>
-                <a:cs typeface="Times New Roman" panose="02020603050405020304" pitchFamily="18" charset="0"/>
-              </a:rPr>
-              <a:t>At present, information technology is considered a key industry of the country. Information explosion and the strong development of technology, to develop, need to apply information technology in different industries. Current software increasingly supports users to conveniently use, fast processing time. Therefore, when designing software, it not only requires accuracy and handling of many things, but also meets the speed, friendly interface and realistic simulation on the computer for users to use conveniently and accustomed belonging, high security, ... Software helps save and time of human efforts, increase accuracy and efficiency at work. As in managing a cafe. If not supported by computer software, the management needs to be quite a lot of people and divided into several stages to be able to manage the store such as managing employees (employees in shifts or all day), managing invoices , search, statistics and information adjustment, etc. These jobs require time and effort but the accuracy and efficiency are not high when doing manual work without using software. In addition, it will make the storage difficult, to consume large space, easy to lose and expensive. Meanwhile solving with 1 software is simpler.</a:t>
-            </a:r>
-          </a:p>
-          <a:p>
-            <a:pPr algn="just"/>
-            <a:r>
-              <a:rPr lang="en-US" sz="2000" dirty="0">
-                <a:latin typeface="Times New Roman" panose="02020603050405020304" pitchFamily="18" charset="0"/>
-                <a:cs typeface="Times New Roman" panose="02020603050405020304" pitchFamily="18" charset="0"/>
-              </a:rPr>
-              <a:t>Therefore, it is necessary to develop a cafe management program.</a:t>
-            </a:r>
-          </a:p>
-        </p:txBody>
-      </p:sp>
-      <p:sp>
-        <p:nvSpPr>
-          <p:cNvPr id="3" name="Title 2"/>
-          <p:cNvSpPr>
-            <a:spLocks noGrp="1"/>
-          </p:cNvSpPr>
-          <p:nvPr>
-            <p:ph type="title"/>
-          </p:nvPr>
-        </p:nvSpPr>
-        <p:spPr/>
-        <p:txBody>
-          <a:bodyPr/>
-          <a:lstStyle/>
-          <a:p>
-            <a:r>
-              <a:rPr lang="en-US" dirty="0">
-                <a:latin typeface="Times New Roman" panose="02020603050405020304" pitchFamily="18" charset="0"/>
-                <a:cs typeface="Times New Roman" panose="02020603050405020304" pitchFamily="18" charset="0"/>
-              </a:rPr>
-              <a:t>Problem definition</a:t>
-            </a:r>
-            <a:endParaRPr lang="en-US" dirty="0"/>
-          </a:p>
-        </p:txBody>
-      </p:sp>
-      <p:sp>
-        <p:nvSpPr>
-          <p:cNvPr id="4" name="Footer Placeholder 3"/>
-          <p:cNvSpPr>
-            <a:spLocks noGrp="1"/>
-          </p:cNvSpPr>
-          <p:nvPr>
-            <p:ph type="ftr" sz="quarter" idx="10"/>
-          </p:nvPr>
-        </p:nvSpPr>
-        <p:spPr/>
-        <p:txBody>
-          <a:bodyPr/>
-          <a:lstStyle/>
-          <a:p>
-            <a:pPr>
-              <a:defRPr/>
-            </a:pPr>
-            <a:r>
-              <a:rPr lang="en-US" dirty="0">
-                <a:solidFill>
-                  <a:prstClr val="black">
-                    <a:tint val="75000"/>
-                  </a:prstClr>
-                </a:solidFill>
-              </a:rPr>
-              <a:t>Coffee Management</a:t>
-            </a:r>
-          </a:p>
-        </p:txBody>
-      </p:sp>
-      <p:sp>
-        <p:nvSpPr>
-          <p:cNvPr id="5" name="Slide Number Placeholder 4"/>
-          <p:cNvSpPr>
-            <a:spLocks noGrp="1"/>
-          </p:cNvSpPr>
-          <p:nvPr>
-            <p:ph type="sldNum" sz="quarter" idx="11"/>
-          </p:nvPr>
-        </p:nvSpPr>
-        <p:spPr/>
-        <p:txBody>
-          <a:bodyPr/>
-          <a:lstStyle/>
-          <a:p>
-            <a:pPr>
-              <a:defRPr/>
-            </a:pPr>
-            <a:fld id="{38F81FAE-D748-4BFC-A8B0-D2E750E8899F}" type="slidenum">
-              <a:rPr lang="en-US" smtClean="0">
-                <a:solidFill>
-                  <a:prstClr val="black">
-                    <a:tint val="75000"/>
-                  </a:prstClr>
-                </a:solidFill>
-              </a:rPr>
-              <a:pPr>
-                <a:defRPr/>
-              </a:pPr>
-              <a:t>2</a:t>
-            </a:fld>
-            <a:endParaRPr lang="en-US" dirty="0">
-              <a:solidFill>
-                <a:prstClr val="black">
-                  <a:tint val="75000"/>
-                </a:prstClr>
-              </a:solidFill>
-            </a:endParaRPr>
-          </a:p>
-        </p:txBody>
-      </p:sp>
-    </p:spTree>
-    <p:extLst>
-      <p:ext uri="{BB962C8B-B14F-4D97-AF65-F5344CB8AC3E}">
-        <p14:creationId xmlns:p14="http://schemas.microsoft.com/office/powerpoint/2010/main" val="3143656759"/>
-      </p:ext>
-    </p:extLst>
-  </p:cSld>
-  <p:clrMapOvr>
-    <a:masterClrMapping/>
-  </p:clrMapOvr>
-  <p:transition>
-    <p:split orient="vert"/>
-  </p:transition>
-</p:sld>
-</file>
-
-<file path=ppt/slides/slide3.xml><?xml version="1.0" encoding="utf-8"?>
-<p:sld xmlns:a="http://schemas.openxmlformats.org/drawingml/2006/main" xmlns:r="http://schemas.openxmlformats.org/officeDocument/2006/relationships" xmlns:p="http://schemas.openxmlformats.org/presentationml/2006/main">
-  <p:cSld>
-    <p:spTree>
-      <p:nvGrpSpPr>
-        <p:cNvPr id="1" name=""/>
-        <p:cNvGrpSpPr/>
-        <p:nvPr/>
-      </p:nvGrpSpPr>
-      <p:grpSpPr>
-        <a:xfrm>
-          <a:off x="0" y="0"/>
-          <a:ext cx="0" cy="0"/>
-          <a:chOff x="0" y="0"/>
-          <a:chExt cx="0" cy="0"/>
-        </a:xfrm>
-      </p:grpSpPr>
-      <p:sp>
-        <p:nvSpPr>
-          <p:cNvPr id="3" name="Title 2"/>
-          <p:cNvSpPr>
-            <a:spLocks noGrp="1"/>
-          </p:cNvSpPr>
-          <p:nvPr>
-            <p:ph type="title"/>
-          </p:nvPr>
-        </p:nvSpPr>
-        <p:spPr/>
-        <p:txBody>
-          <a:bodyPr/>
-          <a:lstStyle/>
-          <a:p>
-            <a:r>
-              <a:rPr lang="en-US" dirty="0"/>
-              <a:t>The functions of the application</a:t>
-            </a:r>
-          </a:p>
-        </p:txBody>
-      </p:sp>
-      <p:sp>
-        <p:nvSpPr>
-          <p:cNvPr id="4" name="Footer Placeholder 3"/>
-          <p:cNvSpPr>
-            <a:spLocks noGrp="1"/>
-          </p:cNvSpPr>
-          <p:nvPr>
-            <p:ph type="ftr" sz="quarter" idx="10"/>
-          </p:nvPr>
-        </p:nvSpPr>
-        <p:spPr/>
-        <p:txBody>
-          <a:bodyPr/>
-          <a:lstStyle/>
-          <a:p>
-            <a:pPr>
-              <a:defRPr/>
-            </a:pPr>
-            <a:r>
-              <a:rPr lang="en-US">
-                <a:solidFill>
-                  <a:prstClr val="black">
-                    <a:tint val="75000"/>
-                  </a:prstClr>
-                </a:solidFill>
-              </a:rPr>
-              <a:t>GROUP 4: Database management library </a:t>
-            </a:r>
-          </a:p>
-        </p:txBody>
-      </p:sp>
-      <p:sp>
-        <p:nvSpPr>
-          <p:cNvPr id="5" name="Slide Number Placeholder 4"/>
-          <p:cNvSpPr>
-            <a:spLocks noGrp="1"/>
-          </p:cNvSpPr>
-          <p:nvPr>
-            <p:ph type="sldNum" sz="quarter" idx="11"/>
-          </p:nvPr>
-        </p:nvSpPr>
-        <p:spPr/>
-        <p:txBody>
-          <a:bodyPr/>
-          <a:lstStyle/>
-          <a:p>
-            <a:pPr>
-              <a:defRPr/>
-            </a:pPr>
-            <a:fld id="{38F81FAE-D748-4BFC-A8B0-D2E750E8899F}" type="slidenum">
-              <a:rPr lang="en-US" smtClean="0">
-                <a:solidFill>
-                  <a:prstClr val="black">
-                    <a:tint val="75000"/>
-                  </a:prstClr>
-                </a:solidFill>
-              </a:rPr>
-              <a:pPr>
-                <a:defRPr/>
-              </a:pPr>
-              <a:t>3</a:t>
-            </a:fld>
-            <a:endParaRPr lang="en-US" dirty="0">
-              <a:solidFill>
-                <a:prstClr val="black">
-                  <a:tint val="75000"/>
-                </a:prstClr>
-              </a:solidFill>
-            </a:endParaRPr>
-          </a:p>
-        </p:txBody>
-      </p:sp>
-      <p:pic>
-        <p:nvPicPr>
-          <p:cNvPr id="8" name="Picture 7">
-            <a:extLst>
-              <a:ext uri="{FF2B5EF4-FFF2-40B4-BE49-F238E27FC236}">
-                <a16:creationId xmlns:a16="http://schemas.microsoft.com/office/drawing/2014/main" id="{47028D89-F51B-419A-9F67-56BF6D6F2A58}"/>
-              </a:ext>
-            </a:extLst>
-          </p:cNvPr>
-          <p:cNvPicPr/>
-          <p:nvPr/>
-        </p:nvPicPr>
-        <p:blipFill>
-          <a:blip r:embed="rId2"/>
-          <a:stretch>
-            <a:fillRect/>
-          </a:stretch>
-        </p:blipFill>
-        <p:spPr>
-          <a:xfrm>
-            <a:off x="7572229" y="806962"/>
-            <a:ext cx="4111771" cy="2628622"/>
-          </a:xfrm>
-          <a:prstGeom prst="rect">
-            <a:avLst/>
-          </a:prstGeom>
-        </p:spPr>
-      </p:pic>
-      <p:sp>
-        <p:nvSpPr>
-          <p:cNvPr id="10" name="TextBox 9">
-            <a:extLst>
-              <a:ext uri="{FF2B5EF4-FFF2-40B4-BE49-F238E27FC236}">
-                <a16:creationId xmlns:a16="http://schemas.microsoft.com/office/drawing/2014/main" id="{1A861A97-2FA2-4A01-94E7-AC7812AF5912}"/>
-              </a:ext>
-            </a:extLst>
-          </p:cNvPr>
-          <p:cNvSpPr txBox="1"/>
-          <p:nvPr/>
-        </p:nvSpPr>
-        <p:spPr>
-          <a:xfrm>
-            <a:off x="671119" y="1295400"/>
-            <a:ext cx="2248249" cy="369332"/>
-          </a:xfrm>
-          <a:prstGeom prst="rect">
-            <a:avLst/>
-          </a:prstGeom>
-          <a:noFill/>
-        </p:spPr>
-        <p:txBody>
-          <a:bodyPr wrap="square" rtlCol="0">
-            <a:spAutoFit/>
-          </a:bodyPr>
-          <a:lstStyle/>
-          <a:p>
-            <a:pPr marL="342900" indent="-342900">
-              <a:buAutoNum type="arabicPeriod"/>
-            </a:pPr>
-            <a:r>
-              <a:rPr lang="en-US" dirty="0"/>
-              <a:t>Login – </a:t>
-            </a:r>
-            <a:r>
-              <a:rPr lang="en-US" dirty="0" err="1"/>
-              <a:t>Hòa</a:t>
-            </a:r>
-            <a:endParaRPr lang="en-US" dirty="0"/>
-          </a:p>
-        </p:txBody>
-      </p:sp>
-      <p:pic>
-        <p:nvPicPr>
-          <p:cNvPr id="11" name="Picture 10">
-            <a:extLst>
-              <a:ext uri="{FF2B5EF4-FFF2-40B4-BE49-F238E27FC236}">
-                <a16:creationId xmlns:a16="http://schemas.microsoft.com/office/drawing/2014/main" id="{91FAEC66-941A-4D98-BE25-99E4221F1864}"/>
-              </a:ext>
-            </a:extLst>
-          </p:cNvPr>
-          <p:cNvPicPr/>
-          <p:nvPr/>
-        </p:nvPicPr>
-        <p:blipFill>
-          <a:blip r:embed="rId3"/>
-          <a:stretch>
-            <a:fillRect/>
-          </a:stretch>
-        </p:blipFill>
-        <p:spPr>
-          <a:xfrm>
-            <a:off x="508000" y="2969703"/>
-            <a:ext cx="4067029" cy="3149470"/>
-          </a:xfrm>
-          <a:prstGeom prst="rect">
-            <a:avLst/>
-          </a:prstGeom>
-        </p:spPr>
-      </p:pic>
-      <p:pic>
-        <p:nvPicPr>
-          <p:cNvPr id="12" name="Picture 11">
-            <a:extLst>
-              <a:ext uri="{FF2B5EF4-FFF2-40B4-BE49-F238E27FC236}">
-                <a16:creationId xmlns:a16="http://schemas.microsoft.com/office/drawing/2014/main" id="{A0E4F45B-93DA-47F6-B927-5D38A33E8344}"/>
-              </a:ext>
-            </a:extLst>
-          </p:cNvPr>
-          <p:cNvPicPr/>
-          <p:nvPr/>
-        </p:nvPicPr>
-        <p:blipFill>
-          <a:blip r:embed="rId4"/>
-          <a:stretch>
-            <a:fillRect/>
-          </a:stretch>
-        </p:blipFill>
-        <p:spPr>
-          <a:xfrm>
-            <a:off x="6974980" y="3546235"/>
-            <a:ext cx="4709020" cy="2683589"/>
-          </a:xfrm>
-          <a:prstGeom prst="rect">
-            <a:avLst/>
-          </a:prstGeom>
-        </p:spPr>
-      </p:pic>
-      <p:sp>
-        <p:nvSpPr>
-          <p:cNvPr id="13" name="TextBox 12">
-            <a:extLst>
-              <a:ext uri="{FF2B5EF4-FFF2-40B4-BE49-F238E27FC236}">
-                <a16:creationId xmlns:a16="http://schemas.microsoft.com/office/drawing/2014/main" id="{961D0E31-F07F-4505-8B3F-2B8B7F6EB72E}"/>
-              </a:ext>
-            </a:extLst>
-          </p:cNvPr>
-          <p:cNvSpPr txBox="1"/>
-          <p:nvPr/>
-        </p:nvSpPr>
-        <p:spPr>
-          <a:xfrm>
-            <a:off x="671119" y="1664733"/>
-            <a:ext cx="6660859" cy="923330"/>
-          </a:xfrm>
-          <a:prstGeom prst="rect">
-            <a:avLst/>
-          </a:prstGeom>
-          <a:noFill/>
-        </p:spPr>
-        <p:txBody>
-          <a:bodyPr wrap="square" rtlCol="0">
-            <a:spAutoFit/>
-          </a:bodyPr>
-          <a:lstStyle/>
-          <a:p>
-            <a:r>
-              <a:rPr lang="en-US" dirty="0">
-                <a:highlight>
-                  <a:srgbClr val="FFFF00"/>
-                </a:highlight>
-                <a:latin typeface="Times New Roman" panose="02020603050405020304" pitchFamily="18" charset="0"/>
-                <a:cs typeface="Times New Roman" panose="02020603050405020304" pitchFamily="18" charset="0"/>
-              </a:rPr>
-              <a:t>"select * from Employee where </a:t>
-            </a:r>
-            <a:r>
-              <a:rPr lang="en-US" dirty="0" err="1">
-                <a:highlight>
-                  <a:srgbClr val="FFFF00"/>
-                </a:highlight>
-                <a:latin typeface="Times New Roman" panose="02020603050405020304" pitchFamily="18" charset="0"/>
-                <a:cs typeface="Times New Roman" panose="02020603050405020304" pitchFamily="18" charset="0"/>
-              </a:rPr>
-              <a:t>UsernameEmp</a:t>
-            </a:r>
-            <a:r>
-              <a:rPr lang="en-US" dirty="0">
-                <a:highlight>
-                  <a:srgbClr val="FFFF00"/>
-                </a:highlight>
-                <a:latin typeface="Times New Roman" panose="02020603050405020304" pitchFamily="18" charset="0"/>
-                <a:cs typeface="Times New Roman" panose="02020603050405020304" pitchFamily="18" charset="0"/>
-              </a:rPr>
-              <a:t>=? COLLATE SQL_Latin1_General_CP1_CS_AS and Password=? COLLATE SQL_Latin1_General_CP1_CS_AS";</a:t>
-            </a:r>
-          </a:p>
-        </p:txBody>
-      </p:sp>
-    </p:spTree>
-    <p:extLst>
-      <p:ext uri="{BB962C8B-B14F-4D97-AF65-F5344CB8AC3E}">
-        <p14:creationId xmlns:p14="http://schemas.microsoft.com/office/powerpoint/2010/main" val="2477303587"/>
-      </p:ext>
-    </p:extLst>
-  </p:cSld>
-  <p:clrMapOvr>
-    <a:masterClrMapping/>
-  </p:clrMapOvr>
-  <p:transition>
-    <p:split orient="vert"/>
-  </p:transition>
-</p:sld>
-</file>
-
-<file path=ppt/slides/slide4.xml><?xml version="1.0" encoding="utf-8"?>
-<p:sld xmlns:a="http://schemas.openxmlformats.org/drawingml/2006/main" xmlns:r="http://schemas.openxmlformats.org/officeDocument/2006/relationships" xmlns:p="http://schemas.openxmlformats.org/presentationml/2006/main">
-  <p:cSld>
-    <p:spTree>
-      <p:nvGrpSpPr>
-        <p:cNvPr id="1" name=""/>
-        <p:cNvGrpSpPr/>
-        <p:nvPr/>
-      </p:nvGrpSpPr>
-      <p:grpSpPr>
-        <a:xfrm>
-          <a:off x="0" y="0"/>
-          <a:ext cx="0" cy="0"/>
-          <a:chOff x="0" y="0"/>
-          <a:chExt cx="0" cy="0"/>
-        </a:xfrm>
-      </p:grpSpPr>
-      <p:sp>
-        <p:nvSpPr>
-          <p:cNvPr id="3" name="Title 2"/>
-          <p:cNvSpPr>
-            <a:spLocks noGrp="1"/>
-          </p:cNvSpPr>
-          <p:nvPr>
-            <p:ph type="title"/>
-          </p:nvPr>
-        </p:nvSpPr>
-        <p:spPr/>
-        <p:txBody>
-          <a:bodyPr/>
-          <a:lstStyle/>
-          <a:p>
-            <a:r>
-              <a:rPr lang="en-US" dirty="0"/>
-              <a:t>The functions of the application</a:t>
-            </a:r>
-          </a:p>
-        </p:txBody>
-      </p:sp>
-      <p:sp>
-        <p:nvSpPr>
-          <p:cNvPr id="4" name="Footer Placeholder 3"/>
-          <p:cNvSpPr>
-            <a:spLocks noGrp="1"/>
-          </p:cNvSpPr>
-          <p:nvPr>
-            <p:ph type="ftr" sz="quarter" idx="10"/>
-          </p:nvPr>
-        </p:nvSpPr>
-        <p:spPr/>
-        <p:txBody>
-          <a:bodyPr/>
-          <a:lstStyle/>
-          <a:p>
-            <a:pPr>
-              <a:defRPr/>
-            </a:pPr>
-            <a:r>
-              <a:rPr lang="en-US">
-                <a:solidFill>
-                  <a:prstClr val="black">
-                    <a:tint val="75000"/>
-                  </a:prstClr>
-                </a:solidFill>
-              </a:rPr>
-              <a:t>GROUP 4: Database management library </a:t>
-            </a:r>
-          </a:p>
-        </p:txBody>
-      </p:sp>
-      <p:sp>
-        <p:nvSpPr>
-          <p:cNvPr id="5" name="Slide Number Placeholder 4"/>
-          <p:cNvSpPr>
-            <a:spLocks noGrp="1"/>
-          </p:cNvSpPr>
-          <p:nvPr>
-            <p:ph type="sldNum" sz="quarter" idx="11"/>
-          </p:nvPr>
-        </p:nvSpPr>
-        <p:spPr/>
-        <p:txBody>
-          <a:bodyPr/>
-          <a:lstStyle/>
-          <a:p>
-            <a:pPr>
-              <a:defRPr/>
-            </a:pPr>
-            <a:fld id="{38F81FAE-D748-4BFC-A8B0-D2E750E8899F}" type="slidenum">
-              <a:rPr lang="en-US" smtClean="0">
-                <a:solidFill>
-                  <a:prstClr val="black">
-                    <a:tint val="75000"/>
-                  </a:prstClr>
-                </a:solidFill>
-              </a:rPr>
-              <a:pPr>
-                <a:defRPr/>
-              </a:pPr>
-              <a:t>4</a:t>
-            </a:fld>
-            <a:endParaRPr lang="en-US" dirty="0">
-              <a:solidFill>
-                <a:prstClr val="black">
-                  <a:tint val="75000"/>
-                </a:prstClr>
-              </a:solidFill>
-            </a:endParaRPr>
-          </a:p>
-        </p:txBody>
-      </p:sp>
-      <p:sp>
-        <p:nvSpPr>
-          <p:cNvPr id="10" name="TextBox 9">
-            <a:extLst>
-              <a:ext uri="{FF2B5EF4-FFF2-40B4-BE49-F238E27FC236}">
-                <a16:creationId xmlns:a16="http://schemas.microsoft.com/office/drawing/2014/main" id="{1A861A97-2FA2-4A01-94E7-AC7812AF5912}"/>
-              </a:ext>
-            </a:extLst>
-          </p:cNvPr>
-          <p:cNvSpPr txBox="1"/>
-          <p:nvPr/>
-        </p:nvSpPr>
-        <p:spPr>
-          <a:xfrm>
-            <a:off x="671119" y="1295400"/>
-            <a:ext cx="2248249" cy="369332"/>
-          </a:xfrm>
-          <a:prstGeom prst="rect">
-            <a:avLst/>
-          </a:prstGeom>
-          <a:noFill/>
-        </p:spPr>
-        <p:txBody>
-          <a:bodyPr wrap="square" rtlCol="0">
-            <a:spAutoFit/>
-          </a:bodyPr>
-          <a:lstStyle/>
-          <a:p>
-            <a:pPr marL="342900" indent="-342900">
-              <a:buAutoNum type="arabicPeriod"/>
-            </a:pPr>
-            <a:r>
-              <a:rPr lang="en-US" dirty="0"/>
-              <a:t>Login – </a:t>
-            </a:r>
-            <a:r>
-              <a:rPr lang="en-US" dirty="0" err="1"/>
-              <a:t>Hòa</a:t>
-            </a:r>
-            <a:endParaRPr lang="en-US" dirty="0"/>
-          </a:p>
-        </p:txBody>
-      </p:sp>
-      <p:sp>
-        <p:nvSpPr>
-          <p:cNvPr id="13" name="TextBox 12">
-            <a:extLst>
-              <a:ext uri="{FF2B5EF4-FFF2-40B4-BE49-F238E27FC236}">
-                <a16:creationId xmlns:a16="http://schemas.microsoft.com/office/drawing/2014/main" id="{961D0E31-F07F-4505-8B3F-2B8B7F6EB72E}"/>
-              </a:ext>
-            </a:extLst>
-          </p:cNvPr>
-          <p:cNvSpPr txBox="1"/>
-          <p:nvPr/>
-        </p:nvSpPr>
-        <p:spPr>
-          <a:xfrm>
-            <a:off x="2664902" y="4322669"/>
-            <a:ext cx="6660859" cy="923330"/>
-          </a:xfrm>
-          <a:prstGeom prst="rect">
-            <a:avLst/>
-          </a:prstGeom>
-          <a:noFill/>
-        </p:spPr>
-        <p:txBody>
-          <a:bodyPr wrap="square" rtlCol="0">
-            <a:spAutoFit/>
-          </a:bodyPr>
-          <a:lstStyle/>
-          <a:p>
-            <a:r>
-              <a:rPr lang="en-US" dirty="0">
-                <a:latin typeface="Times New Roman" panose="02020603050405020304" pitchFamily="18" charset="0"/>
-                <a:cs typeface="Times New Roman" panose="02020603050405020304" pitchFamily="18" charset="0"/>
-              </a:rPr>
-              <a:t>"select * from Employee where </a:t>
-            </a:r>
-            <a:r>
-              <a:rPr lang="en-US" dirty="0" err="1">
-                <a:latin typeface="Times New Roman" panose="02020603050405020304" pitchFamily="18" charset="0"/>
-                <a:cs typeface="Times New Roman" panose="02020603050405020304" pitchFamily="18" charset="0"/>
-              </a:rPr>
-              <a:t>UsernameEmp</a:t>
-            </a:r>
-            <a:r>
-              <a:rPr lang="en-US" dirty="0">
-                <a:latin typeface="Times New Roman" panose="02020603050405020304" pitchFamily="18" charset="0"/>
-                <a:cs typeface="Times New Roman" panose="02020603050405020304" pitchFamily="18" charset="0"/>
-              </a:rPr>
-              <a:t>=? COLLATE </a:t>
-            </a:r>
-            <a:r>
-              <a:rPr lang="en-US" dirty="0">
-                <a:highlight>
-                  <a:srgbClr val="FFFF00"/>
-                </a:highlight>
-                <a:latin typeface="Times New Roman" panose="02020603050405020304" pitchFamily="18" charset="0"/>
-                <a:cs typeface="Times New Roman" panose="02020603050405020304" pitchFamily="18" charset="0"/>
-              </a:rPr>
-              <a:t>SQL_Latin1_General_CP1_CS_AS </a:t>
-            </a:r>
-            <a:r>
-              <a:rPr lang="en-US" dirty="0">
-                <a:latin typeface="Times New Roman" panose="02020603050405020304" pitchFamily="18" charset="0"/>
-                <a:cs typeface="Times New Roman" panose="02020603050405020304" pitchFamily="18" charset="0"/>
-              </a:rPr>
-              <a:t>and Password=? COLLATE SQL_Latin1_General_CP1_CS_AS";</a:t>
-            </a:r>
-          </a:p>
-        </p:txBody>
-      </p:sp>
-      <p:sp>
-        <p:nvSpPr>
-          <p:cNvPr id="2" name="TextBox 1">
-            <a:extLst>
-              <a:ext uri="{FF2B5EF4-FFF2-40B4-BE49-F238E27FC236}">
-                <a16:creationId xmlns:a16="http://schemas.microsoft.com/office/drawing/2014/main" id="{D611F270-C4AB-4238-AE88-6A43453965C8}"/>
-              </a:ext>
-            </a:extLst>
-          </p:cNvPr>
-          <p:cNvSpPr txBox="1"/>
-          <p:nvPr/>
-        </p:nvSpPr>
-        <p:spPr>
-          <a:xfrm>
-            <a:off x="1015069" y="2414725"/>
-            <a:ext cx="8204433" cy="1477328"/>
-          </a:xfrm>
-          <a:prstGeom prst="rect">
-            <a:avLst/>
-          </a:prstGeom>
-          <a:noFill/>
-        </p:spPr>
-        <p:txBody>
-          <a:bodyPr wrap="square" rtlCol="0">
-            <a:spAutoFit/>
-          </a:bodyPr>
-          <a:lstStyle/>
-          <a:p>
-            <a:pPr algn="just"/>
-            <a:r>
-              <a:rPr lang="en-US" dirty="0">
-                <a:latin typeface="Times New Roman" panose="02020603050405020304" pitchFamily="18" charset="0"/>
-                <a:cs typeface="Times New Roman" panose="02020603050405020304" pitchFamily="18" charset="0"/>
-              </a:rPr>
-              <a:t>To avoid hacking that answer entirely, the only real difference is the sort order for some characters differs between the two collations. Character representation does not appear to differ.</a:t>
-            </a:r>
-          </a:p>
-          <a:p>
-            <a:pPr algn="just"/>
-            <a:r>
-              <a:rPr lang="en-US" dirty="0">
-                <a:latin typeface="Times New Roman" panose="02020603050405020304" pitchFamily="18" charset="0"/>
-                <a:cs typeface="Times New Roman" panose="02020603050405020304" pitchFamily="18" charset="0"/>
-              </a:rPr>
-              <a:t>Latin1_General_CS_AS is the default collation for any other English locale, such as English (United Kingdom).</a:t>
-            </a:r>
-          </a:p>
-        </p:txBody>
-      </p:sp>
-    </p:spTree>
-    <p:extLst>
-      <p:ext uri="{BB962C8B-B14F-4D97-AF65-F5344CB8AC3E}">
-        <p14:creationId xmlns:p14="http://schemas.microsoft.com/office/powerpoint/2010/main" val="769730358"/>
-      </p:ext>
-    </p:extLst>
-  </p:cSld>
-  <p:clrMapOvr>
-    <a:masterClrMapping/>
-  </p:clrMapOvr>
-  <p:transition>
-    <p:split orient="vert"/>
-  </p:transition>
-</p:sld>
-</file>
-
-<file path=ppt/slides/slide5.xml><?xml version="1.0" encoding="utf-8"?>
-<p:sld xmlns:a="http://schemas.openxmlformats.org/drawingml/2006/main" xmlns:r="http://schemas.openxmlformats.org/officeDocument/2006/relationships" xmlns:p="http://schemas.openxmlformats.org/presentationml/2006/main">
-  <p:cSld>
-    <p:spTree>
-      <p:nvGrpSpPr>
-        <p:cNvPr id="1" name=""/>
-        <p:cNvGrpSpPr/>
-        <p:nvPr/>
-      </p:nvGrpSpPr>
-      <p:grpSpPr>
-        <a:xfrm>
-          <a:off x="0" y="0"/>
-          <a:ext cx="0" cy="0"/>
-          <a:chOff x="0" y="0"/>
-          <a:chExt cx="0" cy="0"/>
-        </a:xfrm>
-      </p:grpSpPr>
-      <p:sp>
-        <p:nvSpPr>
-          <p:cNvPr id="3" name="Title 2"/>
-          <p:cNvSpPr>
-            <a:spLocks noGrp="1"/>
-          </p:cNvSpPr>
-          <p:nvPr>
-            <p:ph type="title"/>
-          </p:nvPr>
-        </p:nvSpPr>
-        <p:spPr/>
-        <p:txBody>
-          <a:bodyPr/>
-          <a:lstStyle/>
-          <a:p>
-            <a:r>
-              <a:rPr lang="en-US" dirty="0"/>
-              <a:t>The functions of the application</a:t>
-            </a:r>
-          </a:p>
-        </p:txBody>
-      </p:sp>
-      <p:sp>
-        <p:nvSpPr>
-          <p:cNvPr id="4" name="Footer Placeholder 3"/>
-          <p:cNvSpPr>
-            <a:spLocks noGrp="1"/>
-          </p:cNvSpPr>
-          <p:nvPr>
-            <p:ph type="ftr" sz="quarter" idx="10"/>
-          </p:nvPr>
-        </p:nvSpPr>
-        <p:spPr/>
-        <p:txBody>
-          <a:bodyPr/>
-          <a:lstStyle/>
-          <a:p>
-            <a:pPr>
-              <a:defRPr/>
-            </a:pPr>
-            <a:r>
-              <a:rPr lang="en-US">
-                <a:solidFill>
-                  <a:prstClr val="black">
-                    <a:tint val="75000"/>
-                  </a:prstClr>
-                </a:solidFill>
-              </a:rPr>
-              <a:t>GROUP 4: Database management library </a:t>
-            </a:r>
-          </a:p>
-        </p:txBody>
-      </p:sp>
-      <p:sp>
-        <p:nvSpPr>
-          <p:cNvPr id="5" name="Slide Number Placeholder 4"/>
-          <p:cNvSpPr>
-            <a:spLocks noGrp="1"/>
-          </p:cNvSpPr>
-          <p:nvPr>
-            <p:ph type="sldNum" sz="quarter" idx="11"/>
-          </p:nvPr>
-        </p:nvSpPr>
-        <p:spPr/>
-        <p:txBody>
-          <a:bodyPr/>
-          <a:lstStyle/>
-          <a:p>
-            <a:pPr>
-              <a:defRPr/>
-            </a:pPr>
-            <a:fld id="{38F81FAE-D748-4BFC-A8B0-D2E750E8899F}" type="slidenum">
-              <a:rPr lang="en-US" smtClean="0">
-                <a:solidFill>
-                  <a:prstClr val="black">
-                    <a:tint val="75000"/>
-                  </a:prstClr>
-                </a:solidFill>
-              </a:rPr>
-              <a:pPr>
-                <a:defRPr/>
-              </a:pPr>
-              <a:t>5</a:t>
-            </a:fld>
-            <a:endParaRPr lang="en-US" dirty="0">
-              <a:solidFill>
-                <a:prstClr val="black">
-                  <a:tint val="75000"/>
-                </a:prstClr>
-              </a:solidFill>
-            </a:endParaRPr>
-          </a:p>
-        </p:txBody>
-      </p:sp>
-      <p:sp>
-        <p:nvSpPr>
-          <p:cNvPr id="10" name="TextBox 9">
-            <a:extLst>
-              <a:ext uri="{FF2B5EF4-FFF2-40B4-BE49-F238E27FC236}">
-                <a16:creationId xmlns:a16="http://schemas.microsoft.com/office/drawing/2014/main" id="{1A861A97-2FA2-4A01-94E7-AC7812AF5912}"/>
-              </a:ext>
-            </a:extLst>
-          </p:cNvPr>
-          <p:cNvSpPr txBox="1"/>
-          <p:nvPr/>
-        </p:nvSpPr>
-        <p:spPr>
-          <a:xfrm>
-            <a:off x="508000" y="1295401"/>
-            <a:ext cx="4114334" cy="369332"/>
-          </a:xfrm>
-          <a:prstGeom prst="rect">
-            <a:avLst/>
-          </a:prstGeom>
-          <a:noFill/>
-        </p:spPr>
-        <p:txBody>
-          <a:bodyPr wrap="square" rtlCol="0">
-            <a:spAutoFit/>
-          </a:bodyPr>
-          <a:lstStyle/>
-          <a:p>
-            <a:r>
-              <a:rPr lang="en-US" dirty="0">
-                <a:latin typeface="Times New Roman" panose="02020603050405020304" pitchFamily="18" charset="0"/>
-                <a:cs typeface="Times New Roman" panose="02020603050405020304" pitchFamily="18" charset="0"/>
-              </a:rPr>
-              <a:t>2.Product Management - H</a:t>
-            </a:r>
-            <a:r>
-              <a:rPr lang="vi-VN" dirty="0">
-                <a:latin typeface="Times New Roman" panose="02020603050405020304" pitchFamily="18" charset="0"/>
-                <a:cs typeface="Times New Roman" panose="02020603050405020304" pitchFamily="18" charset="0"/>
-              </a:rPr>
-              <a:t>ư</a:t>
-            </a:r>
-            <a:r>
-              <a:rPr lang="en-US" dirty="0" err="1">
-                <a:latin typeface="Times New Roman" panose="02020603050405020304" pitchFamily="18" charset="0"/>
-                <a:cs typeface="Times New Roman" panose="02020603050405020304" pitchFamily="18" charset="0"/>
-              </a:rPr>
-              <a:t>ơng</a:t>
-            </a:r>
-            <a:r>
-              <a:rPr lang="en-US" dirty="0">
-                <a:latin typeface="Times New Roman" panose="02020603050405020304" pitchFamily="18" charset="0"/>
-                <a:cs typeface="Times New Roman" panose="02020603050405020304" pitchFamily="18" charset="0"/>
-              </a:rPr>
-              <a:t> </a:t>
-            </a:r>
-          </a:p>
-        </p:txBody>
-      </p:sp>
-      <p:pic>
-        <p:nvPicPr>
-          <p:cNvPr id="9" name="Picture 8">
-            <a:extLst>
-              <a:ext uri="{FF2B5EF4-FFF2-40B4-BE49-F238E27FC236}">
-                <a16:creationId xmlns:a16="http://schemas.microsoft.com/office/drawing/2014/main" id="{F84DBA78-DEDC-4041-8BAB-D6AC7D0C1678}"/>
-              </a:ext>
-            </a:extLst>
-          </p:cNvPr>
-          <p:cNvPicPr/>
-          <p:nvPr/>
-        </p:nvPicPr>
-        <p:blipFill>
-          <a:blip r:embed="rId2"/>
-          <a:stretch>
-            <a:fillRect/>
-          </a:stretch>
-        </p:blipFill>
-        <p:spPr>
-          <a:xfrm>
-            <a:off x="609600" y="1808992"/>
-            <a:ext cx="5306969" cy="4387224"/>
-          </a:xfrm>
-          <a:prstGeom prst="rect">
-            <a:avLst/>
-          </a:prstGeom>
-        </p:spPr>
-      </p:pic>
-      <p:pic>
-        <p:nvPicPr>
-          <p:cNvPr id="13" name="Picture 12">
-            <a:extLst>
-              <a:ext uri="{FF2B5EF4-FFF2-40B4-BE49-F238E27FC236}">
-                <a16:creationId xmlns:a16="http://schemas.microsoft.com/office/drawing/2014/main" id="{44CA7DE2-75D4-4DEB-8B58-36308A51ED13}"/>
-              </a:ext>
-            </a:extLst>
-          </p:cNvPr>
-          <p:cNvPicPr/>
-          <p:nvPr/>
-        </p:nvPicPr>
-        <p:blipFill>
-          <a:blip r:embed="rId3"/>
-          <a:stretch>
-            <a:fillRect/>
-          </a:stretch>
-        </p:blipFill>
-        <p:spPr>
-          <a:xfrm>
-            <a:off x="6137362" y="1439660"/>
-            <a:ext cx="5200475" cy="3823779"/>
-          </a:xfrm>
-          <a:prstGeom prst="rect">
-            <a:avLst/>
-          </a:prstGeom>
-        </p:spPr>
-      </p:pic>
-    </p:spTree>
-    <p:extLst>
-      <p:ext uri="{BB962C8B-B14F-4D97-AF65-F5344CB8AC3E}">
-        <p14:creationId xmlns:p14="http://schemas.microsoft.com/office/powerpoint/2010/main" val="2902705016"/>
-      </p:ext>
-    </p:extLst>
-  </p:cSld>
-  <p:clrMapOvr>
-    <a:masterClrMapping/>
-  </p:clrMapOvr>
-  <p:transition>
-    <p:split orient="vert"/>
-  </p:transition>
-</p:sld>
-</file>
-
 <file path=ppt/slides/slide6.xml><?xml version="1.0" encoding="utf-8"?>
 <p:sld xmlns:a="http://schemas.openxmlformats.org/drawingml/2006/main" xmlns:r="http://schemas.openxmlformats.org/officeDocument/2006/relationships" xmlns:p="http://schemas.openxmlformats.org/presentationml/2006/main">
   <p:cSld>
@@ -7275,54 +6719,73 @@
       </p:grpSpPr>
       <p:sp>
         <p:nvSpPr>
-          <p:cNvPr id="3" name="Title 2"/>
+          <p:cNvPr id="2" name="Content Placeholder 1"/>
           <p:cNvSpPr>
             <a:spLocks noGrp="1"/>
           </p:cNvSpPr>
           <p:nvPr>
-            <p:ph type="title"/>
+            <p:ph idx="1"/>
           </p:nvPr>
         </p:nvSpPr>
-        <p:spPr/>
+        <p:spPr>
+          <a:xfrm>
+            <a:off x="609600" y="1371600"/>
+            <a:ext cx="10972800" cy="4797380"/>
+          </a:xfrm>
+        </p:spPr>
         <p:txBody>
           <a:bodyPr/>
           <a:lstStyle/>
           <a:p>
-            <a:r>
-              <a:rPr lang="en-US" dirty="0"/>
-              <a:t>The functions of the application</a:t>
-            </a:r>
-          </a:p>
-        </p:txBody>
-      </p:sp>
-      <p:sp>
-        <p:nvSpPr>
-          <p:cNvPr id="4" name="Footer Placeholder 3"/>
-          <p:cNvSpPr>
-            <a:spLocks noGrp="1"/>
-          </p:cNvSpPr>
-          <p:nvPr>
-            <p:ph type="ftr" sz="quarter" idx="10"/>
-          </p:nvPr>
-        </p:nvSpPr>
-        <p:spPr/>
-        <p:txBody>
-          <a:bodyPr/>
-          <a:lstStyle/>
-          <a:p>
-            <a:pPr>
-              <a:defRPr/>
+            <a:pPr marL="0" indent="0" algn="ctr">
+              <a:buNone/>
             </a:pPr>
-            <a:r>
-              <a:rPr lang="en-US">
-                <a:solidFill>
-                  <a:prstClr val="black">
-                    <a:tint val="75000"/>
-                  </a:prstClr>
-                </a:solidFill>
-              </a:rPr>
-              <a:t>GROUP 4: Database management library </a:t>
-            </a:r>
+            <a:endParaRPr lang="en-US" dirty="0">
+              <a:latin typeface="Times New Roman" panose="02020603050405020304" pitchFamily="18" charset="0"/>
+              <a:cs typeface="Times New Roman" panose="02020603050405020304" pitchFamily="18" charset="0"/>
+            </a:endParaRPr>
+          </a:p>
+          <a:p>
+            <a:pPr marL="0" indent="0" algn="ctr">
+              <a:buNone/>
+            </a:pPr>
+            <a:endParaRPr lang="en-US" dirty="0">
+              <a:latin typeface="Times New Roman" panose="02020603050405020304" pitchFamily="18" charset="0"/>
+              <a:cs typeface="Times New Roman" panose="02020603050405020304" pitchFamily="18" charset="0"/>
+            </a:endParaRPr>
+          </a:p>
+          <a:p>
+            <a:pPr marL="0" indent="0" algn="ctr">
+              <a:buNone/>
+            </a:pPr>
+            <a:endParaRPr lang="en-US" dirty="0">
+              <a:latin typeface="Times New Roman" panose="02020603050405020304" pitchFamily="18" charset="0"/>
+              <a:cs typeface="Times New Roman" panose="02020603050405020304" pitchFamily="18" charset="0"/>
+            </a:endParaRPr>
+          </a:p>
+          <a:p>
+            <a:pPr marL="0" indent="0" algn="ctr">
+              <a:buNone/>
+            </a:pPr>
+            <a:r>
+              <a:rPr lang="en-US" sz="3500" dirty="0">
+                <a:solidFill>
+                  <a:srgbClr val="0070C0"/>
+                </a:solidFill>
+                <a:latin typeface="Times New Roman" panose="02020603050405020304" pitchFamily="18" charset="0"/>
+                <a:cs typeface="Times New Roman" panose="02020603050405020304" pitchFamily="18" charset="0"/>
+              </a:rPr>
+              <a:t>DEMO CODE</a:t>
+            </a:r>
+          </a:p>
+          <a:p>
+            <a:pPr marL="0" indent="0">
+              <a:buNone/>
+            </a:pPr>
+            <a:endParaRPr lang="en-US" dirty="0">
+              <a:latin typeface="Times New Roman" panose="02020603050405020304" pitchFamily="18" charset="0"/>
+              <a:cs typeface="Times New Roman" panose="02020603050405020304" pitchFamily="18" charset="0"/>
+            </a:endParaRPr>
           </a:p>
         </p:txBody>
       </p:sp>
@@ -7369,348 +6832,50 @@
       </p:sp>
       <p:sp>
         <p:nvSpPr>
-          <p:cNvPr id="10" name="TextBox 9">
+          <p:cNvPr id="6" name="Footer Placeholder 3">
             <a:extLst>
               <a:ext uri="{FF2B5EF4-FFF2-40B4-BE49-F238E27FC236}">
-                <a16:creationId xmlns:a16="http://schemas.microsoft.com/office/drawing/2014/main" id="{1A861A97-2FA2-4A01-94E7-AC7812AF5912}"/>
+                <a16:creationId xmlns:a16="http://schemas.microsoft.com/office/drawing/2014/main" id="{67A9152E-7ED1-4C75-BF4D-CD84552AFEEF}"/>
               </a:ext>
             </a:extLst>
           </p:cNvPr>
-          <p:cNvSpPr txBox="1"/>
-          <p:nvPr/>
-        </p:nvSpPr>
-        <p:spPr>
-          <a:xfrm>
-            <a:off x="508000" y="1295401"/>
-            <a:ext cx="4114334" cy="369332"/>
-          </a:xfrm>
-          <a:prstGeom prst="rect">
-            <a:avLst/>
-          </a:prstGeom>
-          <a:noFill/>
-        </p:spPr>
-        <p:txBody>
-          <a:bodyPr wrap="square" rtlCol="0">
-            <a:spAutoFit/>
-          </a:bodyPr>
+          <p:cNvSpPr>
+            <a:spLocks noGrp="1"/>
+          </p:cNvSpPr>
+          <p:nvPr>
+            <p:ph type="ftr" sz="quarter" idx="10"/>
+          </p:nvPr>
+        </p:nvSpPr>
+        <p:spPr>
+          <a:xfrm>
+            <a:off x="609600" y="6340476"/>
+            <a:ext cx="8128000" cy="365125"/>
+          </a:xfrm>
+        </p:spPr>
+        <p:txBody>
+          <a:bodyPr/>
           <a:lstStyle/>
           <a:p>
+            <a:pPr>
+              <a:defRPr/>
+            </a:pPr>
             <a:r>
               <a:rPr lang="en-US" dirty="0">
-                <a:latin typeface="Times New Roman" panose="02020603050405020304" pitchFamily="18" charset="0"/>
-                <a:cs typeface="Times New Roman" panose="02020603050405020304" pitchFamily="18" charset="0"/>
-              </a:rPr>
-              <a:t>2.Product Management - H</a:t>
-            </a:r>
-            <a:r>
-              <a:rPr lang="vi-VN" dirty="0">
-                <a:latin typeface="Times New Roman" panose="02020603050405020304" pitchFamily="18" charset="0"/>
-                <a:cs typeface="Times New Roman" panose="02020603050405020304" pitchFamily="18" charset="0"/>
-              </a:rPr>
-              <a:t>ư</a:t>
-            </a:r>
-            <a:r>
-              <a:rPr lang="en-US" dirty="0" err="1">
-                <a:latin typeface="Times New Roman" panose="02020603050405020304" pitchFamily="18" charset="0"/>
-                <a:cs typeface="Times New Roman" panose="02020603050405020304" pitchFamily="18" charset="0"/>
-              </a:rPr>
-              <a:t>ơng</a:t>
-            </a:r>
-            <a:r>
-              <a:rPr lang="en-US" dirty="0">
-                <a:latin typeface="Times New Roman" panose="02020603050405020304" pitchFamily="18" charset="0"/>
-                <a:cs typeface="Times New Roman" panose="02020603050405020304" pitchFamily="18" charset="0"/>
-              </a:rPr>
-              <a:t> </a:t>
-            </a:r>
-          </a:p>
-        </p:txBody>
-      </p:sp>
-      <p:sp>
-        <p:nvSpPr>
-          <p:cNvPr id="6" name="TextBox 5">
-            <a:extLst>
-              <a:ext uri="{FF2B5EF4-FFF2-40B4-BE49-F238E27FC236}">
-                <a16:creationId xmlns:a16="http://schemas.microsoft.com/office/drawing/2014/main" id="{F3AC60E4-7104-4AE4-AA9C-AE252DC4D781}"/>
-              </a:ext>
-            </a:extLst>
-          </p:cNvPr>
-          <p:cNvSpPr txBox="1"/>
-          <p:nvPr/>
-        </p:nvSpPr>
-        <p:spPr>
-          <a:xfrm>
-            <a:off x="1124123" y="2189418"/>
-            <a:ext cx="10368793" cy="3970318"/>
-          </a:xfrm>
-          <a:prstGeom prst="rect">
-            <a:avLst/>
-          </a:prstGeom>
-          <a:noFill/>
-        </p:spPr>
-        <p:txBody>
-          <a:bodyPr wrap="square" rtlCol="0">
-            <a:spAutoFit/>
-          </a:bodyPr>
-          <a:lstStyle/>
-          <a:p>
-            <a:r>
-              <a:rPr lang="en-US" dirty="0">
-                <a:latin typeface="Times New Roman" panose="02020603050405020304" pitchFamily="18" charset="0"/>
-                <a:cs typeface="Times New Roman" panose="02020603050405020304" pitchFamily="18" charset="0"/>
-              </a:rPr>
-              <a:t>Check Product Exist: "select * from </a:t>
-            </a:r>
-            <a:r>
-              <a:rPr lang="en-US" dirty="0" err="1">
-                <a:latin typeface="Times New Roman" panose="02020603050405020304" pitchFamily="18" charset="0"/>
-                <a:cs typeface="Times New Roman" panose="02020603050405020304" pitchFamily="18" charset="0"/>
-              </a:rPr>
-              <a:t>ProductType</a:t>
-            </a:r>
-            <a:r>
-              <a:rPr lang="en-US" dirty="0">
-                <a:latin typeface="Times New Roman" panose="02020603050405020304" pitchFamily="18" charset="0"/>
-                <a:cs typeface="Times New Roman" panose="02020603050405020304" pitchFamily="18" charset="0"/>
-              </a:rPr>
-              <a:t> where TypeName=? and Size=?“</a:t>
-            </a:r>
-          </a:p>
-          <a:p>
-            <a:endParaRPr lang="en-US" dirty="0">
-              <a:latin typeface="Times New Roman" panose="02020603050405020304" pitchFamily="18" charset="0"/>
-              <a:cs typeface="Times New Roman" panose="02020603050405020304" pitchFamily="18" charset="0"/>
-            </a:endParaRPr>
-          </a:p>
-          <a:p>
-            <a:r>
-              <a:rPr lang="en-US" dirty="0">
-                <a:latin typeface="Times New Roman" panose="02020603050405020304" pitchFamily="18" charset="0"/>
-                <a:cs typeface="Times New Roman" panose="02020603050405020304" pitchFamily="18" charset="0"/>
-              </a:rPr>
-              <a:t>Load Type Product: "select * from </a:t>
-            </a:r>
-            <a:r>
-              <a:rPr lang="en-US" dirty="0" err="1">
-                <a:latin typeface="Times New Roman" panose="02020603050405020304" pitchFamily="18" charset="0"/>
-                <a:cs typeface="Times New Roman" panose="02020603050405020304" pitchFamily="18" charset="0"/>
-              </a:rPr>
-              <a:t>ProductType</a:t>
-            </a:r>
-            <a:r>
-              <a:rPr lang="en-US" dirty="0">
-                <a:latin typeface="Times New Roman" panose="02020603050405020304" pitchFamily="18" charset="0"/>
-                <a:cs typeface="Times New Roman" panose="02020603050405020304" pitchFamily="18" charset="0"/>
-              </a:rPr>
-              <a:t>“</a:t>
-            </a:r>
-          </a:p>
-          <a:p>
-            <a:endParaRPr lang="en-US" dirty="0">
-              <a:latin typeface="Times New Roman" panose="02020603050405020304" pitchFamily="18" charset="0"/>
-              <a:cs typeface="Times New Roman" panose="02020603050405020304" pitchFamily="18" charset="0"/>
-            </a:endParaRPr>
-          </a:p>
-          <a:p>
-            <a:r>
-              <a:rPr lang="en-US" dirty="0">
-                <a:latin typeface="Times New Roman" panose="02020603050405020304" pitchFamily="18" charset="0"/>
-                <a:cs typeface="Times New Roman" panose="02020603050405020304" pitchFamily="18" charset="0"/>
-              </a:rPr>
-              <a:t>Load all product:  "select * from Product inner join </a:t>
-            </a:r>
-            <a:r>
-              <a:rPr lang="en-US" dirty="0" err="1">
-                <a:latin typeface="Times New Roman" panose="02020603050405020304" pitchFamily="18" charset="0"/>
-                <a:cs typeface="Times New Roman" panose="02020603050405020304" pitchFamily="18" charset="0"/>
-              </a:rPr>
-              <a:t>ProductType</a:t>
-            </a:r>
-            <a:r>
-              <a:rPr lang="en-US" dirty="0">
-                <a:latin typeface="Times New Roman" panose="02020603050405020304" pitchFamily="18" charset="0"/>
-                <a:cs typeface="Times New Roman" panose="02020603050405020304" pitchFamily="18" charset="0"/>
-              </a:rPr>
-              <a:t> on </a:t>
-            </a:r>
-            <a:r>
-              <a:rPr lang="en-US" dirty="0" err="1">
-                <a:latin typeface="Times New Roman" panose="02020603050405020304" pitchFamily="18" charset="0"/>
-                <a:cs typeface="Times New Roman" panose="02020603050405020304" pitchFamily="18" charset="0"/>
-              </a:rPr>
-              <a:t>Product.IDType</a:t>
-            </a:r>
-            <a:r>
-              <a:rPr lang="en-US" dirty="0">
-                <a:latin typeface="Times New Roman" panose="02020603050405020304" pitchFamily="18" charset="0"/>
-                <a:cs typeface="Times New Roman" panose="02020603050405020304" pitchFamily="18" charset="0"/>
-              </a:rPr>
-              <a:t>=</a:t>
-            </a:r>
-            <a:r>
-              <a:rPr lang="en-US" dirty="0" err="1">
-                <a:latin typeface="Times New Roman" panose="02020603050405020304" pitchFamily="18" charset="0"/>
-                <a:cs typeface="Times New Roman" panose="02020603050405020304" pitchFamily="18" charset="0"/>
-              </a:rPr>
-              <a:t>ProductType.IDType</a:t>
-            </a:r>
-            <a:r>
-              <a:rPr lang="en-US" dirty="0">
-                <a:latin typeface="Times New Roman" panose="02020603050405020304" pitchFamily="18" charset="0"/>
-                <a:cs typeface="Times New Roman" panose="02020603050405020304" pitchFamily="18" charset="0"/>
-              </a:rPr>
-              <a:t>";</a:t>
-            </a:r>
-          </a:p>
-          <a:p>
-            <a:endParaRPr lang="en-US" dirty="0">
-              <a:latin typeface="Times New Roman" panose="02020603050405020304" pitchFamily="18" charset="0"/>
-              <a:cs typeface="Times New Roman" panose="02020603050405020304" pitchFamily="18" charset="0"/>
-            </a:endParaRPr>
-          </a:p>
-          <a:p>
-            <a:r>
-              <a:rPr lang="en-US" dirty="0">
-                <a:latin typeface="Times New Roman" panose="02020603050405020304" pitchFamily="18" charset="0"/>
-                <a:cs typeface="Times New Roman" panose="02020603050405020304" pitchFamily="18" charset="0"/>
-              </a:rPr>
-              <a:t>Add product: "insert into Product values(?,?,?,?)“</a:t>
-            </a:r>
-          </a:p>
-          <a:p>
-            <a:endParaRPr lang="en-US" dirty="0">
-              <a:latin typeface="Times New Roman" panose="02020603050405020304" pitchFamily="18" charset="0"/>
-              <a:cs typeface="Times New Roman" panose="02020603050405020304" pitchFamily="18" charset="0"/>
-            </a:endParaRPr>
-          </a:p>
-          <a:p>
-            <a:r>
-              <a:rPr lang="en-US" dirty="0" err="1">
-                <a:latin typeface="Times New Roman" panose="02020603050405020304" pitchFamily="18" charset="0"/>
-                <a:cs typeface="Times New Roman" panose="02020603050405020304" pitchFamily="18" charset="0"/>
-              </a:rPr>
-              <a:t>Uppdate</a:t>
-            </a:r>
-            <a:r>
-              <a:rPr lang="en-US" dirty="0">
-                <a:latin typeface="Times New Roman" panose="02020603050405020304" pitchFamily="18" charset="0"/>
-                <a:cs typeface="Times New Roman" panose="02020603050405020304" pitchFamily="18" charset="0"/>
-              </a:rPr>
-              <a:t>:  "update Product set ProductName=?, </a:t>
-            </a:r>
-            <a:r>
-              <a:rPr lang="en-US" dirty="0" err="1">
-                <a:latin typeface="Times New Roman" panose="02020603050405020304" pitchFamily="18" charset="0"/>
-                <a:cs typeface="Times New Roman" panose="02020603050405020304" pitchFamily="18" charset="0"/>
-              </a:rPr>
-              <a:t>IDType</a:t>
-            </a:r>
-            <a:r>
-              <a:rPr lang="en-US" dirty="0">
-                <a:latin typeface="Times New Roman" panose="02020603050405020304" pitchFamily="18" charset="0"/>
-                <a:cs typeface="Times New Roman" panose="02020603050405020304" pitchFamily="18" charset="0"/>
-              </a:rPr>
-              <a:t>=?, Price=? where </a:t>
-            </a:r>
-            <a:r>
-              <a:rPr lang="en-US" dirty="0" err="1">
-                <a:latin typeface="Times New Roman" panose="02020603050405020304" pitchFamily="18" charset="0"/>
-                <a:cs typeface="Times New Roman" panose="02020603050405020304" pitchFamily="18" charset="0"/>
-              </a:rPr>
-              <a:t>IDProduct</a:t>
-            </a:r>
-            <a:r>
-              <a:rPr lang="en-US" dirty="0">
-                <a:latin typeface="Times New Roman" panose="02020603050405020304" pitchFamily="18" charset="0"/>
-                <a:cs typeface="Times New Roman" panose="02020603050405020304" pitchFamily="18" charset="0"/>
-              </a:rPr>
-              <a:t>=?“</a:t>
-            </a:r>
-          </a:p>
-          <a:p>
-            <a:endParaRPr lang="en-US" dirty="0">
-              <a:latin typeface="Times New Roman" panose="02020603050405020304" pitchFamily="18" charset="0"/>
-              <a:cs typeface="Times New Roman" panose="02020603050405020304" pitchFamily="18" charset="0"/>
-            </a:endParaRPr>
-          </a:p>
-          <a:p>
-            <a:r>
-              <a:rPr lang="en-US" dirty="0">
-                <a:latin typeface="Times New Roman" panose="02020603050405020304" pitchFamily="18" charset="0"/>
-                <a:cs typeface="Times New Roman" panose="02020603050405020304" pitchFamily="18" charset="0"/>
-              </a:rPr>
-              <a:t>Deleted: "select * from </a:t>
-            </a:r>
-            <a:r>
-              <a:rPr lang="en-US" dirty="0" err="1">
-                <a:latin typeface="Times New Roman" panose="02020603050405020304" pitchFamily="18" charset="0"/>
-                <a:cs typeface="Times New Roman" panose="02020603050405020304" pitchFamily="18" charset="0"/>
-              </a:rPr>
-              <a:t>OrderDetails</a:t>
-            </a:r>
-            <a:r>
-              <a:rPr lang="en-US" dirty="0">
-                <a:latin typeface="Times New Roman" panose="02020603050405020304" pitchFamily="18" charset="0"/>
-                <a:cs typeface="Times New Roman" panose="02020603050405020304" pitchFamily="18" charset="0"/>
-              </a:rPr>
-              <a:t> where </a:t>
-            </a:r>
-            <a:r>
-              <a:rPr lang="en-US" dirty="0" err="1">
-                <a:latin typeface="Times New Roman" panose="02020603050405020304" pitchFamily="18" charset="0"/>
-                <a:cs typeface="Times New Roman" panose="02020603050405020304" pitchFamily="18" charset="0"/>
-              </a:rPr>
-              <a:t>IDProduct</a:t>
-            </a:r>
-            <a:r>
-              <a:rPr lang="en-US" dirty="0">
-                <a:latin typeface="Times New Roman" panose="02020603050405020304" pitchFamily="18" charset="0"/>
-                <a:cs typeface="Times New Roman" panose="02020603050405020304" pitchFamily="18" charset="0"/>
-              </a:rPr>
-              <a:t>=?“</a:t>
-            </a:r>
-          </a:p>
-          <a:p>
-            <a:endParaRPr lang="en-US" dirty="0">
-              <a:latin typeface="Times New Roman" panose="02020603050405020304" pitchFamily="18" charset="0"/>
-              <a:cs typeface="Times New Roman" panose="02020603050405020304" pitchFamily="18" charset="0"/>
-            </a:endParaRPr>
-          </a:p>
-          <a:p>
-            <a:r>
-              <a:rPr lang="en-US" dirty="0">
-                <a:latin typeface="Times New Roman" panose="02020603050405020304" pitchFamily="18" charset="0"/>
-                <a:cs typeface="Times New Roman" panose="02020603050405020304" pitchFamily="18" charset="0"/>
-              </a:rPr>
-              <a:t>	"Delete Product where </a:t>
-            </a:r>
-            <a:r>
-              <a:rPr lang="en-US" dirty="0" err="1">
-                <a:latin typeface="Times New Roman" panose="02020603050405020304" pitchFamily="18" charset="0"/>
-                <a:cs typeface="Times New Roman" panose="02020603050405020304" pitchFamily="18" charset="0"/>
-              </a:rPr>
-              <a:t>IDProduct</a:t>
-            </a:r>
-            <a:r>
-              <a:rPr lang="en-US" dirty="0">
-                <a:latin typeface="Times New Roman" panose="02020603050405020304" pitchFamily="18" charset="0"/>
-                <a:cs typeface="Times New Roman" panose="02020603050405020304" pitchFamily="18" charset="0"/>
-              </a:rPr>
-              <a:t>=?“</a:t>
-            </a:r>
-          </a:p>
-          <a:p>
-            <a:endParaRPr lang="en-US" dirty="0">
-              <a:latin typeface="Times New Roman" panose="02020603050405020304" pitchFamily="18" charset="0"/>
-              <a:cs typeface="Times New Roman" panose="02020603050405020304" pitchFamily="18" charset="0"/>
-            </a:endParaRPr>
+                <a:solidFill>
+                  <a:prstClr val="black">
+                    <a:tint val="75000"/>
+                  </a:prstClr>
+                </a:solidFill>
+              </a:rPr>
+              <a:t>Group 4: Coffee Management</a:t>
+            </a:r>
           </a:p>
         </p:txBody>
       </p:sp>
     </p:spTree>
     <p:extLst>
       <p:ext uri="{BB962C8B-B14F-4D97-AF65-F5344CB8AC3E}">
-        <p14:creationId xmlns:p14="http://schemas.microsoft.com/office/powerpoint/2010/main" val="1547165309"/>
+        <p14:creationId xmlns:p14="http://schemas.microsoft.com/office/powerpoint/2010/main" val="493610326"/>
       </p:ext>
     </p:extLst>
   </p:cSld>
@@ -7742,22 +6907,28 @@
       </p:grpSpPr>
       <p:sp>
         <p:nvSpPr>
-          <p:cNvPr id="3" name="Title 2"/>
+          <p:cNvPr id="6" name="Title 5"/>
           <p:cNvSpPr>
             <a:spLocks noGrp="1"/>
           </p:cNvSpPr>
           <p:nvPr>
-            <p:ph type="title"/>
+            <p:ph type="ctrTitle"/>
           </p:nvPr>
         </p:nvSpPr>
-        <p:spPr/>
+        <p:spPr>
+          <a:xfrm>
+            <a:off x="1325461" y="3429000"/>
+            <a:ext cx="9541078" cy="996193"/>
+          </a:xfrm>
+        </p:spPr>
         <p:txBody>
           <a:bodyPr/>
           <a:lstStyle/>
           <a:p>
+            <a:pPr algn="ctr"/>
             <a:r>
               <a:rPr lang="en-US" dirty="0"/>
-              <a:t>The functions of the application</a:t>
+              <a:t>THANK FOR WATCHING AND LISTENING</a:t>
             </a:r>
           </a:p>
         </p:txBody>
@@ -7769,10 +6940,15 @@
             <a:spLocks noGrp="1"/>
           </p:cNvSpPr>
           <p:nvPr>
-            <p:ph type="ftr" sz="quarter" idx="10"/>
+            <p:ph type="ftr" sz="quarter" idx="4294967295"/>
           </p:nvPr>
         </p:nvSpPr>
-        <p:spPr/>
+        <p:spPr>
+          <a:xfrm>
+            <a:off x="0" y="6340475"/>
+            <a:ext cx="8128000" cy="365125"/>
+          </a:xfrm>
+        </p:spPr>
         <p:txBody>
           <a:bodyPr/>
           <a:lstStyle/>
@@ -7800,10 +6976,15 @@
             <a:spLocks noGrp="1"/>
           </p:cNvSpPr>
           <p:nvPr>
-            <p:ph type="sldNum" sz="quarter" idx="11"/>
+            <p:ph type="sldNum" sz="quarter" idx="4294967295"/>
           </p:nvPr>
         </p:nvSpPr>
-        <p:spPr/>
+        <p:spPr>
+          <a:xfrm>
+            <a:off x="9347200" y="6356350"/>
+            <a:ext cx="2844800" cy="365125"/>
+          </a:xfrm>
+        </p:spPr>
         <p:txBody>
           <a:bodyPr/>
           <a:lstStyle/>
@@ -7834,802 +7015,10 @@
           </a:p>
         </p:txBody>
       </p:sp>
-      <p:sp>
-        <p:nvSpPr>
-          <p:cNvPr id="10" name="TextBox 9">
-            <a:extLst>
-              <a:ext uri="{FF2B5EF4-FFF2-40B4-BE49-F238E27FC236}">
-                <a16:creationId xmlns:a16="http://schemas.microsoft.com/office/drawing/2014/main" id="{1A861A97-2FA2-4A01-94E7-AC7812AF5912}"/>
-              </a:ext>
-            </a:extLst>
-          </p:cNvPr>
-          <p:cNvSpPr txBox="1"/>
-          <p:nvPr/>
-        </p:nvSpPr>
-        <p:spPr>
-          <a:xfrm>
-            <a:off x="508000" y="1295401"/>
-            <a:ext cx="4114334" cy="369332"/>
-          </a:xfrm>
-          <a:prstGeom prst="rect">
-            <a:avLst/>
-          </a:prstGeom>
-          <a:noFill/>
-        </p:spPr>
-        <p:txBody>
-          <a:bodyPr wrap="square" rtlCol="0">
-            <a:spAutoFit/>
-          </a:bodyPr>
-          <a:lstStyle/>
-          <a:p>
-            <a:r>
-              <a:rPr lang="en-US" dirty="0">
-                <a:latin typeface="Times New Roman" panose="02020603050405020304" pitchFamily="18" charset="0"/>
-                <a:cs typeface="Times New Roman" panose="02020603050405020304" pitchFamily="18" charset="0"/>
-              </a:rPr>
-              <a:t>2.</a:t>
-            </a:r>
-            <a:r>
-              <a:rPr lang="en-US" dirty="0"/>
-              <a:t> Statistical</a:t>
-            </a:r>
-            <a:r>
-              <a:rPr lang="en-US" dirty="0">
-                <a:latin typeface="Times New Roman" panose="02020603050405020304" pitchFamily="18" charset="0"/>
-                <a:cs typeface="Times New Roman" panose="02020603050405020304" pitchFamily="18" charset="0"/>
-              </a:rPr>
-              <a:t>- </a:t>
-            </a:r>
-            <a:r>
-              <a:rPr lang="en-US" dirty="0" err="1">
-                <a:latin typeface="Times New Roman" panose="02020603050405020304" pitchFamily="18" charset="0"/>
-                <a:cs typeface="Times New Roman" panose="02020603050405020304" pitchFamily="18" charset="0"/>
-              </a:rPr>
-              <a:t>Nguyên</a:t>
-            </a:r>
-            <a:r>
-              <a:rPr lang="en-US" dirty="0">
-                <a:latin typeface="Times New Roman" panose="02020603050405020304" pitchFamily="18" charset="0"/>
-                <a:cs typeface="Times New Roman" panose="02020603050405020304" pitchFamily="18" charset="0"/>
-              </a:rPr>
-              <a:t> </a:t>
-            </a:r>
-          </a:p>
-        </p:txBody>
-      </p:sp>
-      <p:pic>
-        <p:nvPicPr>
-          <p:cNvPr id="7" name="Picture 6">
-            <a:extLst>
-              <a:ext uri="{FF2B5EF4-FFF2-40B4-BE49-F238E27FC236}">
-                <a16:creationId xmlns:a16="http://schemas.microsoft.com/office/drawing/2014/main" id="{1791AE4E-E0B4-470B-8833-BB555BEFA324}"/>
-              </a:ext>
-            </a:extLst>
-          </p:cNvPr>
-          <p:cNvPicPr/>
-          <p:nvPr/>
-        </p:nvPicPr>
-        <p:blipFill>
-          <a:blip r:embed="rId2"/>
-          <a:stretch>
-            <a:fillRect/>
-          </a:stretch>
-        </p:blipFill>
-        <p:spPr>
-          <a:xfrm>
-            <a:off x="2416028" y="1664733"/>
-            <a:ext cx="7611729" cy="4365072"/>
-          </a:xfrm>
-          <a:prstGeom prst="rect">
-            <a:avLst/>
-          </a:prstGeom>
-        </p:spPr>
-      </p:pic>
     </p:spTree>
     <p:extLst>
       <p:ext uri="{BB962C8B-B14F-4D97-AF65-F5344CB8AC3E}">
-        <p14:creationId xmlns:p14="http://schemas.microsoft.com/office/powerpoint/2010/main" val="1204079595"/>
-      </p:ext>
-    </p:extLst>
-  </p:cSld>
-  <p:clrMapOvr>
-    <a:masterClrMapping/>
-  </p:clrMapOvr>
-  <p:transition>
-    <p:split orient="vert"/>
-  </p:transition>
-</p:sld>
-</file>
-
-<file path=ppt/slides/slide8.xml><?xml version="1.0" encoding="utf-8"?>
-<p:sld xmlns:a="http://schemas.openxmlformats.org/drawingml/2006/main" xmlns:r="http://schemas.openxmlformats.org/officeDocument/2006/relationships" xmlns:p="http://schemas.openxmlformats.org/presentationml/2006/main">
-  <p:cSld>
-    <p:spTree>
-      <p:nvGrpSpPr>
-        <p:cNvPr id="1" name=""/>
-        <p:cNvGrpSpPr/>
-        <p:nvPr/>
-      </p:nvGrpSpPr>
-      <p:grpSpPr>
-        <a:xfrm>
-          <a:off x="0" y="0"/>
-          <a:ext cx="0" cy="0"/>
-          <a:chOff x="0" y="0"/>
-          <a:chExt cx="0" cy="0"/>
-        </a:xfrm>
-      </p:grpSpPr>
-      <p:sp>
-        <p:nvSpPr>
-          <p:cNvPr id="3" name="Title 2"/>
-          <p:cNvSpPr>
-            <a:spLocks noGrp="1"/>
-          </p:cNvSpPr>
-          <p:nvPr>
-            <p:ph type="title"/>
-          </p:nvPr>
-        </p:nvSpPr>
-        <p:spPr/>
-        <p:txBody>
-          <a:bodyPr/>
-          <a:lstStyle/>
-          <a:p>
-            <a:r>
-              <a:rPr lang="en-US" dirty="0"/>
-              <a:t>The functions of the application</a:t>
-            </a:r>
-          </a:p>
-        </p:txBody>
-      </p:sp>
-      <p:sp>
-        <p:nvSpPr>
-          <p:cNvPr id="4" name="Footer Placeholder 3"/>
-          <p:cNvSpPr>
-            <a:spLocks noGrp="1"/>
-          </p:cNvSpPr>
-          <p:nvPr>
-            <p:ph type="ftr" sz="quarter" idx="10"/>
-          </p:nvPr>
-        </p:nvSpPr>
-        <p:spPr/>
-        <p:txBody>
-          <a:bodyPr/>
-          <a:lstStyle/>
-          <a:p>
-            <a:pPr>
-              <a:defRPr/>
-            </a:pPr>
-            <a:r>
-              <a:rPr lang="en-US">
-                <a:solidFill>
-                  <a:prstClr val="black">
-                    <a:tint val="75000"/>
-                  </a:prstClr>
-                </a:solidFill>
-              </a:rPr>
-              <a:t>GROUP 4: Database management library </a:t>
-            </a:r>
-          </a:p>
-        </p:txBody>
-      </p:sp>
-      <p:sp>
-        <p:nvSpPr>
-          <p:cNvPr id="5" name="Slide Number Placeholder 4"/>
-          <p:cNvSpPr>
-            <a:spLocks noGrp="1"/>
-          </p:cNvSpPr>
-          <p:nvPr>
-            <p:ph type="sldNum" sz="quarter" idx="11"/>
-          </p:nvPr>
-        </p:nvSpPr>
-        <p:spPr/>
-        <p:txBody>
-          <a:bodyPr/>
-          <a:lstStyle/>
-          <a:p>
-            <a:pPr>
-              <a:defRPr/>
-            </a:pPr>
-            <a:fld id="{38F81FAE-D748-4BFC-A8B0-D2E750E8899F}" type="slidenum">
-              <a:rPr lang="en-US" smtClean="0">
-                <a:solidFill>
-                  <a:prstClr val="black">
-                    <a:tint val="75000"/>
-                  </a:prstClr>
-                </a:solidFill>
-              </a:rPr>
-              <a:pPr>
-                <a:defRPr/>
-              </a:pPr>
-              <a:t>8</a:t>
-            </a:fld>
-            <a:endParaRPr lang="en-US" dirty="0">
-              <a:solidFill>
-                <a:prstClr val="black">
-                  <a:tint val="75000"/>
-                </a:prstClr>
-              </a:solidFill>
-            </a:endParaRPr>
-          </a:p>
-        </p:txBody>
-      </p:sp>
-      <p:sp>
-        <p:nvSpPr>
-          <p:cNvPr id="10" name="TextBox 9">
-            <a:extLst>
-              <a:ext uri="{FF2B5EF4-FFF2-40B4-BE49-F238E27FC236}">
-                <a16:creationId xmlns:a16="http://schemas.microsoft.com/office/drawing/2014/main" id="{1A861A97-2FA2-4A01-94E7-AC7812AF5912}"/>
-              </a:ext>
-            </a:extLst>
-          </p:cNvPr>
-          <p:cNvSpPr txBox="1"/>
-          <p:nvPr/>
-        </p:nvSpPr>
-        <p:spPr>
-          <a:xfrm>
-            <a:off x="422246" y="1295400"/>
-            <a:ext cx="4114334" cy="369332"/>
-          </a:xfrm>
-          <a:prstGeom prst="rect">
-            <a:avLst/>
-          </a:prstGeom>
-          <a:noFill/>
-        </p:spPr>
-        <p:txBody>
-          <a:bodyPr wrap="square" rtlCol="0">
-            <a:spAutoFit/>
-          </a:bodyPr>
-          <a:lstStyle/>
-          <a:p>
-            <a:r>
-              <a:rPr lang="en-US" dirty="0">
-                <a:latin typeface="Times New Roman" panose="02020603050405020304" pitchFamily="18" charset="0"/>
-                <a:cs typeface="Times New Roman" panose="02020603050405020304" pitchFamily="18" charset="0"/>
-              </a:rPr>
-              <a:t>2.</a:t>
-            </a:r>
-            <a:r>
-              <a:rPr lang="en-US" dirty="0"/>
-              <a:t> Statistical</a:t>
-            </a:r>
-            <a:r>
-              <a:rPr lang="en-US" dirty="0">
-                <a:latin typeface="Times New Roman" panose="02020603050405020304" pitchFamily="18" charset="0"/>
-                <a:cs typeface="Times New Roman" panose="02020603050405020304" pitchFamily="18" charset="0"/>
-              </a:rPr>
-              <a:t>- </a:t>
-            </a:r>
-            <a:r>
-              <a:rPr lang="en-US" dirty="0" err="1">
-                <a:latin typeface="Times New Roman" panose="02020603050405020304" pitchFamily="18" charset="0"/>
-                <a:cs typeface="Times New Roman" panose="02020603050405020304" pitchFamily="18" charset="0"/>
-              </a:rPr>
-              <a:t>Nguyên</a:t>
-            </a:r>
-            <a:r>
-              <a:rPr lang="en-US" dirty="0">
-                <a:latin typeface="Times New Roman" panose="02020603050405020304" pitchFamily="18" charset="0"/>
-                <a:cs typeface="Times New Roman" panose="02020603050405020304" pitchFamily="18" charset="0"/>
-              </a:rPr>
-              <a:t> </a:t>
-            </a:r>
-          </a:p>
-        </p:txBody>
-      </p:sp>
-      <p:sp>
-        <p:nvSpPr>
-          <p:cNvPr id="2" name="TextBox 1">
-            <a:extLst>
-              <a:ext uri="{FF2B5EF4-FFF2-40B4-BE49-F238E27FC236}">
-                <a16:creationId xmlns:a16="http://schemas.microsoft.com/office/drawing/2014/main" id="{E2715C3A-78B9-476E-A919-E1CF2F4C3628}"/>
-              </a:ext>
-            </a:extLst>
-          </p:cNvPr>
-          <p:cNvSpPr txBox="1"/>
-          <p:nvPr/>
-        </p:nvSpPr>
-        <p:spPr>
-          <a:xfrm>
-            <a:off x="701879" y="2248278"/>
-            <a:ext cx="11074400" cy="1754326"/>
-          </a:xfrm>
-          <a:prstGeom prst="rect">
-            <a:avLst/>
-          </a:prstGeom>
-          <a:noFill/>
-        </p:spPr>
-        <p:txBody>
-          <a:bodyPr wrap="square" rtlCol="0">
-            <a:spAutoFit/>
-          </a:bodyPr>
-          <a:lstStyle/>
-          <a:p>
-            <a:r>
-              <a:rPr lang="en-US" dirty="0">
-                <a:latin typeface="Times New Roman" panose="02020603050405020304" pitchFamily="18" charset="0"/>
-                <a:cs typeface="Times New Roman" panose="02020603050405020304" pitchFamily="18" charset="0"/>
-              </a:rPr>
-              <a:t>"select </a:t>
-            </a:r>
-            <a:r>
-              <a:rPr lang="en-US" dirty="0" err="1">
-                <a:latin typeface="Times New Roman" panose="02020603050405020304" pitchFamily="18" charset="0"/>
-                <a:cs typeface="Times New Roman" panose="02020603050405020304" pitchFamily="18" charset="0"/>
-              </a:rPr>
-              <a:t>o.IDProduct</a:t>
-            </a:r>
-            <a:r>
-              <a:rPr lang="en-US" dirty="0">
-                <a:latin typeface="Times New Roman" panose="02020603050405020304" pitchFamily="18" charset="0"/>
-                <a:cs typeface="Times New Roman" panose="02020603050405020304" pitchFamily="18" charset="0"/>
-              </a:rPr>
-              <a:t>, </a:t>
-            </a:r>
-            <a:r>
-              <a:rPr lang="en-US" dirty="0" err="1">
-                <a:latin typeface="Times New Roman" panose="02020603050405020304" pitchFamily="18" charset="0"/>
-                <a:cs typeface="Times New Roman" panose="02020603050405020304" pitchFamily="18" charset="0"/>
-              </a:rPr>
-              <a:t>p.Price,p.ProductName,p.IDType,a.DateOrder</a:t>
-            </a:r>
-            <a:r>
-              <a:rPr lang="en-US" dirty="0">
-                <a:latin typeface="Times New Roman" panose="02020603050405020304" pitchFamily="18" charset="0"/>
-                <a:cs typeface="Times New Roman" panose="02020603050405020304" pitchFamily="18" charset="0"/>
-              </a:rPr>
-              <a:t>"</a:t>
-            </a:r>
-          </a:p>
-          <a:p>
-            <a:r>
-              <a:rPr lang="en-US" dirty="0">
-                <a:latin typeface="Times New Roman" panose="02020603050405020304" pitchFamily="18" charset="0"/>
-                <a:cs typeface="Times New Roman" panose="02020603050405020304" pitchFamily="18" charset="0"/>
-              </a:rPr>
-              <a:t>                    + " from </a:t>
-            </a:r>
-            <a:r>
-              <a:rPr lang="en-US" dirty="0" err="1">
-                <a:latin typeface="Times New Roman" panose="02020603050405020304" pitchFamily="18" charset="0"/>
-                <a:cs typeface="Times New Roman" panose="02020603050405020304" pitchFamily="18" charset="0"/>
-              </a:rPr>
-              <a:t>OrderDetails</a:t>
-            </a:r>
-            <a:r>
-              <a:rPr lang="en-US" dirty="0">
-                <a:latin typeface="Times New Roman" panose="02020603050405020304" pitchFamily="18" charset="0"/>
-                <a:cs typeface="Times New Roman" panose="02020603050405020304" pitchFamily="18" charset="0"/>
-              </a:rPr>
-              <a:t> o join Product p on </a:t>
-            </a:r>
-            <a:r>
-              <a:rPr lang="en-US" dirty="0" err="1">
-                <a:latin typeface="Times New Roman" panose="02020603050405020304" pitchFamily="18" charset="0"/>
-                <a:cs typeface="Times New Roman" panose="02020603050405020304" pitchFamily="18" charset="0"/>
-              </a:rPr>
-              <a:t>o.IDProduct</a:t>
-            </a:r>
-            <a:r>
-              <a:rPr lang="en-US" dirty="0">
-                <a:latin typeface="Times New Roman" panose="02020603050405020304" pitchFamily="18" charset="0"/>
-                <a:cs typeface="Times New Roman" panose="02020603050405020304" pitchFamily="18" charset="0"/>
-              </a:rPr>
-              <a:t>=</a:t>
-            </a:r>
-            <a:r>
-              <a:rPr lang="en-US" dirty="0" err="1">
-                <a:latin typeface="Times New Roman" panose="02020603050405020304" pitchFamily="18" charset="0"/>
-                <a:cs typeface="Times New Roman" panose="02020603050405020304" pitchFamily="18" charset="0"/>
-              </a:rPr>
-              <a:t>p.IDProduct</a:t>
-            </a:r>
-            <a:r>
-              <a:rPr lang="en-US" dirty="0">
-                <a:latin typeface="Times New Roman" panose="02020603050405020304" pitchFamily="18" charset="0"/>
-                <a:cs typeface="Times New Roman" panose="02020603050405020304" pitchFamily="18" charset="0"/>
-              </a:rPr>
-              <a:t>"</a:t>
-            </a:r>
-          </a:p>
-          <a:p>
-            <a:r>
-              <a:rPr lang="en-US" dirty="0">
-                <a:latin typeface="Times New Roman" panose="02020603050405020304" pitchFamily="18" charset="0"/>
-                <a:cs typeface="Times New Roman" panose="02020603050405020304" pitchFamily="18" charset="0"/>
-              </a:rPr>
-              <a:t>                    + "	join [Order] a on </a:t>
-            </a:r>
-            <a:r>
-              <a:rPr lang="en-US" dirty="0" err="1">
-                <a:latin typeface="Times New Roman" panose="02020603050405020304" pitchFamily="18" charset="0"/>
-                <a:cs typeface="Times New Roman" panose="02020603050405020304" pitchFamily="18" charset="0"/>
-              </a:rPr>
-              <a:t>a.IDOrder</a:t>
-            </a:r>
-            <a:r>
-              <a:rPr lang="en-US" dirty="0">
-                <a:latin typeface="Times New Roman" panose="02020603050405020304" pitchFamily="18" charset="0"/>
-                <a:cs typeface="Times New Roman" panose="02020603050405020304" pitchFamily="18" charset="0"/>
-              </a:rPr>
-              <a:t>=</a:t>
-            </a:r>
-            <a:r>
-              <a:rPr lang="en-US" dirty="0" err="1">
-                <a:latin typeface="Times New Roman" panose="02020603050405020304" pitchFamily="18" charset="0"/>
-                <a:cs typeface="Times New Roman" panose="02020603050405020304" pitchFamily="18" charset="0"/>
-              </a:rPr>
-              <a:t>o.IDOrder</a:t>
-            </a:r>
-            <a:r>
-              <a:rPr lang="en-US" dirty="0">
-                <a:latin typeface="Times New Roman" panose="02020603050405020304" pitchFamily="18" charset="0"/>
-                <a:cs typeface="Times New Roman" panose="02020603050405020304" pitchFamily="18" charset="0"/>
-              </a:rPr>
-              <a:t>"</a:t>
-            </a:r>
-          </a:p>
-          <a:p>
-            <a:r>
-              <a:rPr lang="en-US" dirty="0">
-                <a:latin typeface="Times New Roman" panose="02020603050405020304" pitchFamily="18" charset="0"/>
-                <a:cs typeface="Times New Roman" panose="02020603050405020304" pitchFamily="18" charset="0"/>
-              </a:rPr>
-              <a:t>                    + " where convert(varchar, TRY_PARSE(</a:t>
-            </a:r>
-            <a:r>
-              <a:rPr lang="en-US" dirty="0" err="1">
-                <a:latin typeface="Times New Roman" panose="02020603050405020304" pitchFamily="18" charset="0"/>
-                <a:cs typeface="Times New Roman" panose="02020603050405020304" pitchFamily="18" charset="0"/>
-              </a:rPr>
-              <a:t>DateOrder</a:t>
-            </a:r>
-            <a:r>
-              <a:rPr lang="en-US" dirty="0">
-                <a:latin typeface="Times New Roman" panose="02020603050405020304" pitchFamily="18" charset="0"/>
-                <a:cs typeface="Times New Roman" panose="02020603050405020304" pitchFamily="18" charset="0"/>
-              </a:rPr>
-              <a:t> as date using 'vi-</a:t>
-            </a:r>
-            <a:r>
-              <a:rPr lang="en-US" dirty="0" err="1">
-                <a:latin typeface="Times New Roman" panose="02020603050405020304" pitchFamily="18" charset="0"/>
-                <a:cs typeface="Times New Roman" panose="02020603050405020304" pitchFamily="18" charset="0"/>
-              </a:rPr>
-              <a:t>vn</a:t>
-            </a:r>
-            <a:r>
-              <a:rPr lang="en-US" dirty="0">
-                <a:latin typeface="Times New Roman" panose="02020603050405020304" pitchFamily="18" charset="0"/>
-                <a:cs typeface="Times New Roman" panose="02020603050405020304" pitchFamily="18" charset="0"/>
-              </a:rPr>
-              <a:t>'), 111) &gt;= '" + start + "'"</a:t>
-            </a:r>
-          </a:p>
-          <a:p>
-            <a:r>
-              <a:rPr lang="en-US" dirty="0">
-                <a:latin typeface="Times New Roman" panose="02020603050405020304" pitchFamily="18" charset="0"/>
-                <a:cs typeface="Times New Roman" panose="02020603050405020304" pitchFamily="18" charset="0"/>
-              </a:rPr>
-              <a:t>                    + "  and convert(varchar, TRY_PARSE(</a:t>
-            </a:r>
-            <a:r>
-              <a:rPr lang="en-US" dirty="0" err="1">
-                <a:latin typeface="Times New Roman" panose="02020603050405020304" pitchFamily="18" charset="0"/>
-                <a:cs typeface="Times New Roman" panose="02020603050405020304" pitchFamily="18" charset="0"/>
-              </a:rPr>
-              <a:t>DateOrder</a:t>
-            </a:r>
-            <a:r>
-              <a:rPr lang="en-US" dirty="0">
-                <a:latin typeface="Times New Roman" panose="02020603050405020304" pitchFamily="18" charset="0"/>
-                <a:cs typeface="Times New Roman" panose="02020603050405020304" pitchFamily="18" charset="0"/>
-              </a:rPr>
-              <a:t> as date using 'vi-</a:t>
-            </a:r>
-            <a:r>
-              <a:rPr lang="en-US" dirty="0" err="1">
-                <a:latin typeface="Times New Roman" panose="02020603050405020304" pitchFamily="18" charset="0"/>
-                <a:cs typeface="Times New Roman" panose="02020603050405020304" pitchFamily="18" charset="0"/>
-              </a:rPr>
-              <a:t>vn</a:t>
-            </a:r>
-            <a:r>
-              <a:rPr lang="en-US" dirty="0">
-                <a:latin typeface="Times New Roman" panose="02020603050405020304" pitchFamily="18" charset="0"/>
-                <a:cs typeface="Times New Roman" panose="02020603050405020304" pitchFamily="18" charset="0"/>
-              </a:rPr>
-              <a:t>'), 111) &lt;= '" + end + "' order by convert(varchar, TRY_PARSE(</a:t>
-            </a:r>
-            <a:r>
-              <a:rPr lang="en-US" dirty="0" err="1">
-                <a:latin typeface="Times New Roman" panose="02020603050405020304" pitchFamily="18" charset="0"/>
-                <a:cs typeface="Times New Roman" panose="02020603050405020304" pitchFamily="18" charset="0"/>
-              </a:rPr>
-              <a:t>DateOrder</a:t>
-            </a:r>
-            <a:r>
-              <a:rPr lang="en-US" dirty="0">
-                <a:latin typeface="Times New Roman" panose="02020603050405020304" pitchFamily="18" charset="0"/>
-                <a:cs typeface="Times New Roman" panose="02020603050405020304" pitchFamily="18" charset="0"/>
-              </a:rPr>
-              <a:t> as date using 'vi-</a:t>
-            </a:r>
-            <a:r>
-              <a:rPr lang="en-US" dirty="0" err="1">
-                <a:latin typeface="Times New Roman" panose="02020603050405020304" pitchFamily="18" charset="0"/>
-                <a:cs typeface="Times New Roman" panose="02020603050405020304" pitchFamily="18" charset="0"/>
-              </a:rPr>
-              <a:t>vn</a:t>
-            </a:r>
-            <a:r>
-              <a:rPr lang="en-US" dirty="0">
-                <a:latin typeface="Times New Roman" panose="02020603050405020304" pitchFamily="18" charset="0"/>
-                <a:cs typeface="Times New Roman" panose="02020603050405020304" pitchFamily="18" charset="0"/>
-              </a:rPr>
-              <a:t>'), 111) DESC");</a:t>
-            </a:r>
-          </a:p>
-        </p:txBody>
-      </p:sp>
-    </p:spTree>
-    <p:extLst>
-      <p:ext uri="{BB962C8B-B14F-4D97-AF65-F5344CB8AC3E}">
-        <p14:creationId xmlns:p14="http://schemas.microsoft.com/office/powerpoint/2010/main" val="2957062227"/>
-      </p:ext>
-    </p:extLst>
-  </p:cSld>
-  <p:clrMapOvr>
-    <a:masterClrMapping/>
-  </p:clrMapOvr>
-  <p:transition>
-    <p:split orient="vert"/>
-  </p:transition>
-</p:sld>
-</file>
-
-<file path=ppt/slides/slide9.xml><?xml version="1.0" encoding="utf-8"?>
-<p:sld xmlns:a="http://schemas.openxmlformats.org/drawingml/2006/main" xmlns:r="http://schemas.openxmlformats.org/officeDocument/2006/relationships" xmlns:p="http://schemas.openxmlformats.org/presentationml/2006/main">
-  <p:cSld>
-    <p:spTree>
-      <p:nvGrpSpPr>
-        <p:cNvPr id="1" name=""/>
-        <p:cNvGrpSpPr/>
-        <p:nvPr/>
-      </p:nvGrpSpPr>
-      <p:grpSpPr>
-        <a:xfrm>
-          <a:off x="0" y="0"/>
-          <a:ext cx="0" cy="0"/>
-          <a:chOff x="0" y="0"/>
-          <a:chExt cx="0" cy="0"/>
-        </a:xfrm>
-      </p:grpSpPr>
-      <p:sp>
-        <p:nvSpPr>
-          <p:cNvPr id="3" name="Title 2"/>
-          <p:cNvSpPr>
-            <a:spLocks noGrp="1"/>
-          </p:cNvSpPr>
-          <p:nvPr>
-            <p:ph type="title"/>
-          </p:nvPr>
-        </p:nvSpPr>
-        <p:spPr/>
-        <p:txBody>
-          <a:bodyPr/>
-          <a:lstStyle/>
-          <a:p>
-            <a:r>
-              <a:rPr lang="en-US" dirty="0"/>
-              <a:t>The functions of the application</a:t>
-            </a:r>
-          </a:p>
-        </p:txBody>
-      </p:sp>
-      <p:sp>
-        <p:nvSpPr>
-          <p:cNvPr id="4" name="Footer Placeholder 3"/>
-          <p:cNvSpPr>
-            <a:spLocks noGrp="1"/>
-          </p:cNvSpPr>
-          <p:nvPr>
-            <p:ph type="ftr" sz="quarter" idx="10"/>
-          </p:nvPr>
-        </p:nvSpPr>
-        <p:spPr/>
-        <p:txBody>
-          <a:bodyPr/>
-          <a:lstStyle/>
-          <a:p>
-            <a:pPr>
-              <a:defRPr/>
-            </a:pPr>
-            <a:r>
-              <a:rPr lang="en-US">
-                <a:solidFill>
-                  <a:prstClr val="black">
-                    <a:tint val="75000"/>
-                  </a:prstClr>
-                </a:solidFill>
-              </a:rPr>
-              <a:t>GROUP 4: Database management library </a:t>
-            </a:r>
-          </a:p>
-        </p:txBody>
-      </p:sp>
-      <p:sp>
-        <p:nvSpPr>
-          <p:cNvPr id="5" name="Slide Number Placeholder 4"/>
-          <p:cNvSpPr>
-            <a:spLocks noGrp="1"/>
-          </p:cNvSpPr>
-          <p:nvPr>
-            <p:ph type="sldNum" sz="quarter" idx="11"/>
-          </p:nvPr>
-        </p:nvSpPr>
-        <p:spPr/>
-        <p:txBody>
-          <a:bodyPr/>
-          <a:lstStyle/>
-          <a:p>
-            <a:pPr>
-              <a:defRPr/>
-            </a:pPr>
-            <a:fld id="{38F81FAE-D748-4BFC-A8B0-D2E750E8899F}" type="slidenum">
-              <a:rPr lang="en-US" smtClean="0">
-                <a:solidFill>
-                  <a:prstClr val="black">
-                    <a:tint val="75000"/>
-                  </a:prstClr>
-                </a:solidFill>
-              </a:rPr>
-              <a:pPr>
-                <a:defRPr/>
-              </a:pPr>
-              <a:t>9</a:t>
-            </a:fld>
-            <a:endParaRPr lang="en-US" dirty="0">
-              <a:solidFill>
-                <a:prstClr val="black">
-                  <a:tint val="75000"/>
-                </a:prstClr>
-              </a:solidFill>
-            </a:endParaRPr>
-          </a:p>
-        </p:txBody>
-      </p:sp>
-      <p:sp>
-        <p:nvSpPr>
-          <p:cNvPr id="10" name="TextBox 9">
-            <a:extLst>
-              <a:ext uri="{FF2B5EF4-FFF2-40B4-BE49-F238E27FC236}">
-                <a16:creationId xmlns:a16="http://schemas.microsoft.com/office/drawing/2014/main" id="{1A861A97-2FA2-4A01-94E7-AC7812AF5912}"/>
-              </a:ext>
-            </a:extLst>
-          </p:cNvPr>
-          <p:cNvSpPr txBox="1"/>
-          <p:nvPr/>
-        </p:nvSpPr>
-        <p:spPr>
-          <a:xfrm>
-            <a:off x="508000" y="1295401"/>
-            <a:ext cx="4114334" cy="369332"/>
-          </a:xfrm>
-          <a:prstGeom prst="rect">
-            <a:avLst/>
-          </a:prstGeom>
-          <a:noFill/>
-        </p:spPr>
-        <p:txBody>
-          <a:bodyPr wrap="square" rtlCol="0">
-            <a:spAutoFit/>
-          </a:bodyPr>
-          <a:lstStyle/>
-          <a:p>
-            <a:r>
-              <a:rPr lang="en-US" dirty="0">
-                <a:latin typeface="Times New Roman" panose="02020603050405020304" pitchFamily="18" charset="0"/>
-                <a:cs typeface="Times New Roman" panose="02020603050405020304" pitchFamily="18" charset="0"/>
-              </a:rPr>
-              <a:t>2.</a:t>
-            </a:r>
-            <a:r>
-              <a:rPr lang="en-US" dirty="0"/>
-              <a:t> Employee Management </a:t>
-            </a:r>
-            <a:r>
-              <a:rPr lang="en-US" dirty="0">
-                <a:latin typeface="Times New Roman" panose="02020603050405020304" pitchFamily="18" charset="0"/>
-                <a:cs typeface="Times New Roman" panose="02020603050405020304" pitchFamily="18" charset="0"/>
-              </a:rPr>
-              <a:t>- </a:t>
-            </a:r>
-            <a:r>
-              <a:rPr lang="en-US" dirty="0" err="1">
-                <a:latin typeface="Times New Roman" panose="02020603050405020304" pitchFamily="18" charset="0"/>
-                <a:cs typeface="Times New Roman" panose="02020603050405020304" pitchFamily="18" charset="0"/>
-              </a:rPr>
-              <a:t>Lý</a:t>
-            </a:r>
-            <a:endParaRPr lang="en-US" dirty="0">
-              <a:latin typeface="Times New Roman" panose="02020603050405020304" pitchFamily="18" charset="0"/>
-              <a:cs typeface="Times New Roman" panose="02020603050405020304" pitchFamily="18" charset="0"/>
-            </a:endParaRPr>
-          </a:p>
-        </p:txBody>
-      </p:sp>
-      <p:pic>
-        <p:nvPicPr>
-          <p:cNvPr id="7" name="Picture 6">
-            <a:extLst>
-              <a:ext uri="{FF2B5EF4-FFF2-40B4-BE49-F238E27FC236}">
-                <a16:creationId xmlns:a16="http://schemas.microsoft.com/office/drawing/2014/main" id="{7C6492D9-EAF7-4D56-B9F6-C60510FC0E5D}"/>
-              </a:ext>
-            </a:extLst>
-          </p:cNvPr>
-          <p:cNvPicPr/>
-          <p:nvPr/>
-        </p:nvPicPr>
-        <p:blipFill>
-          <a:blip r:embed="rId2">
-            <a:extLst>
-              <a:ext uri="{28A0092B-C50C-407E-A947-70E740481C1C}">
-                <a14:useLocalDpi xmlns:a14="http://schemas.microsoft.com/office/drawing/2010/main" val="0"/>
-              </a:ext>
-            </a:extLst>
-          </a:blip>
-          <a:stretch>
-            <a:fillRect/>
-          </a:stretch>
-        </p:blipFill>
-        <p:spPr>
-          <a:xfrm>
-            <a:off x="361659" y="1566024"/>
-            <a:ext cx="5943600" cy="3272155"/>
-          </a:xfrm>
-          <a:prstGeom prst="rect">
-            <a:avLst/>
-          </a:prstGeom>
-        </p:spPr>
-      </p:pic>
-      <p:pic>
-        <p:nvPicPr>
-          <p:cNvPr id="9" name="Picture 8">
-            <a:extLst>
-              <a:ext uri="{FF2B5EF4-FFF2-40B4-BE49-F238E27FC236}">
-                <a16:creationId xmlns:a16="http://schemas.microsoft.com/office/drawing/2014/main" id="{694977BE-A0D3-4D37-9F85-E58D7909A63E}"/>
-              </a:ext>
-            </a:extLst>
-          </p:cNvPr>
-          <p:cNvPicPr/>
-          <p:nvPr/>
-        </p:nvPicPr>
-        <p:blipFill>
-          <a:blip r:embed="rId3">
-            <a:extLst>
-              <a:ext uri="{28A0092B-C50C-407E-A947-70E740481C1C}">
-                <a14:useLocalDpi xmlns:a14="http://schemas.microsoft.com/office/drawing/2010/main" val="0"/>
-              </a:ext>
-            </a:extLst>
-          </a:blip>
-          <a:stretch>
-            <a:fillRect/>
-          </a:stretch>
-        </p:blipFill>
-        <p:spPr>
-          <a:xfrm>
-            <a:off x="5765800" y="2990406"/>
-            <a:ext cx="5943600" cy="3274695"/>
-          </a:xfrm>
-          <a:prstGeom prst="rect">
-            <a:avLst/>
-          </a:prstGeom>
-        </p:spPr>
-      </p:pic>
-    </p:spTree>
-    <p:extLst>
-      <p:ext uri="{BB962C8B-B14F-4D97-AF65-F5344CB8AC3E}">
-        <p14:creationId xmlns:p14="http://schemas.microsoft.com/office/powerpoint/2010/main" val="695298375"/>
+        <p14:creationId xmlns:p14="http://schemas.microsoft.com/office/powerpoint/2010/main" val="862416329"/>
       </p:ext>
     </p:extLst>
   </p:cSld>

--- a/Present.pptx
+++ b/Present.pptx
@@ -5658,13 +5658,13 @@
               <a:rPr lang="en-US" sz="2000" dirty="0">
                 <a:latin typeface="+mj-lt"/>
               </a:rPr>
-              <a:t>H</a:t>
+              <a:t>R</a:t>
             </a:r>
             <a:r>
               <a:rPr lang="vi-VN" sz="2000" dirty="0">
                 <a:latin typeface="+mj-lt"/>
               </a:rPr>
-              <a:t>istory</a:t>
+              <a:t>evenue</a:t>
             </a:r>
           </a:p>
           <a:p>
@@ -5682,14 +5682,17 @@
               <a:rPr lang="en-US" sz="2000" dirty="0">
                 <a:latin typeface="+mj-lt"/>
               </a:rPr>
-              <a:t>R</a:t>
+              <a:t>T</a:t>
             </a:r>
             <a:r>
               <a:rPr lang="vi-VN" sz="2000" dirty="0">
                 <a:latin typeface="+mj-lt"/>
               </a:rPr>
-              <a:t>evenue</a:t>
-            </a:r>
+              <a:t>hống kê</a:t>
+            </a:r>
+            <a:endParaRPr lang="en-US" sz="2000" dirty="0">
+              <a:latin typeface="+mj-lt"/>
+            </a:endParaRPr>
           </a:p>
           <a:p>
             <a:pPr lvl="1">
@@ -5697,23 +5700,14 @@
               <a:buChar char="•"/>
             </a:pPr>
             <a:r>
-              <a:rPr lang="vi-VN" sz="2000" dirty="0">
-                <a:latin typeface="+mj-lt"/>
-              </a:rPr>
-              <a:t>	</a:t>
-            </a:r>
-            <a:r>
               <a:rPr lang="en-US" sz="2000" dirty="0">
                 <a:latin typeface="+mj-lt"/>
               </a:rPr>
-              <a:t>T</a:t>
-            </a:r>
-            <a:r>
-              <a:rPr lang="vi-VN" sz="2000" dirty="0">
-                <a:latin typeface="+mj-lt"/>
-              </a:rPr>
-              <a:t>hống kê</a:t>
-            </a:r>
+              <a:t>    Class Diagrams</a:t>
+            </a:r>
+            <a:endParaRPr lang="vi-VN" sz="2000" dirty="0">
+              <a:latin typeface="+mj-lt"/>
+            </a:endParaRPr>
           </a:p>
           <a:p>
             <a:endParaRPr lang="en-US" sz="2000" dirty="0">

--- a/Present.pptx
+++ b/Present.pptx
@@ -5851,7 +5851,7 @@
         <p:spPr>
           <a:xfrm>
             <a:off x="7155809" y="1786855"/>
-            <a:ext cx="3934436" cy="3785652"/>
+            <a:ext cx="3934436" cy="3477875"/>
           </a:xfrm>
           <a:prstGeom prst="rect">
             <a:avLst/>
@@ -5907,29 +5907,14 @@
               <a:t>	B</a:t>
             </a:r>
             <a:r>
-              <a:rPr lang="vi-VN" sz="2000" dirty="0">
+              <a:rPr lang="vi-VN" sz="2000">
                 <a:latin typeface="Times New Roman (Headings)"/>
               </a:rPr>
               <a:t>illform</a:t>
             </a:r>
-          </a:p>
-          <a:p>
-            <a:pPr marL="742950" lvl="1" indent="-285750">
-              <a:buFont typeface="Arial" panose="020B0604020202020204" pitchFamily="34" charset="0"/>
-              <a:buChar char="•"/>
-            </a:pPr>
-            <a:r>
-              <a:rPr lang="en-US" sz="2000" dirty="0">
-                <a:latin typeface="Times New Roman (Headings)"/>
-              </a:rPr>
-              <a:t>	C</a:t>
-            </a:r>
-            <a:r>
-              <a:rPr lang="vi-VN" sz="2000" dirty="0">
-                <a:latin typeface="Times New Roman (Headings)"/>
-              </a:rPr>
-              <a:t>ombolistener</a:t>
-            </a:r>
+            <a:endParaRPr lang="vi-VN" sz="2000" dirty="0">
+              <a:latin typeface="Times New Roman (Headings)"/>
+            </a:endParaRPr>
           </a:p>
           <a:p>
             <a:pPr marL="742950" lvl="1" indent="-285750">
